--- a/assets/images/해시/해시.pptx
+++ b/assets/images/해시/해시.pptx
@@ -14,6 +14,14 @@
     <p:sldId id="262" r:id="rId8"/>
     <p:sldId id="263" r:id="rId9"/>
     <p:sldId id="264" r:id="rId10"/>
+    <p:sldId id="266" r:id="rId11"/>
+    <p:sldId id="265" r:id="rId12"/>
+    <p:sldId id="267" r:id="rId13"/>
+    <p:sldId id="268" r:id="rId14"/>
+    <p:sldId id="269" r:id="rId15"/>
+    <p:sldId id="270" r:id="rId16"/>
+    <p:sldId id="271" r:id="rId17"/>
+    <p:sldId id="272" r:id="rId18"/>
   </p:sldIdLst>
   <p:sldSz cx="12192000" cy="6858000"/>
   <p:notesSz cx="6858000" cy="9144000"/>
@@ -114,7 +122,18 @@
   </p:defaultTextStyle>
   <p:extLst>
     <p:ext uri="{EFAFB233-063F-42B5-8137-9DF3F51BA10A}">
-      <p15:sldGuideLst xmlns:p15="http://schemas.microsoft.com/office/powerpoint/2012/main" xmlns=""/>
+      <p15:sldGuideLst xmlns:p15="http://schemas.microsoft.com/office/powerpoint/2012/main">
+        <p15:guide id="1" orient="horz" pos="2160">
+          <p15:clr>
+            <a:srgbClr val="A4A3A4"/>
+          </p15:clr>
+        </p15:guide>
+        <p15:guide id="2" pos="3840">
+          <p15:clr>
+            <a:srgbClr val="A4A3A4"/>
+          </p15:clr>
+        </p15:guide>
+      </p15:sldGuideLst>
     </p:ext>
   </p:extLst>
 </p:presentation>
@@ -123,8 +142,7 @@
 <file path=ppt/revisionInfo.xml><?xml version="1.0" encoding="utf-8"?>
 <p1510:revInfo xmlns:a="http://schemas.openxmlformats.org/drawingml/2006/main" xmlns:r="http://schemas.openxmlformats.org/officeDocument/2006/relationships" xmlns:p1510="http://schemas.microsoft.com/office/powerpoint/2015/10/main">
   <p1510:revLst>
-    <p1510:client id="{00202761-97CB-4AC1-9E2D-CF905E2911AA}" v="720" dt="2021-11-28T04:46:03.401"/>
-    <p1510:client id="{0A9AFAF1-EF16-474D-B936-CDAB3744CE80}" v="1" dt="2021-11-28T03:50:33.309"/>
+    <p1510:client id="{80D19FDE-1CD2-480E-9C18-54C7A3C6D7C5}" v="455" dt="2022-08-01T14:00:49.609"/>
   </p1510:revLst>
 </p1510:revInfo>
 </file>
@@ -492,6 +510,459 @@
             <pc:docMk/>
             <pc:sldMk cId="2112404214" sldId="256"/>
             <ac:graphicFrameMk id="15" creationId="{44831AB8-9705-4702-B335-A0B65897355A}"/>
+          </ac:graphicFrameMkLst>
+        </pc:graphicFrameChg>
+      </pc:sldChg>
+    </pc:docChg>
+  </pc:docChgLst>
+  <pc:docChgLst>
+    <pc:chgData name="노태현" userId="96c899e7-218f-44fa-88d0-cfd2f9582355" providerId="ADAL" clId="{80D19FDE-1CD2-480E-9C18-54C7A3C6D7C5}"/>
+    <pc:docChg chg="undo custSel addSld modSld">
+      <pc:chgData name="노태현" userId="96c899e7-218f-44fa-88d0-cfd2f9582355" providerId="ADAL" clId="{80D19FDE-1CD2-480E-9C18-54C7A3C6D7C5}" dt="2022-08-01T14:00:51.932" v="6145" actId="20577"/>
+      <pc:docMkLst>
+        <pc:docMk/>
+      </pc:docMkLst>
+      <pc:sldChg chg="modSp mod">
+        <pc:chgData name="노태현" userId="96c899e7-218f-44fa-88d0-cfd2f9582355" providerId="ADAL" clId="{80D19FDE-1CD2-480E-9C18-54C7A3C6D7C5}" dt="2022-08-01T13:48:24.341" v="6122" actId="20577"/>
+        <pc:sldMkLst>
+          <pc:docMk/>
+          <pc:sldMk cId="2112404214" sldId="256"/>
+        </pc:sldMkLst>
+        <pc:spChg chg="mod">
+          <ac:chgData name="노태현" userId="96c899e7-218f-44fa-88d0-cfd2f9582355" providerId="ADAL" clId="{80D19FDE-1CD2-480E-9C18-54C7A3C6D7C5}" dt="2022-08-01T13:48:24.341" v="6122" actId="20577"/>
+          <ac:spMkLst>
+            <pc:docMk/>
+            <pc:sldMk cId="2112404214" sldId="256"/>
+            <ac:spMk id="10" creationId="{6977B01B-CBE6-4FC6-A9AD-D322C5043188}"/>
+          </ac:spMkLst>
+        </pc:spChg>
+      </pc:sldChg>
+      <pc:sldChg chg="modSp mod">
+        <pc:chgData name="노태현" userId="96c899e7-218f-44fa-88d0-cfd2f9582355" providerId="ADAL" clId="{80D19FDE-1CD2-480E-9C18-54C7A3C6D7C5}" dt="2022-08-01T12:08:48.898" v="5" actId="2710"/>
+        <pc:sldMkLst>
+          <pc:docMk/>
+          <pc:sldMk cId="4094573127" sldId="261"/>
+        </pc:sldMkLst>
+        <pc:spChg chg="mod">
+          <ac:chgData name="노태현" userId="96c899e7-218f-44fa-88d0-cfd2f9582355" providerId="ADAL" clId="{80D19FDE-1CD2-480E-9C18-54C7A3C6D7C5}" dt="2022-08-01T12:08:48.898" v="5" actId="2710"/>
+          <ac:spMkLst>
+            <pc:docMk/>
+            <pc:sldMk cId="4094573127" sldId="261"/>
+            <ac:spMk id="11" creationId="{4C796890-5A98-43B2-B6CB-3A5419E9BC89}"/>
+          </ac:spMkLst>
+        </pc:spChg>
+      </pc:sldChg>
+      <pc:sldChg chg="modSp mod">
+        <pc:chgData name="노태현" userId="96c899e7-218f-44fa-88d0-cfd2f9582355" providerId="ADAL" clId="{80D19FDE-1CD2-480E-9C18-54C7A3C6D7C5}" dt="2022-08-01T12:09:18.647" v="11" actId="1076"/>
+        <pc:sldMkLst>
+          <pc:docMk/>
+          <pc:sldMk cId="3876706199" sldId="262"/>
+        </pc:sldMkLst>
+        <pc:spChg chg="mod">
+          <ac:chgData name="노태현" userId="96c899e7-218f-44fa-88d0-cfd2f9582355" providerId="ADAL" clId="{80D19FDE-1CD2-480E-9C18-54C7A3C6D7C5}" dt="2022-08-01T12:09:18.647" v="11" actId="1076"/>
+          <ac:spMkLst>
+            <pc:docMk/>
+            <pc:sldMk cId="3876706199" sldId="262"/>
+            <ac:spMk id="11" creationId="{4C796890-5A98-43B2-B6CB-3A5419E9BC89}"/>
+          </ac:spMkLst>
+        </pc:spChg>
+      </pc:sldChg>
+      <pc:sldChg chg="addSp delSp modSp mod">
+        <pc:chgData name="노태현" userId="96c899e7-218f-44fa-88d0-cfd2f9582355" providerId="ADAL" clId="{80D19FDE-1CD2-480E-9C18-54C7A3C6D7C5}" dt="2022-08-01T12:19:12.431" v="807"/>
+        <pc:sldMkLst>
+          <pc:docMk/>
+          <pc:sldMk cId="2839364316" sldId="264"/>
+        </pc:sldMkLst>
+        <pc:spChg chg="add del mod">
+          <ac:chgData name="노태현" userId="96c899e7-218f-44fa-88d0-cfd2f9582355" providerId="ADAL" clId="{80D19FDE-1CD2-480E-9C18-54C7A3C6D7C5}" dt="2022-08-01T12:15:35.840" v="476" actId="478"/>
+          <ac:spMkLst>
+            <pc:docMk/>
+            <pc:sldMk cId="2839364316" sldId="264"/>
+            <ac:spMk id="4" creationId="{5892876E-4207-0F78-48A4-4B14AF32324A}"/>
+          </ac:spMkLst>
+        </pc:spChg>
+        <pc:spChg chg="add mod">
+          <ac:chgData name="노태현" userId="96c899e7-218f-44fa-88d0-cfd2f9582355" providerId="ADAL" clId="{80D19FDE-1CD2-480E-9C18-54C7A3C6D7C5}" dt="2022-08-01T12:19:12.431" v="807"/>
+          <ac:spMkLst>
+            <pc:docMk/>
+            <pc:sldMk cId="2839364316" sldId="264"/>
+            <ac:spMk id="5" creationId="{815E5399-02D6-E853-53ED-1B9ECD2A4E89}"/>
+          </ac:spMkLst>
+        </pc:spChg>
+        <pc:spChg chg="mod">
+          <ac:chgData name="노태현" userId="96c899e7-218f-44fa-88d0-cfd2f9582355" providerId="ADAL" clId="{80D19FDE-1CD2-480E-9C18-54C7A3C6D7C5}" dt="2022-08-01T12:13:15.534" v="465" actId="20577"/>
+          <ac:spMkLst>
+            <pc:docMk/>
+            <pc:sldMk cId="2839364316" sldId="264"/>
+            <ac:spMk id="12" creationId="{135E210C-72BF-4DB2-BAF2-0F829620A28A}"/>
+          </ac:spMkLst>
+        </pc:spChg>
+        <pc:graphicFrameChg chg="add mod modGraphic">
+          <ac:chgData name="노태현" userId="96c899e7-218f-44fa-88d0-cfd2f9582355" providerId="ADAL" clId="{80D19FDE-1CD2-480E-9C18-54C7A3C6D7C5}" dt="2022-08-01T12:16:06.866" v="505" actId="20577"/>
+          <ac:graphicFrameMkLst>
+            <pc:docMk/>
+            <pc:sldMk cId="2839364316" sldId="264"/>
+            <ac:graphicFrameMk id="3" creationId="{C839CA89-1F49-D04B-E6E6-C9757B6CBD53}"/>
+          </ac:graphicFrameMkLst>
+        </pc:graphicFrameChg>
+      </pc:sldChg>
+      <pc:sldChg chg="addSp delSp modSp add mod">
+        <pc:chgData name="노태현" userId="96c899e7-218f-44fa-88d0-cfd2f9582355" providerId="ADAL" clId="{80D19FDE-1CD2-480E-9C18-54C7A3C6D7C5}" dt="2022-08-01T13:06:30.750" v="2656"/>
+        <pc:sldMkLst>
+          <pc:docMk/>
+          <pc:sldMk cId="1100893730" sldId="265"/>
+        </pc:sldMkLst>
+        <pc:spChg chg="mod">
+          <ac:chgData name="노태현" userId="96c899e7-218f-44fa-88d0-cfd2f9582355" providerId="ADAL" clId="{80D19FDE-1CD2-480E-9C18-54C7A3C6D7C5}" dt="2022-08-01T13:06:25.928" v="2654" actId="20577"/>
+          <ac:spMkLst>
+            <pc:docMk/>
+            <pc:sldMk cId="1100893730" sldId="265"/>
+            <ac:spMk id="4" creationId="{5892876E-4207-0F78-48A4-4B14AF32324A}"/>
+          </ac:spMkLst>
+        </pc:spChg>
+        <pc:spChg chg="add del mod">
+          <ac:chgData name="노태현" userId="96c899e7-218f-44fa-88d0-cfd2f9582355" providerId="ADAL" clId="{80D19FDE-1CD2-480E-9C18-54C7A3C6D7C5}" dt="2022-08-01T13:06:30.750" v="2656"/>
+          <ac:spMkLst>
+            <pc:docMk/>
+            <pc:sldMk cId="1100893730" sldId="265"/>
+            <ac:spMk id="10" creationId="{6AF2DEC0-B1FD-64DB-5769-7CA6492CC52B}"/>
+          </ac:spMkLst>
+        </pc:spChg>
+        <pc:spChg chg="mod">
+          <ac:chgData name="노태현" userId="96c899e7-218f-44fa-88d0-cfd2f9582355" providerId="ADAL" clId="{80D19FDE-1CD2-480E-9C18-54C7A3C6D7C5}" dt="2022-08-01T12:27:04.726" v="2394" actId="5793"/>
+          <ac:spMkLst>
+            <pc:docMk/>
+            <pc:sldMk cId="1100893730" sldId="265"/>
+            <ac:spMk id="12" creationId="{135E210C-72BF-4DB2-BAF2-0F829620A28A}"/>
+          </ac:spMkLst>
+        </pc:spChg>
+        <pc:graphicFrameChg chg="add del mod modGraphic">
+          <ac:chgData name="노태현" userId="96c899e7-218f-44fa-88d0-cfd2f9582355" providerId="ADAL" clId="{80D19FDE-1CD2-480E-9C18-54C7A3C6D7C5}" dt="2022-08-01T12:27:32.045" v="2403" actId="3680"/>
+          <ac:graphicFrameMkLst>
+            <pc:docMk/>
+            <pc:sldMk cId="1100893730" sldId="265"/>
+            <ac:graphicFrameMk id="2" creationId="{7B7A867A-89EC-EBA8-D49A-62FD043E7D94}"/>
+          </ac:graphicFrameMkLst>
+        </pc:graphicFrameChg>
+        <pc:graphicFrameChg chg="del">
+          <ac:chgData name="노태현" userId="96c899e7-218f-44fa-88d0-cfd2f9582355" providerId="ADAL" clId="{80D19FDE-1CD2-480E-9C18-54C7A3C6D7C5}" dt="2022-08-01T12:27:08.442" v="2395" actId="478"/>
+          <ac:graphicFrameMkLst>
+            <pc:docMk/>
+            <pc:sldMk cId="1100893730" sldId="265"/>
+            <ac:graphicFrameMk id="3" creationId="{C839CA89-1F49-D04B-E6E6-C9757B6CBD53}"/>
+          </ac:graphicFrameMkLst>
+        </pc:graphicFrameChg>
+        <pc:graphicFrameChg chg="add mod modGraphic">
+          <ac:chgData name="노태현" userId="96c899e7-218f-44fa-88d0-cfd2f9582355" providerId="ADAL" clId="{80D19FDE-1CD2-480E-9C18-54C7A3C6D7C5}" dt="2022-08-01T12:28:10.539" v="2446" actId="20577"/>
+          <ac:graphicFrameMkLst>
+            <pc:docMk/>
+            <pc:sldMk cId="1100893730" sldId="265"/>
+            <ac:graphicFrameMk id="5" creationId="{B0634769-4EDF-9B03-BF15-5CA49603D5BD}"/>
+          </ac:graphicFrameMkLst>
+        </pc:graphicFrameChg>
+        <pc:graphicFrameChg chg="add del">
+          <ac:chgData name="노태현" userId="96c899e7-218f-44fa-88d0-cfd2f9582355" providerId="ADAL" clId="{80D19FDE-1CD2-480E-9C18-54C7A3C6D7C5}" dt="2022-08-01T12:28:26.873" v="2448" actId="478"/>
+          <ac:graphicFrameMkLst>
+            <pc:docMk/>
+            <pc:sldMk cId="1100893730" sldId="265"/>
+            <ac:graphicFrameMk id="6" creationId="{2427B347-902F-90F4-55DC-6266497E520B}"/>
+          </ac:graphicFrameMkLst>
+        </pc:graphicFrameChg>
+        <pc:graphicFrameChg chg="add mod modGraphic">
+          <ac:chgData name="노태현" userId="96c899e7-218f-44fa-88d0-cfd2f9582355" providerId="ADAL" clId="{80D19FDE-1CD2-480E-9C18-54C7A3C6D7C5}" dt="2022-08-01T12:30:16.160" v="2530" actId="20577"/>
+          <ac:graphicFrameMkLst>
+            <pc:docMk/>
+            <pc:sldMk cId="1100893730" sldId="265"/>
+            <ac:graphicFrameMk id="7" creationId="{FEB823D9-E16C-054F-9A94-1E6D21A1AA72}"/>
+          </ac:graphicFrameMkLst>
+        </pc:graphicFrameChg>
+        <pc:graphicFrameChg chg="add del mod">
+          <ac:chgData name="노태현" userId="96c899e7-218f-44fa-88d0-cfd2f9582355" providerId="ADAL" clId="{80D19FDE-1CD2-480E-9C18-54C7A3C6D7C5}" dt="2022-08-01T12:28:44.316" v="2454" actId="478"/>
+          <ac:graphicFrameMkLst>
+            <pc:docMk/>
+            <pc:sldMk cId="1100893730" sldId="265"/>
+            <ac:graphicFrameMk id="9" creationId="{C92BDEE2-01F8-08C4-51AD-C5BEEA255A87}"/>
+          </ac:graphicFrameMkLst>
+        </pc:graphicFrameChg>
+      </pc:sldChg>
+      <pc:sldChg chg="delSp modSp add mod">
+        <pc:chgData name="노태현" userId="96c899e7-218f-44fa-88d0-cfd2f9582355" providerId="ADAL" clId="{80D19FDE-1CD2-480E-9C18-54C7A3C6D7C5}" dt="2022-08-01T12:25:44.208" v="2177" actId="2710"/>
+        <pc:sldMkLst>
+          <pc:docMk/>
+          <pc:sldMk cId="2203263955" sldId="266"/>
+        </pc:sldMkLst>
+        <pc:spChg chg="mod">
+          <ac:chgData name="노태현" userId="96c899e7-218f-44fa-88d0-cfd2f9582355" providerId="ADAL" clId="{80D19FDE-1CD2-480E-9C18-54C7A3C6D7C5}" dt="2022-08-01T12:25:44.208" v="2177" actId="2710"/>
+          <ac:spMkLst>
+            <pc:docMk/>
+            <pc:sldMk cId="2203263955" sldId="266"/>
+            <ac:spMk id="5" creationId="{815E5399-02D6-E853-53ED-1B9ECD2A4E89}"/>
+          </ac:spMkLst>
+        </pc:spChg>
+        <pc:spChg chg="del">
+          <ac:chgData name="노태현" userId="96c899e7-218f-44fa-88d0-cfd2f9582355" providerId="ADAL" clId="{80D19FDE-1CD2-480E-9C18-54C7A3C6D7C5}" dt="2022-08-01T12:19:33.574" v="809" actId="478"/>
+          <ac:spMkLst>
+            <pc:docMk/>
+            <pc:sldMk cId="2203263955" sldId="266"/>
+            <ac:spMk id="12" creationId="{135E210C-72BF-4DB2-BAF2-0F829620A28A}"/>
+          </ac:spMkLst>
+        </pc:spChg>
+        <pc:graphicFrameChg chg="mod">
+          <ac:chgData name="노태현" userId="96c899e7-218f-44fa-88d0-cfd2f9582355" providerId="ADAL" clId="{80D19FDE-1CD2-480E-9C18-54C7A3C6D7C5}" dt="2022-08-01T12:19:39.654" v="810" actId="1076"/>
+          <ac:graphicFrameMkLst>
+            <pc:docMk/>
+            <pc:sldMk cId="2203263955" sldId="266"/>
+            <ac:graphicFrameMk id="3" creationId="{C839CA89-1F49-D04B-E6E6-C9757B6CBD53}"/>
+          </ac:graphicFrameMkLst>
+        </pc:graphicFrameChg>
+      </pc:sldChg>
+      <pc:sldChg chg="delSp modSp add mod">
+        <pc:chgData name="노태현" userId="96c899e7-218f-44fa-88d0-cfd2f9582355" providerId="ADAL" clId="{80D19FDE-1CD2-480E-9C18-54C7A3C6D7C5}" dt="2022-08-01T13:08:18.020" v="3101" actId="2710"/>
+        <pc:sldMkLst>
+          <pc:docMk/>
+          <pc:sldMk cId="3489957623" sldId="267"/>
+        </pc:sldMkLst>
+        <pc:spChg chg="del">
+          <ac:chgData name="노태현" userId="96c899e7-218f-44fa-88d0-cfd2f9582355" providerId="ADAL" clId="{80D19FDE-1CD2-480E-9C18-54C7A3C6D7C5}" dt="2022-08-01T13:08:14.623" v="3100" actId="478"/>
+          <ac:spMkLst>
+            <pc:docMk/>
+            <pc:sldMk cId="3489957623" sldId="267"/>
+            <ac:spMk id="4" creationId="{5892876E-4207-0F78-48A4-4B14AF32324A}"/>
+          </ac:spMkLst>
+        </pc:spChg>
+        <pc:spChg chg="mod">
+          <ac:chgData name="노태현" userId="96c899e7-218f-44fa-88d0-cfd2f9582355" providerId="ADAL" clId="{80D19FDE-1CD2-480E-9C18-54C7A3C6D7C5}" dt="2022-08-01T13:08:18.020" v="3101" actId="2710"/>
+          <ac:spMkLst>
+            <pc:docMk/>
+            <pc:sldMk cId="3489957623" sldId="267"/>
+            <ac:spMk id="12" creationId="{135E210C-72BF-4DB2-BAF2-0F829620A28A}"/>
+          </ac:spMkLst>
+        </pc:spChg>
+        <pc:graphicFrameChg chg="del">
+          <ac:chgData name="노태현" userId="96c899e7-218f-44fa-88d0-cfd2f9582355" providerId="ADAL" clId="{80D19FDE-1CD2-480E-9C18-54C7A3C6D7C5}" dt="2022-08-01T13:08:10.974" v="3099" actId="478"/>
+          <ac:graphicFrameMkLst>
+            <pc:docMk/>
+            <pc:sldMk cId="3489957623" sldId="267"/>
+            <ac:graphicFrameMk id="5" creationId="{B0634769-4EDF-9B03-BF15-5CA49603D5BD}"/>
+          </ac:graphicFrameMkLst>
+        </pc:graphicFrameChg>
+        <pc:graphicFrameChg chg="del">
+          <ac:chgData name="노태현" userId="96c899e7-218f-44fa-88d0-cfd2f9582355" providerId="ADAL" clId="{80D19FDE-1CD2-480E-9C18-54C7A3C6D7C5}" dt="2022-08-01T13:08:10.974" v="3099" actId="478"/>
+          <ac:graphicFrameMkLst>
+            <pc:docMk/>
+            <pc:sldMk cId="3489957623" sldId="267"/>
+            <ac:graphicFrameMk id="7" creationId="{FEB823D9-E16C-054F-9A94-1E6D21A1AA72}"/>
+          </ac:graphicFrameMkLst>
+        </pc:graphicFrameChg>
+      </pc:sldChg>
+      <pc:sldChg chg="addSp modSp add mod">
+        <pc:chgData name="노태현" userId="96c899e7-218f-44fa-88d0-cfd2f9582355" providerId="ADAL" clId="{80D19FDE-1CD2-480E-9C18-54C7A3C6D7C5}" dt="2022-08-01T13:55:29.962" v="6131" actId="1035"/>
+        <pc:sldMkLst>
+          <pc:docMk/>
+          <pc:sldMk cId="1590923725" sldId="268"/>
+        </pc:sldMkLst>
+        <pc:spChg chg="add mod">
+          <ac:chgData name="노태현" userId="96c899e7-218f-44fa-88d0-cfd2f9582355" providerId="ADAL" clId="{80D19FDE-1CD2-480E-9C18-54C7A3C6D7C5}" dt="2022-08-01T13:55:29.962" v="6131" actId="1035"/>
+          <ac:spMkLst>
+            <pc:docMk/>
+            <pc:sldMk cId="1590923725" sldId="268"/>
+            <ac:spMk id="4" creationId="{12134F02-23BC-E363-5DAD-F1B26739269D}"/>
+          </ac:spMkLst>
+        </pc:spChg>
+        <pc:spChg chg="mod">
+          <ac:chgData name="노태현" userId="96c899e7-218f-44fa-88d0-cfd2f9582355" providerId="ADAL" clId="{80D19FDE-1CD2-480E-9C18-54C7A3C6D7C5}" dt="2022-08-01T13:55:29.962" v="6131" actId="1035"/>
+          <ac:spMkLst>
+            <pc:docMk/>
+            <pc:sldMk cId="1590923725" sldId="268"/>
+            <ac:spMk id="12" creationId="{135E210C-72BF-4DB2-BAF2-0F829620A28A}"/>
+          </ac:spMkLst>
+        </pc:spChg>
+        <pc:graphicFrameChg chg="add mod modGraphic">
+          <ac:chgData name="노태현" userId="96c899e7-218f-44fa-88d0-cfd2f9582355" providerId="ADAL" clId="{80D19FDE-1CD2-480E-9C18-54C7A3C6D7C5}" dt="2022-08-01T13:55:29.962" v="6131" actId="1035"/>
+          <ac:graphicFrameMkLst>
+            <pc:docMk/>
+            <pc:sldMk cId="1590923725" sldId="268"/>
+            <ac:graphicFrameMk id="3" creationId="{8AFB9A03-E15A-860F-7338-8042C9BE7C17}"/>
+          </ac:graphicFrameMkLst>
+        </pc:graphicFrameChg>
+        <pc:graphicFrameChg chg="add mod modGraphic">
+          <ac:chgData name="노태현" userId="96c899e7-218f-44fa-88d0-cfd2f9582355" providerId="ADAL" clId="{80D19FDE-1CD2-480E-9C18-54C7A3C6D7C5}" dt="2022-08-01T13:55:29.962" v="6131" actId="1035"/>
+          <ac:graphicFrameMkLst>
+            <pc:docMk/>
+            <pc:sldMk cId="1590923725" sldId="268"/>
+            <ac:graphicFrameMk id="5" creationId="{3BBB7B66-1DC8-F5A4-826A-07130A70E383}"/>
+          </ac:graphicFrameMkLst>
+        </pc:graphicFrameChg>
+      </pc:sldChg>
+      <pc:sldChg chg="addSp delSp modSp add mod">
+        <pc:chgData name="노태현" userId="96c899e7-218f-44fa-88d0-cfd2f9582355" providerId="ADAL" clId="{80D19FDE-1CD2-480E-9C18-54C7A3C6D7C5}" dt="2022-08-01T13:17:34.899" v="4376" actId="20577"/>
+        <pc:sldMkLst>
+          <pc:docMk/>
+          <pc:sldMk cId="1886500061" sldId="269"/>
+        </pc:sldMkLst>
+        <pc:spChg chg="mod">
+          <ac:chgData name="노태현" userId="96c899e7-218f-44fa-88d0-cfd2f9582355" providerId="ADAL" clId="{80D19FDE-1CD2-480E-9C18-54C7A3C6D7C5}" dt="2022-08-01T13:15:51.376" v="3979" actId="20577"/>
+          <ac:spMkLst>
+            <pc:docMk/>
+            <pc:sldMk cId="1886500061" sldId="269"/>
+            <ac:spMk id="4" creationId="{12134F02-23BC-E363-5DAD-F1B26739269D}"/>
+          </ac:spMkLst>
+        </pc:spChg>
+        <pc:spChg chg="add mod">
+          <ac:chgData name="노태현" userId="96c899e7-218f-44fa-88d0-cfd2f9582355" providerId="ADAL" clId="{80D19FDE-1CD2-480E-9C18-54C7A3C6D7C5}" dt="2022-08-01T13:17:34.899" v="4376" actId="20577"/>
+          <ac:spMkLst>
+            <pc:docMk/>
+            <pc:sldMk cId="1886500061" sldId="269"/>
+            <ac:spMk id="7" creationId="{AA73E652-CAE0-88B5-E560-3D690EF48F18}"/>
+          </ac:spMkLst>
+        </pc:spChg>
+        <pc:spChg chg="del">
+          <ac:chgData name="노태현" userId="96c899e7-218f-44fa-88d0-cfd2f9582355" providerId="ADAL" clId="{80D19FDE-1CD2-480E-9C18-54C7A3C6D7C5}" dt="2022-08-01T13:12:41.830" v="3595" actId="478"/>
+          <ac:spMkLst>
+            <pc:docMk/>
+            <pc:sldMk cId="1886500061" sldId="269"/>
+            <ac:spMk id="12" creationId="{135E210C-72BF-4DB2-BAF2-0F829620A28A}"/>
+          </ac:spMkLst>
+        </pc:spChg>
+        <pc:graphicFrameChg chg="del">
+          <ac:chgData name="노태현" userId="96c899e7-218f-44fa-88d0-cfd2f9582355" providerId="ADAL" clId="{80D19FDE-1CD2-480E-9C18-54C7A3C6D7C5}" dt="2022-08-01T13:12:41.830" v="3595" actId="478"/>
+          <ac:graphicFrameMkLst>
+            <pc:docMk/>
+            <pc:sldMk cId="1886500061" sldId="269"/>
+            <ac:graphicFrameMk id="3" creationId="{8AFB9A03-E15A-860F-7338-8042C9BE7C17}"/>
+          </ac:graphicFrameMkLst>
+        </pc:graphicFrameChg>
+        <pc:graphicFrameChg chg="mod modGraphic">
+          <ac:chgData name="노태현" userId="96c899e7-218f-44fa-88d0-cfd2f9582355" providerId="ADAL" clId="{80D19FDE-1CD2-480E-9C18-54C7A3C6D7C5}" dt="2022-08-01T13:15:47.304" v="3971" actId="20577"/>
+          <ac:graphicFrameMkLst>
+            <pc:docMk/>
+            <pc:sldMk cId="1886500061" sldId="269"/>
+            <ac:graphicFrameMk id="5" creationId="{3BBB7B66-1DC8-F5A4-826A-07130A70E383}"/>
+          </ac:graphicFrameMkLst>
+        </pc:graphicFrameChg>
+        <pc:graphicFrameChg chg="add del mod">
+          <ac:chgData name="노태현" userId="96c899e7-218f-44fa-88d0-cfd2f9582355" providerId="ADAL" clId="{80D19FDE-1CD2-480E-9C18-54C7A3C6D7C5}" dt="2022-08-01T13:14:15.074" v="3835" actId="478"/>
+          <ac:graphicFrameMkLst>
+            <pc:docMk/>
+            <pc:sldMk cId="1886500061" sldId="269"/>
+            <ac:graphicFrameMk id="6" creationId="{A48C8F2D-5609-E640-DAE0-A24F39407C3E}"/>
+          </ac:graphicFrameMkLst>
+        </pc:graphicFrameChg>
+      </pc:sldChg>
+      <pc:sldChg chg="addSp delSp modSp add mod">
+        <pc:chgData name="노태현" userId="96c899e7-218f-44fa-88d0-cfd2f9582355" providerId="ADAL" clId="{80D19FDE-1CD2-480E-9C18-54C7A3C6D7C5}" dt="2022-08-01T13:22:27.496" v="5073" actId="20577"/>
+        <pc:sldMkLst>
+          <pc:docMk/>
+          <pc:sldMk cId="488631595" sldId="270"/>
+        </pc:sldMkLst>
+        <pc:spChg chg="add mod">
+          <ac:chgData name="노태현" userId="96c899e7-218f-44fa-88d0-cfd2f9582355" providerId="ADAL" clId="{80D19FDE-1CD2-480E-9C18-54C7A3C6D7C5}" dt="2022-08-01T13:21:24.243" v="4803" actId="1038"/>
+          <ac:spMkLst>
+            <pc:docMk/>
+            <pc:sldMk cId="488631595" sldId="270"/>
+            <ac:spMk id="2" creationId="{2B7478A0-E62A-0835-AFC2-5F7A1C888F76}"/>
+          </ac:spMkLst>
+        </pc:spChg>
+        <pc:spChg chg="mod">
+          <ac:chgData name="노태현" userId="96c899e7-218f-44fa-88d0-cfd2f9582355" providerId="ADAL" clId="{80D19FDE-1CD2-480E-9C18-54C7A3C6D7C5}" dt="2022-08-01T13:22:27.496" v="5073" actId="20577"/>
+          <ac:spMkLst>
+            <pc:docMk/>
+            <pc:sldMk cId="488631595" sldId="270"/>
+            <ac:spMk id="4" creationId="{12134F02-23BC-E363-5DAD-F1B26739269D}"/>
+          </ac:spMkLst>
+        </pc:spChg>
+        <pc:spChg chg="add mod">
+          <ac:chgData name="노태현" userId="96c899e7-218f-44fa-88d0-cfd2f9582355" providerId="ADAL" clId="{80D19FDE-1CD2-480E-9C18-54C7A3C6D7C5}" dt="2022-08-01T13:19:05.466" v="4398" actId="1076"/>
+          <ac:spMkLst>
+            <pc:docMk/>
+            <pc:sldMk cId="488631595" sldId="270"/>
+            <ac:spMk id="6" creationId="{DBC04F6B-55F5-2E98-D9DF-BC8173DDEC60}"/>
+          </ac:spMkLst>
+        </pc:spChg>
+        <pc:spChg chg="del">
+          <ac:chgData name="노태현" userId="96c899e7-218f-44fa-88d0-cfd2f9582355" providerId="ADAL" clId="{80D19FDE-1CD2-480E-9C18-54C7A3C6D7C5}" dt="2022-08-01T13:18:23.341" v="4378" actId="478"/>
+          <ac:spMkLst>
+            <pc:docMk/>
+            <pc:sldMk cId="488631595" sldId="270"/>
+            <ac:spMk id="7" creationId="{AA73E652-CAE0-88B5-E560-3D690EF48F18}"/>
+          </ac:spMkLst>
+        </pc:spChg>
+        <pc:graphicFrameChg chg="mod modGraphic">
+          <ac:chgData name="노태현" userId="96c899e7-218f-44fa-88d0-cfd2f9582355" providerId="ADAL" clId="{80D19FDE-1CD2-480E-9C18-54C7A3C6D7C5}" dt="2022-08-01T13:20:47.231" v="4745" actId="20577"/>
+          <ac:graphicFrameMkLst>
+            <pc:docMk/>
+            <pc:sldMk cId="488631595" sldId="270"/>
+            <ac:graphicFrameMk id="5" creationId="{3BBB7B66-1DC8-F5A4-826A-07130A70E383}"/>
+          </ac:graphicFrameMkLst>
+        </pc:graphicFrameChg>
+      </pc:sldChg>
+      <pc:sldChg chg="modSp add mod">
+        <pc:chgData name="노태현" userId="96c899e7-218f-44fa-88d0-cfd2f9582355" providerId="ADAL" clId="{80D19FDE-1CD2-480E-9C18-54C7A3C6D7C5}" dt="2022-08-01T13:23:48.860" v="5077" actId="20577"/>
+        <pc:sldMkLst>
+          <pc:docMk/>
+          <pc:sldMk cId="1207779053" sldId="271"/>
+        </pc:sldMkLst>
+        <pc:spChg chg="mod">
+          <ac:chgData name="노태현" userId="96c899e7-218f-44fa-88d0-cfd2f9582355" providerId="ADAL" clId="{80D19FDE-1CD2-480E-9C18-54C7A3C6D7C5}" dt="2022-08-01T13:23:48.860" v="5077" actId="20577"/>
+          <ac:spMkLst>
+            <pc:docMk/>
+            <pc:sldMk cId="1207779053" sldId="271"/>
+            <ac:spMk id="4" creationId="{12134F02-23BC-E363-5DAD-F1B26739269D}"/>
+          </ac:spMkLst>
+        </pc:spChg>
+      </pc:sldChg>
+      <pc:sldChg chg="addSp delSp modSp add mod">
+        <pc:chgData name="노태현" userId="96c899e7-218f-44fa-88d0-cfd2f9582355" providerId="ADAL" clId="{80D19FDE-1CD2-480E-9C18-54C7A3C6D7C5}" dt="2022-08-01T14:00:51.932" v="6145" actId="20577"/>
+        <pc:sldMkLst>
+          <pc:docMk/>
+          <pc:sldMk cId="1681219056" sldId="272"/>
+        </pc:sldMkLst>
+        <pc:spChg chg="del">
+          <ac:chgData name="노태현" userId="96c899e7-218f-44fa-88d0-cfd2f9582355" providerId="ADAL" clId="{80D19FDE-1CD2-480E-9C18-54C7A3C6D7C5}" dt="2022-08-01T13:24:13.690" v="5096" actId="478"/>
+          <ac:spMkLst>
+            <pc:docMk/>
+            <pc:sldMk cId="1681219056" sldId="272"/>
+            <ac:spMk id="2" creationId="{2B7478A0-E62A-0835-AFC2-5F7A1C888F76}"/>
+          </ac:spMkLst>
+        </pc:spChg>
+        <pc:spChg chg="mod">
+          <ac:chgData name="노태현" userId="96c899e7-218f-44fa-88d0-cfd2f9582355" providerId="ADAL" clId="{80D19FDE-1CD2-480E-9C18-54C7A3C6D7C5}" dt="2022-08-01T13:27:15.967" v="5624" actId="1076"/>
+          <ac:spMkLst>
+            <pc:docMk/>
+            <pc:sldMk cId="1681219056" sldId="272"/>
+            <ac:spMk id="4" creationId="{12134F02-23BC-E363-5DAD-F1B26739269D}"/>
+          </ac:spMkLst>
+        </pc:spChg>
+        <pc:spChg chg="mod">
+          <ac:chgData name="노태현" userId="96c899e7-218f-44fa-88d0-cfd2f9582355" providerId="ADAL" clId="{80D19FDE-1CD2-480E-9C18-54C7A3C6D7C5}" dt="2022-08-01T13:24:06.717" v="5094" actId="20577"/>
+          <ac:spMkLst>
+            <pc:docMk/>
+            <pc:sldMk cId="1681219056" sldId="272"/>
+            <ac:spMk id="6" creationId="{DBC04F6B-55F5-2E98-D9DF-BC8173DDEC60}"/>
+          </ac:spMkLst>
+        </pc:spChg>
+        <pc:spChg chg="add mod">
+          <ac:chgData name="노태현" userId="96c899e7-218f-44fa-88d0-cfd2f9582355" providerId="ADAL" clId="{80D19FDE-1CD2-480E-9C18-54C7A3C6D7C5}" dt="2022-08-01T13:27:26.946" v="5637" actId="255"/>
+          <ac:spMkLst>
+            <pc:docMk/>
+            <pc:sldMk cId="1681219056" sldId="272"/>
+            <ac:spMk id="7" creationId="{BEC6FD30-98E2-A148-E554-422F3B2E56D5}"/>
+          </ac:spMkLst>
+        </pc:spChg>
+        <pc:spChg chg="add mod">
+          <ac:chgData name="노태현" userId="96c899e7-218f-44fa-88d0-cfd2f9582355" providerId="ADAL" clId="{80D19FDE-1CD2-480E-9C18-54C7A3C6D7C5}" dt="2022-08-01T14:00:51.932" v="6145" actId="20577"/>
+          <ac:spMkLst>
+            <pc:docMk/>
+            <pc:sldMk cId="1681219056" sldId="272"/>
+            <ac:spMk id="8" creationId="{83BC18B9-FDF7-9936-8AA3-82E5F455E479}"/>
+          </ac:spMkLst>
+        </pc:spChg>
+        <pc:graphicFrameChg chg="del">
+          <ac:chgData name="노태현" userId="96c899e7-218f-44fa-88d0-cfd2f9582355" providerId="ADAL" clId="{80D19FDE-1CD2-480E-9C18-54C7A3C6D7C5}" dt="2022-08-01T13:24:09.574" v="5095" actId="478"/>
+          <ac:graphicFrameMkLst>
+            <pc:docMk/>
+            <pc:sldMk cId="1681219056" sldId="272"/>
+            <ac:graphicFrameMk id="5" creationId="{3BBB7B66-1DC8-F5A4-826A-07130A70E383}"/>
           </ac:graphicFrameMkLst>
         </pc:graphicFrameChg>
       </pc:sldChg>
@@ -866,7 +1337,7 @@
           <p:cNvPr id="2" name="제목 1">
             <a:extLst>
               <a:ext uri="{FF2B5EF4-FFF2-40B4-BE49-F238E27FC236}">
-                <a16:creationId xmlns:a16="http://schemas.microsoft.com/office/drawing/2014/main" xmlns="" id="{B952F6A7-A6C2-435B-8718-9B31A61A9B14}"/>
+                <a16:creationId xmlns:a16="http://schemas.microsoft.com/office/drawing/2014/main" id="{B952F6A7-A6C2-435B-8718-9B31A61A9B14}"/>
               </a:ext>
             </a:extLst>
           </p:cNvPr>
@@ -903,7 +1374,7 @@
           <p:cNvPr id="3" name="부제목 2">
             <a:extLst>
               <a:ext uri="{FF2B5EF4-FFF2-40B4-BE49-F238E27FC236}">
-                <a16:creationId xmlns:a16="http://schemas.microsoft.com/office/drawing/2014/main" xmlns="" id="{973D63CC-5251-4ABB-8D7B-DA3D5BE08E29}"/>
+                <a16:creationId xmlns:a16="http://schemas.microsoft.com/office/drawing/2014/main" id="{973D63CC-5251-4ABB-8D7B-DA3D5BE08E29}"/>
               </a:ext>
             </a:extLst>
           </p:cNvPr>
@@ -973,7 +1444,7 @@
           <p:cNvPr id="4" name="날짜 개체 틀 3">
             <a:extLst>
               <a:ext uri="{FF2B5EF4-FFF2-40B4-BE49-F238E27FC236}">
-                <a16:creationId xmlns:a16="http://schemas.microsoft.com/office/drawing/2014/main" xmlns="" id="{9E6C06BB-C12A-4090-B2E9-5B2769AF0DF9}"/>
+                <a16:creationId xmlns:a16="http://schemas.microsoft.com/office/drawing/2014/main" id="{9E6C06BB-C12A-4090-B2E9-5B2769AF0DF9}"/>
               </a:ext>
             </a:extLst>
           </p:cNvPr>
@@ -991,7 +1462,7 @@
           <a:p>
             <a:fld id="{16706E4F-4DCE-433C-BE47-3B753ED43087}" type="datetimeFigureOut">
               <a:rPr lang="ko-KR" altLang="en-US" smtClean="0"/>
-              <a:t>2021-11-28</a:t>
+              <a:t>2022-08-01</a:t>
             </a:fld>
             <a:endParaRPr lang="ko-KR" altLang="en-US"/>
           </a:p>
@@ -1002,7 +1473,7 @@
           <p:cNvPr id="5" name="바닥글 개체 틀 4">
             <a:extLst>
               <a:ext uri="{FF2B5EF4-FFF2-40B4-BE49-F238E27FC236}">
-                <a16:creationId xmlns:a16="http://schemas.microsoft.com/office/drawing/2014/main" xmlns="" id="{C2685A7A-F466-4982-9931-387A3F16F00A}"/>
+                <a16:creationId xmlns:a16="http://schemas.microsoft.com/office/drawing/2014/main" id="{C2685A7A-F466-4982-9931-387A3F16F00A}"/>
               </a:ext>
             </a:extLst>
           </p:cNvPr>
@@ -1027,7 +1498,7 @@
           <p:cNvPr id="6" name="슬라이드 번호 개체 틀 5">
             <a:extLst>
               <a:ext uri="{FF2B5EF4-FFF2-40B4-BE49-F238E27FC236}">
-                <a16:creationId xmlns:a16="http://schemas.microsoft.com/office/drawing/2014/main" xmlns="" id="{5DD69386-8104-4A0F-BEEE-7B51CB8BC8E6}"/>
+                <a16:creationId xmlns:a16="http://schemas.microsoft.com/office/drawing/2014/main" id="{5DD69386-8104-4A0F-BEEE-7B51CB8BC8E6}"/>
               </a:ext>
             </a:extLst>
           </p:cNvPr>
@@ -1086,7 +1557,7 @@
           <p:cNvPr id="2" name="제목 1">
             <a:extLst>
               <a:ext uri="{FF2B5EF4-FFF2-40B4-BE49-F238E27FC236}">
-                <a16:creationId xmlns:a16="http://schemas.microsoft.com/office/drawing/2014/main" xmlns="" id="{DF67D2AA-84EF-4B00-9058-6E5A51AF4EB7}"/>
+                <a16:creationId xmlns:a16="http://schemas.microsoft.com/office/drawing/2014/main" id="{DF67D2AA-84EF-4B00-9058-6E5A51AF4EB7}"/>
               </a:ext>
             </a:extLst>
           </p:cNvPr>
@@ -1114,7 +1585,7 @@
           <p:cNvPr id="3" name="세로 텍스트 개체 틀 2">
             <a:extLst>
               <a:ext uri="{FF2B5EF4-FFF2-40B4-BE49-F238E27FC236}">
-                <a16:creationId xmlns:a16="http://schemas.microsoft.com/office/drawing/2014/main" xmlns="" id="{0025AA53-6D10-486C-BC86-DCD027C8AECD}"/>
+                <a16:creationId xmlns:a16="http://schemas.microsoft.com/office/drawing/2014/main" id="{0025AA53-6D10-486C-BC86-DCD027C8AECD}"/>
               </a:ext>
             </a:extLst>
           </p:cNvPr>
@@ -1171,7 +1642,7 @@
           <p:cNvPr id="4" name="날짜 개체 틀 3">
             <a:extLst>
               <a:ext uri="{FF2B5EF4-FFF2-40B4-BE49-F238E27FC236}">
-                <a16:creationId xmlns:a16="http://schemas.microsoft.com/office/drawing/2014/main" xmlns="" id="{115970A0-8C15-40B4-9681-CB0639CF7E5F}"/>
+                <a16:creationId xmlns:a16="http://schemas.microsoft.com/office/drawing/2014/main" id="{115970A0-8C15-40B4-9681-CB0639CF7E5F}"/>
               </a:ext>
             </a:extLst>
           </p:cNvPr>
@@ -1189,7 +1660,7 @@
           <a:p>
             <a:fld id="{16706E4F-4DCE-433C-BE47-3B753ED43087}" type="datetimeFigureOut">
               <a:rPr lang="ko-KR" altLang="en-US" smtClean="0"/>
-              <a:t>2021-11-28</a:t>
+              <a:t>2022-08-01</a:t>
             </a:fld>
             <a:endParaRPr lang="ko-KR" altLang="en-US"/>
           </a:p>
@@ -1200,7 +1671,7 @@
           <p:cNvPr id="5" name="바닥글 개체 틀 4">
             <a:extLst>
               <a:ext uri="{FF2B5EF4-FFF2-40B4-BE49-F238E27FC236}">
-                <a16:creationId xmlns:a16="http://schemas.microsoft.com/office/drawing/2014/main" xmlns="" id="{30F5AE42-799B-4012-8790-50F074278460}"/>
+                <a16:creationId xmlns:a16="http://schemas.microsoft.com/office/drawing/2014/main" id="{30F5AE42-799B-4012-8790-50F074278460}"/>
               </a:ext>
             </a:extLst>
           </p:cNvPr>
@@ -1225,7 +1696,7 @@
           <p:cNvPr id="6" name="슬라이드 번호 개체 틀 5">
             <a:extLst>
               <a:ext uri="{FF2B5EF4-FFF2-40B4-BE49-F238E27FC236}">
-                <a16:creationId xmlns:a16="http://schemas.microsoft.com/office/drawing/2014/main" xmlns="" id="{2E2FEAA7-F170-4D71-8EB1-92129D15BF5D}"/>
+                <a16:creationId xmlns:a16="http://schemas.microsoft.com/office/drawing/2014/main" id="{2E2FEAA7-F170-4D71-8EB1-92129D15BF5D}"/>
               </a:ext>
             </a:extLst>
           </p:cNvPr>
@@ -1284,7 +1755,7 @@
           <p:cNvPr id="2" name="세로 제목 1">
             <a:extLst>
               <a:ext uri="{FF2B5EF4-FFF2-40B4-BE49-F238E27FC236}">
-                <a16:creationId xmlns:a16="http://schemas.microsoft.com/office/drawing/2014/main" xmlns="" id="{00F03439-543D-4DC6-8B51-4B5E1405C725}"/>
+                <a16:creationId xmlns:a16="http://schemas.microsoft.com/office/drawing/2014/main" id="{00F03439-543D-4DC6-8B51-4B5E1405C725}"/>
               </a:ext>
             </a:extLst>
           </p:cNvPr>
@@ -1317,7 +1788,7 @@
           <p:cNvPr id="3" name="세로 텍스트 개체 틀 2">
             <a:extLst>
               <a:ext uri="{FF2B5EF4-FFF2-40B4-BE49-F238E27FC236}">
-                <a16:creationId xmlns:a16="http://schemas.microsoft.com/office/drawing/2014/main" xmlns="" id="{AA501D51-3516-4B81-8D73-FA6E38F98CFE}"/>
+                <a16:creationId xmlns:a16="http://schemas.microsoft.com/office/drawing/2014/main" id="{AA501D51-3516-4B81-8D73-FA6E38F98CFE}"/>
               </a:ext>
             </a:extLst>
           </p:cNvPr>
@@ -1379,7 +1850,7 @@
           <p:cNvPr id="4" name="날짜 개체 틀 3">
             <a:extLst>
               <a:ext uri="{FF2B5EF4-FFF2-40B4-BE49-F238E27FC236}">
-                <a16:creationId xmlns:a16="http://schemas.microsoft.com/office/drawing/2014/main" xmlns="" id="{E0D0899E-A1C7-4A36-8F28-CB1FB9480436}"/>
+                <a16:creationId xmlns:a16="http://schemas.microsoft.com/office/drawing/2014/main" id="{E0D0899E-A1C7-4A36-8F28-CB1FB9480436}"/>
               </a:ext>
             </a:extLst>
           </p:cNvPr>
@@ -1397,7 +1868,7 @@
           <a:p>
             <a:fld id="{16706E4F-4DCE-433C-BE47-3B753ED43087}" type="datetimeFigureOut">
               <a:rPr lang="ko-KR" altLang="en-US" smtClean="0"/>
-              <a:t>2021-11-28</a:t>
+              <a:t>2022-08-01</a:t>
             </a:fld>
             <a:endParaRPr lang="ko-KR" altLang="en-US"/>
           </a:p>
@@ -1408,7 +1879,7 @@
           <p:cNvPr id="5" name="바닥글 개체 틀 4">
             <a:extLst>
               <a:ext uri="{FF2B5EF4-FFF2-40B4-BE49-F238E27FC236}">
-                <a16:creationId xmlns:a16="http://schemas.microsoft.com/office/drawing/2014/main" xmlns="" id="{F6851675-89E2-4787-A8E6-CEB6D1B68C24}"/>
+                <a16:creationId xmlns:a16="http://schemas.microsoft.com/office/drawing/2014/main" id="{F6851675-89E2-4787-A8E6-CEB6D1B68C24}"/>
               </a:ext>
             </a:extLst>
           </p:cNvPr>
@@ -1433,7 +1904,7 @@
           <p:cNvPr id="6" name="슬라이드 번호 개체 틀 5">
             <a:extLst>
               <a:ext uri="{FF2B5EF4-FFF2-40B4-BE49-F238E27FC236}">
-                <a16:creationId xmlns:a16="http://schemas.microsoft.com/office/drawing/2014/main" xmlns="" id="{74C31F85-B10D-4841-B8DC-342E9148F3ED}"/>
+                <a16:creationId xmlns:a16="http://schemas.microsoft.com/office/drawing/2014/main" id="{74C31F85-B10D-4841-B8DC-342E9148F3ED}"/>
               </a:ext>
             </a:extLst>
           </p:cNvPr>
@@ -1492,7 +1963,7 @@
           <p:cNvPr id="2" name="제목 1">
             <a:extLst>
               <a:ext uri="{FF2B5EF4-FFF2-40B4-BE49-F238E27FC236}">
-                <a16:creationId xmlns:a16="http://schemas.microsoft.com/office/drawing/2014/main" xmlns="" id="{76706580-A74C-42E4-854A-C4D07FA0DC2C}"/>
+                <a16:creationId xmlns:a16="http://schemas.microsoft.com/office/drawing/2014/main" id="{76706580-A74C-42E4-854A-C4D07FA0DC2C}"/>
               </a:ext>
             </a:extLst>
           </p:cNvPr>
@@ -1520,7 +1991,7 @@
           <p:cNvPr id="3" name="내용 개체 틀 2">
             <a:extLst>
               <a:ext uri="{FF2B5EF4-FFF2-40B4-BE49-F238E27FC236}">
-                <a16:creationId xmlns:a16="http://schemas.microsoft.com/office/drawing/2014/main" xmlns="" id="{02DC6BEA-9C43-4F10-830E-E987AC4AF4E7}"/>
+                <a16:creationId xmlns:a16="http://schemas.microsoft.com/office/drawing/2014/main" id="{02DC6BEA-9C43-4F10-830E-E987AC4AF4E7}"/>
               </a:ext>
             </a:extLst>
           </p:cNvPr>
@@ -1577,7 +2048,7 @@
           <p:cNvPr id="4" name="날짜 개체 틀 3">
             <a:extLst>
               <a:ext uri="{FF2B5EF4-FFF2-40B4-BE49-F238E27FC236}">
-                <a16:creationId xmlns:a16="http://schemas.microsoft.com/office/drawing/2014/main" xmlns="" id="{BE4A7F9D-273F-4BD0-BE0C-9FCC64E84278}"/>
+                <a16:creationId xmlns:a16="http://schemas.microsoft.com/office/drawing/2014/main" id="{BE4A7F9D-273F-4BD0-BE0C-9FCC64E84278}"/>
               </a:ext>
             </a:extLst>
           </p:cNvPr>
@@ -1595,7 +2066,7 @@
           <a:p>
             <a:fld id="{16706E4F-4DCE-433C-BE47-3B753ED43087}" type="datetimeFigureOut">
               <a:rPr lang="ko-KR" altLang="en-US" smtClean="0"/>
-              <a:t>2021-11-28</a:t>
+              <a:t>2022-08-01</a:t>
             </a:fld>
             <a:endParaRPr lang="ko-KR" altLang="en-US"/>
           </a:p>
@@ -1606,7 +2077,7 @@
           <p:cNvPr id="5" name="바닥글 개체 틀 4">
             <a:extLst>
               <a:ext uri="{FF2B5EF4-FFF2-40B4-BE49-F238E27FC236}">
-                <a16:creationId xmlns:a16="http://schemas.microsoft.com/office/drawing/2014/main" xmlns="" id="{4F41C1D5-FD48-47D3-8955-81C6E0D54051}"/>
+                <a16:creationId xmlns:a16="http://schemas.microsoft.com/office/drawing/2014/main" id="{4F41C1D5-FD48-47D3-8955-81C6E0D54051}"/>
               </a:ext>
             </a:extLst>
           </p:cNvPr>
@@ -1631,7 +2102,7 @@
           <p:cNvPr id="6" name="슬라이드 번호 개체 틀 5">
             <a:extLst>
               <a:ext uri="{FF2B5EF4-FFF2-40B4-BE49-F238E27FC236}">
-                <a16:creationId xmlns:a16="http://schemas.microsoft.com/office/drawing/2014/main" xmlns="" id="{59FB80C7-C941-4D1B-A7B2-8850ACA405DC}"/>
+                <a16:creationId xmlns:a16="http://schemas.microsoft.com/office/drawing/2014/main" id="{59FB80C7-C941-4D1B-A7B2-8850ACA405DC}"/>
               </a:ext>
             </a:extLst>
           </p:cNvPr>
@@ -1690,7 +2161,7 @@
           <p:cNvPr id="2" name="제목 1">
             <a:extLst>
               <a:ext uri="{FF2B5EF4-FFF2-40B4-BE49-F238E27FC236}">
-                <a16:creationId xmlns:a16="http://schemas.microsoft.com/office/drawing/2014/main" xmlns="" id="{2571CE73-3219-4E98-BEA6-C1F92287CB5B}"/>
+                <a16:creationId xmlns:a16="http://schemas.microsoft.com/office/drawing/2014/main" id="{2571CE73-3219-4E98-BEA6-C1F92287CB5B}"/>
               </a:ext>
             </a:extLst>
           </p:cNvPr>
@@ -1727,7 +2198,7 @@
           <p:cNvPr id="3" name="텍스트 개체 틀 2">
             <a:extLst>
               <a:ext uri="{FF2B5EF4-FFF2-40B4-BE49-F238E27FC236}">
-                <a16:creationId xmlns:a16="http://schemas.microsoft.com/office/drawing/2014/main" xmlns="" id="{E1174A13-E960-4A31-9A41-6A2747B80A17}"/>
+                <a16:creationId xmlns:a16="http://schemas.microsoft.com/office/drawing/2014/main" id="{E1174A13-E960-4A31-9A41-6A2747B80A17}"/>
               </a:ext>
             </a:extLst>
           </p:cNvPr>
@@ -1852,7 +2323,7 @@
           <p:cNvPr id="4" name="날짜 개체 틀 3">
             <a:extLst>
               <a:ext uri="{FF2B5EF4-FFF2-40B4-BE49-F238E27FC236}">
-                <a16:creationId xmlns:a16="http://schemas.microsoft.com/office/drawing/2014/main" xmlns="" id="{587F59E2-E81F-41CB-B216-C70AFCD1EF7D}"/>
+                <a16:creationId xmlns:a16="http://schemas.microsoft.com/office/drawing/2014/main" id="{587F59E2-E81F-41CB-B216-C70AFCD1EF7D}"/>
               </a:ext>
             </a:extLst>
           </p:cNvPr>
@@ -1870,7 +2341,7 @@
           <a:p>
             <a:fld id="{16706E4F-4DCE-433C-BE47-3B753ED43087}" type="datetimeFigureOut">
               <a:rPr lang="ko-KR" altLang="en-US" smtClean="0"/>
-              <a:t>2021-11-28</a:t>
+              <a:t>2022-08-01</a:t>
             </a:fld>
             <a:endParaRPr lang="ko-KR" altLang="en-US"/>
           </a:p>
@@ -1881,7 +2352,7 @@
           <p:cNvPr id="5" name="바닥글 개체 틀 4">
             <a:extLst>
               <a:ext uri="{FF2B5EF4-FFF2-40B4-BE49-F238E27FC236}">
-                <a16:creationId xmlns:a16="http://schemas.microsoft.com/office/drawing/2014/main" xmlns="" id="{14A2119D-ED57-4B4D-B35C-0DE38AE49448}"/>
+                <a16:creationId xmlns:a16="http://schemas.microsoft.com/office/drawing/2014/main" id="{14A2119D-ED57-4B4D-B35C-0DE38AE49448}"/>
               </a:ext>
             </a:extLst>
           </p:cNvPr>
@@ -1906,7 +2377,7 @@
           <p:cNvPr id="6" name="슬라이드 번호 개체 틀 5">
             <a:extLst>
               <a:ext uri="{FF2B5EF4-FFF2-40B4-BE49-F238E27FC236}">
-                <a16:creationId xmlns:a16="http://schemas.microsoft.com/office/drawing/2014/main" xmlns="" id="{C0F013E5-BBD6-4BCC-B1EE-F4038C6B2BF8}"/>
+                <a16:creationId xmlns:a16="http://schemas.microsoft.com/office/drawing/2014/main" id="{C0F013E5-BBD6-4BCC-B1EE-F4038C6B2BF8}"/>
               </a:ext>
             </a:extLst>
           </p:cNvPr>
@@ -1965,7 +2436,7 @@
           <p:cNvPr id="2" name="제목 1">
             <a:extLst>
               <a:ext uri="{FF2B5EF4-FFF2-40B4-BE49-F238E27FC236}">
-                <a16:creationId xmlns:a16="http://schemas.microsoft.com/office/drawing/2014/main" xmlns="" id="{692FE630-C6C1-41BF-B2C5-C79B7F2BE565}"/>
+                <a16:creationId xmlns:a16="http://schemas.microsoft.com/office/drawing/2014/main" id="{692FE630-C6C1-41BF-B2C5-C79B7F2BE565}"/>
               </a:ext>
             </a:extLst>
           </p:cNvPr>
@@ -1993,7 +2464,7 @@
           <p:cNvPr id="3" name="내용 개체 틀 2">
             <a:extLst>
               <a:ext uri="{FF2B5EF4-FFF2-40B4-BE49-F238E27FC236}">
-                <a16:creationId xmlns:a16="http://schemas.microsoft.com/office/drawing/2014/main" xmlns="" id="{A72D04A2-1483-4364-A336-779CF9AA56DD}"/>
+                <a16:creationId xmlns:a16="http://schemas.microsoft.com/office/drawing/2014/main" id="{A72D04A2-1483-4364-A336-779CF9AA56DD}"/>
               </a:ext>
             </a:extLst>
           </p:cNvPr>
@@ -2055,7 +2526,7 @@
           <p:cNvPr id="4" name="내용 개체 틀 3">
             <a:extLst>
               <a:ext uri="{FF2B5EF4-FFF2-40B4-BE49-F238E27FC236}">
-                <a16:creationId xmlns:a16="http://schemas.microsoft.com/office/drawing/2014/main" xmlns="" id="{4725A4F4-DA2E-43A2-AD69-8D0DAA87FBA2}"/>
+                <a16:creationId xmlns:a16="http://schemas.microsoft.com/office/drawing/2014/main" id="{4725A4F4-DA2E-43A2-AD69-8D0DAA87FBA2}"/>
               </a:ext>
             </a:extLst>
           </p:cNvPr>
@@ -2117,7 +2588,7 @@
           <p:cNvPr id="5" name="날짜 개체 틀 4">
             <a:extLst>
               <a:ext uri="{FF2B5EF4-FFF2-40B4-BE49-F238E27FC236}">
-                <a16:creationId xmlns:a16="http://schemas.microsoft.com/office/drawing/2014/main" xmlns="" id="{9D14CB84-ED85-4C8A-B16E-140E0F94F629}"/>
+                <a16:creationId xmlns:a16="http://schemas.microsoft.com/office/drawing/2014/main" id="{9D14CB84-ED85-4C8A-B16E-140E0F94F629}"/>
               </a:ext>
             </a:extLst>
           </p:cNvPr>
@@ -2135,7 +2606,7 @@
           <a:p>
             <a:fld id="{16706E4F-4DCE-433C-BE47-3B753ED43087}" type="datetimeFigureOut">
               <a:rPr lang="ko-KR" altLang="en-US" smtClean="0"/>
-              <a:t>2021-11-28</a:t>
+              <a:t>2022-08-01</a:t>
             </a:fld>
             <a:endParaRPr lang="ko-KR" altLang="en-US"/>
           </a:p>
@@ -2146,7 +2617,7 @@
           <p:cNvPr id="6" name="바닥글 개체 틀 5">
             <a:extLst>
               <a:ext uri="{FF2B5EF4-FFF2-40B4-BE49-F238E27FC236}">
-                <a16:creationId xmlns:a16="http://schemas.microsoft.com/office/drawing/2014/main" xmlns="" id="{2B7659BE-F2AD-452E-BF78-8EB6CAC0FCB0}"/>
+                <a16:creationId xmlns:a16="http://schemas.microsoft.com/office/drawing/2014/main" id="{2B7659BE-F2AD-452E-BF78-8EB6CAC0FCB0}"/>
               </a:ext>
             </a:extLst>
           </p:cNvPr>
@@ -2171,7 +2642,7 @@
           <p:cNvPr id="7" name="슬라이드 번호 개체 틀 6">
             <a:extLst>
               <a:ext uri="{FF2B5EF4-FFF2-40B4-BE49-F238E27FC236}">
-                <a16:creationId xmlns:a16="http://schemas.microsoft.com/office/drawing/2014/main" xmlns="" id="{5A19E870-F4B4-4A98-9B0D-E770DD224420}"/>
+                <a16:creationId xmlns:a16="http://schemas.microsoft.com/office/drawing/2014/main" id="{5A19E870-F4B4-4A98-9B0D-E770DD224420}"/>
               </a:ext>
             </a:extLst>
           </p:cNvPr>
@@ -2230,7 +2701,7 @@
           <p:cNvPr id="2" name="제목 1">
             <a:extLst>
               <a:ext uri="{FF2B5EF4-FFF2-40B4-BE49-F238E27FC236}">
-                <a16:creationId xmlns:a16="http://schemas.microsoft.com/office/drawing/2014/main" xmlns="" id="{59F3BD22-60DF-4A1D-ADB2-07F8D429F138}"/>
+                <a16:creationId xmlns:a16="http://schemas.microsoft.com/office/drawing/2014/main" id="{59F3BD22-60DF-4A1D-ADB2-07F8D429F138}"/>
               </a:ext>
             </a:extLst>
           </p:cNvPr>
@@ -2263,7 +2734,7 @@
           <p:cNvPr id="3" name="텍스트 개체 틀 2">
             <a:extLst>
               <a:ext uri="{FF2B5EF4-FFF2-40B4-BE49-F238E27FC236}">
-                <a16:creationId xmlns:a16="http://schemas.microsoft.com/office/drawing/2014/main" xmlns="" id="{982BD39C-34A1-4BA3-A456-D4717F56D7B1}"/>
+                <a16:creationId xmlns:a16="http://schemas.microsoft.com/office/drawing/2014/main" id="{982BD39C-34A1-4BA3-A456-D4717F56D7B1}"/>
               </a:ext>
             </a:extLst>
           </p:cNvPr>
@@ -2334,7 +2805,7 @@
           <p:cNvPr id="4" name="내용 개체 틀 3">
             <a:extLst>
               <a:ext uri="{FF2B5EF4-FFF2-40B4-BE49-F238E27FC236}">
-                <a16:creationId xmlns:a16="http://schemas.microsoft.com/office/drawing/2014/main" xmlns="" id="{28B0AC6C-F72F-4F45-99F4-3C7617F13206}"/>
+                <a16:creationId xmlns:a16="http://schemas.microsoft.com/office/drawing/2014/main" id="{28B0AC6C-F72F-4F45-99F4-3C7617F13206}"/>
               </a:ext>
             </a:extLst>
           </p:cNvPr>
@@ -2396,7 +2867,7 @@
           <p:cNvPr id="5" name="텍스트 개체 틀 4">
             <a:extLst>
               <a:ext uri="{FF2B5EF4-FFF2-40B4-BE49-F238E27FC236}">
-                <a16:creationId xmlns:a16="http://schemas.microsoft.com/office/drawing/2014/main" xmlns="" id="{B43202FE-E6A7-4220-B564-9ED98447CECE}"/>
+                <a16:creationId xmlns:a16="http://schemas.microsoft.com/office/drawing/2014/main" id="{B43202FE-E6A7-4220-B564-9ED98447CECE}"/>
               </a:ext>
             </a:extLst>
           </p:cNvPr>
@@ -2467,7 +2938,7 @@
           <p:cNvPr id="6" name="내용 개체 틀 5">
             <a:extLst>
               <a:ext uri="{FF2B5EF4-FFF2-40B4-BE49-F238E27FC236}">
-                <a16:creationId xmlns:a16="http://schemas.microsoft.com/office/drawing/2014/main" xmlns="" id="{01A0297A-C049-485E-A83B-A19525344F49}"/>
+                <a16:creationId xmlns:a16="http://schemas.microsoft.com/office/drawing/2014/main" id="{01A0297A-C049-485E-A83B-A19525344F49}"/>
               </a:ext>
             </a:extLst>
           </p:cNvPr>
@@ -2529,7 +3000,7 @@
           <p:cNvPr id="7" name="날짜 개체 틀 6">
             <a:extLst>
               <a:ext uri="{FF2B5EF4-FFF2-40B4-BE49-F238E27FC236}">
-                <a16:creationId xmlns:a16="http://schemas.microsoft.com/office/drawing/2014/main" xmlns="" id="{0259C32A-82F5-46A7-A5D5-28D8033EC0C5}"/>
+                <a16:creationId xmlns:a16="http://schemas.microsoft.com/office/drawing/2014/main" id="{0259C32A-82F5-46A7-A5D5-28D8033EC0C5}"/>
               </a:ext>
             </a:extLst>
           </p:cNvPr>
@@ -2547,7 +3018,7 @@
           <a:p>
             <a:fld id="{16706E4F-4DCE-433C-BE47-3B753ED43087}" type="datetimeFigureOut">
               <a:rPr lang="ko-KR" altLang="en-US" smtClean="0"/>
-              <a:t>2021-11-28</a:t>
+              <a:t>2022-08-01</a:t>
             </a:fld>
             <a:endParaRPr lang="ko-KR" altLang="en-US"/>
           </a:p>
@@ -2558,7 +3029,7 @@
           <p:cNvPr id="8" name="바닥글 개체 틀 7">
             <a:extLst>
               <a:ext uri="{FF2B5EF4-FFF2-40B4-BE49-F238E27FC236}">
-                <a16:creationId xmlns:a16="http://schemas.microsoft.com/office/drawing/2014/main" xmlns="" id="{7191E031-0714-4DBF-83EF-0B2C5F19A601}"/>
+                <a16:creationId xmlns:a16="http://schemas.microsoft.com/office/drawing/2014/main" id="{7191E031-0714-4DBF-83EF-0B2C5F19A601}"/>
               </a:ext>
             </a:extLst>
           </p:cNvPr>
@@ -2583,7 +3054,7 @@
           <p:cNvPr id="9" name="슬라이드 번호 개체 틀 8">
             <a:extLst>
               <a:ext uri="{FF2B5EF4-FFF2-40B4-BE49-F238E27FC236}">
-                <a16:creationId xmlns:a16="http://schemas.microsoft.com/office/drawing/2014/main" xmlns="" id="{4F66C95B-239A-4521-89DA-D6B3B53B4730}"/>
+                <a16:creationId xmlns:a16="http://schemas.microsoft.com/office/drawing/2014/main" id="{4F66C95B-239A-4521-89DA-D6B3B53B4730}"/>
               </a:ext>
             </a:extLst>
           </p:cNvPr>
@@ -2642,7 +3113,7 @@
           <p:cNvPr id="2" name="제목 1">
             <a:extLst>
               <a:ext uri="{FF2B5EF4-FFF2-40B4-BE49-F238E27FC236}">
-                <a16:creationId xmlns:a16="http://schemas.microsoft.com/office/drawing/2014/main" xmlns="" id="{4BC1490F-F10D-46C6-8D8B-B39FE1711457}"/>
+                <a16:creationId xmlns:a16="http://schemas.microsoft.com/office/drawing/2014/main" id="{4BC1490F-F10D-46C6-8D8B-B39FE1711457}"/>
               </a:ext>
             </a:extLst>
           </p:cNvPr>
@@ -2670,7 +3141,7 @@
           <p:cNvPr id="3" name="날짜 개체 틀 2">
             <a:extLst>
               <a:ext uri="{FF2B5EF4-FFF2-40B4-BE49-F238E27FC236}">
-                <a16:creationId xmlns:a16="http://schemas.microsoft.com/office/drawing/2014/main" xmlns="" id="{80416838-A275-4DA5-B86F-747EB616E927}"/>
+                <a16:creationId xmlns:a16="http://schemas.microsoft.com/office/drawing/2014/main" id="{80416838-A275-4DA5-B86F-747EB616E927}"/>
               </a:ext>
             </a:extLst>
           </p:cNvPr>
@@ -2688,7 +3159,7 @@
           <a:p>
             <a:fld id="{16706E4F-4DCE-433C-BE47-3B753ED43087}" type="datetimeFigureOut">
               <a:rPr lang="ko-KR" altLang="en-US" smtClean="0"/>
-              <a:t>2021-11-28</a:t>
+              <a:t>2022-08-01</a:t>
             </a:fld>
             <a:endParaRPr lang="ko-KR" altLang="en-US"/>
           </a:p>
@@ -2699,7 +3170,7 @@
           <p:cNvPr id="4" name="바닥글 개체 틀 3">
             <a:extLst>
               <a:ext uri="{FF2B5EF4-FFF2-40B4-BE49-F238E27FC236}">
-                <a16:creationId xmlns:a16="http://schemas.microsoft.com/office/drawing/2014/main" xmlns="" id="{60D64DCF-B61D-4E15-9A93-2FC8D13028F6}"/>
+                <a16:creationId xmlns:a16="http://schemas.microsoft.com/office/drawing/2014/main" id="{60D64DCF-B61D-4E15-9A93-2FC8D13028F6}"/>
               </a:ext>
             </a:extLst>
           </p:cNvPr>
@@ -2724,7 +3195,7 @@
           <p:cNvPr id="5" name="슬라이드 번호 개체 틀 4">
             <a:extLst>
               <a:ext uri="{FF2B5EF4-FFF2-40B4-BE49-F238E27FC236}">
-                <a16:creationId xmlns:a16="http://schemas.microsoft.com/office/drawing/2014/main" xmlns="" id="{DB145B4D-FA63-4610-892F-5D03D9C013C6}"/>
+                <a16:creationId xmlns:a16="http://schemas.microsoft.com/office/drawing/2014/main" id="{DB145B4D-FA63-4610-892F-5D03D9C013C6}"/>
               </a:ext>
             </a:extLst>
           </p:cNvPr>
@@ -2783,7 +3254,7 @@
           <p:cNvPr id="2" name="날짜 개체 틀 1">
             <a:extLst>
               <a:ext uri="{FF2B5EF4-FFF2-40B4-BE49-F238E27FC236}">
-                <a16:creationId xmlns:a16="http://schemas.microsoft.com/office/drawing/2014/main" xmlns="" id="{883A428C-0BE7-452E-AD14-9561F980A057}"/>
+                <a16:creationId xmlns:a16="http://schemas.microsoft.com/office/drawing/2014/main" id="{883A428C-0BE7-452E-AD14-9561F980A057}"/>
               </a:ext>
             </a:extLst>
           </p:cNvPr>
@@ -2801,7 +3272,7 @@
           <a:p>
             <a:fld id="{16706E4F-4DCE-433C-BE47-3B753ED43087}" type="datetimeFigureOut">
               <a:rPr lang="ko-KR" altLang="en-US" smtClean="0"/>
-              <a:t>2021-11-28</a:t>
+              <a:t>2022-08-01</a:t>
             </a:fld>
             <a:endParaRPr lang="ko-KR" altLang="en-US"/>
           </a:p>
@@ -2812,7 +3283,7 @@
           <p:cNvPr id="3" name="바닥글 개체 틀 2">
             <a:extLst>
               <a:ext uri="{FF2B5EF4-FFF2-40B4-BE49-F238E27FC236}">
-                <a16:creationId xmlns:a16="http://schemas.microsoft.com/office/drawing/2014/main" xmlns="" id="{48BDDA33-6E2A-4608-8248-9FDA8A251704}"/>
+                <a16:creationId xmlns:a16="http://schemas.microsoft.com/office/drawing/2014/main" id="{48BDDA33-6E2A-4608-8248-9FDA8A251704}"/>
               </a:ext>
             </a:extLst>
           </p:cNvPr>
@@ -2837,7 +3308,7 @@
           <p:cNvPr id="4" name="슬라이드 번호 개체 틀 3">
             <a:extLst>
               <a:ext uri="{FF2B5EF4-FFF2-40B4-BE49-F238E27FC236}">
-                <a16:creationId xmlns:a16="http://schemas.microsoft.com/office/drawing/2014/main" xmlns="" id="{511B567B-1990-4C04-8A22-CB8C091AA792}"/>
+                <a16:creationId xmlns:a16="http://schemas.microsoft.com/office/drawing/2014/main" id="{511B567B-1990-4C04-8A22-CB8C091AA792}"/>
               </a:ext>
             </a:extLst>
           </p:cNvPr>
@@ -2896,7 +3367,7 @@
           <p:cNvPr id="2" name="제목 1">
             <a:extLst>
               <a:ext uri="{FF2B5EF4-FFF2-40B4-BE49-F238E27FC236}">
-                <a16:creationId xmlns:a16="http://schemas.microsoft.com/office/drawing/2014/main" xmlns="" id="{872D98A3-BB81-476D-88D5-60F50ACC1A7A}"/>
+                <a16:creationId xmlns:a16="http://schemas.microsoft.com/office/drawing/2014/main" id="{872D98A3-BB81-476D-88D5-60F50ACC1A7A}"/>
               </a:ext>
             </a:extLst>
           </p:cNvPr>
@@ -2933,7 +3404,7 @@
           <p:cNvPr id="3" name="내용 개체 틀 2">
             <a:extLst>
               <a:ext uri="{FF2B5EF4-FFF2-40B4-BE49-F238E27FC236}">
-                <a16:creationId xmlns:a16="http://schemas.microsoft.com/office/drawing/2014/main" xmlns="" id="{C98E7796-3121-400B-A3BF-796CFDF77BFD}"/>
+                <a16:creationId xmlns:a16="http://schemas.microsoft.com/office/drawing/2014/main" id="{C98E7796-3121-400B-A3BF-796CFDF77BFD}"/>
               </a:ext>
             </a:extLst>
           </p:cNvPr>
@@ -3023,7 +3494,7 @@
           <p:cNvPr id="4" name="텍스트 개체 틀 3">
             <a:extLst>
               <a:ext uri="{FF2B5EF4-FFF2-40B4-BE49-F238E27FC236}">
-                <a16:creationId xmlns:a16="http://schemas.microsoft.com/office/drawing/2014/main" xmlns="" id="{EC239B69-29AF-4AD8-A244-C2A87B6D05E1}"/>
+                <a16:creationId xmlns:a16="http://schemas.microsoft.com/office/drawing/2014/main" id="{EC239B69-29AF-4AD8-A244-C2A87B6D05E1}"/>
               </a:ext>
             </a:extLst>
           </p:cNvPr>
@@ -3094,7 +3565,7 @@
           <p:cNvPr id="5" name="날짜 개체 틀 4">
             <a:extLst>
               <a:ext uri="{FF2B5EF4-FFF2-40B4-BE49-F238E27FC236}">
-                <a16:creationId xmlns:a16="http://schemas.microsoft.com/office/drawing/2014/main" xmlns="" id="{F6166593-9B23-4887-AD97-7CF937633431}"/>
+                <a16:creationId xmlns:a16="http://schemas.microsoft.com/office/drawing/2014/main" id="{F6166593-9B23-4887-AD97-7CF937633431}"/>
               </a:ext>
             </a:extLst>
           </p:cNvPr>
@@ -3112,7 +3583,7 @@
           <a:p>
             <a:fld id="{16706E4F-4DCE-433C-BE47-3B753ED43087}" type="datetimeFigureOut">
               <a:rPr lang="ko-KR" altLang="en-US" smtClean="0"/>
-              <a:t>2021-11-28</a:t>
+              <a:t>2022-08-01</a:t>
             </a:fld>
             <a:endParaRPr lang="ko-KR" altLang="en-US"/>
           </a:p>
@@ -3123,7 +3594,7 @@
           <p:cNvPr id="6" name="바닥글 개체 틀 5">
             <a:extLst>
               <a:ext uri="{FF2B5EF4-FFF2-40B4-BE49-F238E27FC236}">
-                <a16:creationId xmlns:a16="http://schemas.microsoft.com/office/drawing/2014/main" xmlns="" id="{2E0E60AA-A9AE-4483-802F-60FB7B1ACBBA}"/>
+                <a16:creationId xmlns:a16="http://schemas.microsoft.com/office/drawing/2014/main" id="{2E0E60AA-A9AE-4483-802F-60FB7B1ACBBA}"/>
               </a:ext>
             </a:extLst>
           </p:cNvPr>
@@ -3148,7 +3619,7 @@
           <p:cNvPr id="7" name="슬라이드 번호 개체 틀 6">
             <a:extLst>
               <a:ext uri="{FF2B5EF4-FFF2-40B4-BE49-F238E27FC236}">
-                <a16:creationId xmlns:a16="http://schemas.microsoft.com/office/drawing/2014/main" xmlns="" id="{D2126DE7-23DC-4E9F-BB53-E15AF1070876}"/>
+                <a16:creationId xmlns:a16="http://schemas.microsoft.com/office/drawing/2014/main" id="{D2126DE7-23DC-4E9F-BB53-E15AF1070876}"/>
               </a:ext>
             </a:extLst>
           </p:cNvPr>
@@ -3207,7 +3678,7 @@
           <p:cNvPr id="2" name="제목 1">
             <a:extLst>
               <a:ext uri="{FF2B5EF4-FFF2-40B4-BE49-F238E27FC236}">
-                <a16:creationId xmlns:a16="http://schemas.microsoft.com/office/drawing/2014/main" xmlns="" id="{CC7C1681-3291-4BDE-89E6-2FD3C3DC5E22}"/>
+                <a16:creationId xmlns:a16="http://schemas.microsoft.com/office/drawing/2014/main" id="{CC7C1681-3291-4BDE-89E6-2FD3C3DC5E22}"/>
               </a:ext>
             </a:extLst>
           </p:cNvPr>
@@ -3244,7 +3715,7 @@
           <p:cNvPr id="3" name="그림 개체 틀 2">
             <a:extLst>
               <a:ext uri="{FF2B5EF4-FFF2-40B4-BE49-F238E27FC236}">
-                <a16:creationId xmlns:a16="http://schemas.microsoft.com/office/drawing/2014/main" xmlns="" id="{34494059-9FF9-43DE-8FD7-078785864F40}"/>
+                <a16:creationId xmlns:a16="http://schemas.microsoft.com/office/drawing/2014/main" id="{34494059-9FF9-43DE-8FD7-078785864F40}"/>
               </a:ext>
             </a:extLst>
           </p:cNvPr>
@@ -3311,7 +3782,7 @@
           <p:cNvPr id="4" name="텍스트 개체 틀 3">
             <a:extLst>
               <a:ext uri="{FF2B5EF4-FFF2-40B4-BE49-F238E27FC236}">
-                <a16:creationId xmlns:a16="http://schemas.microsoft.com/office/drawing/2014/main" xmlns="" id="{E70FD273-58C7-4C8B-B2BF-368999E0DE98}"/>
+                <a16:creationId xmlns:a16="http://schemas.microsoft.com/office/drawing/2014/main" id="{E70FD273-58C7-4C8B-B2BF-368999E0DE98}"/>
               </a:ext>
             </a:extLst>
           </p:cNvPr>
@@ -3382,7 +3853,7 @@
           <p:cNvPr id="5" name="날짜 개체 틀 4">
             <a:extLst>
               <a:ext uri="{FF2B5EF4-FFF2-40B4-BE49-F238E27FC236}">
-                <a16:creationId xmlns:a16="http://schemas.microsoft.com/office/drawing/2014/main" xmlns="" id="{719F87DE-8279-464E-92EE-6D98750D5212}"/>
+                <a16:creationId xmlns:a16="http://schemas.microsoft.com/office/drawing/2014/main" id="{719F87DE-8279-464E-92EE-6D98750D5212}"/>
               </a:ext>
             </a:extLst>
           </p:cNvPr>
@@ -3400,7 +3871,7 @@
           <a:p>
             <a:fld id="{16706E4F-4DCE-433C-BE47-3B753ED43087}" type="datetimeFigureOut">
               <a:rPr lang="ko-KR" altLang="en-US" smtClean="0"/>
-              <a:t>2021-11-28</a:t>
+              <a:t>2022-08-01</a:t>
             </a:fld>
             <a:endParaRPr lang="ko-KR" altLang="en-US"/>
           </a:p>
@@ -3411,7 +3882,7 @@
           <p:cNvPr id="6" name="바닥글 개체 틀 5">
             <a:extLst>
               <a:ext uri="{FF2B5EF4-FFF2-40B4-BE49-F238E27FC236}">
-                <a16:creationId xmlns:a16="http://schemas.microsoft.com/office/drawing/2014/main" xmlns="" id="{2F86AD97-75B7-43D3-9A99-5D89CE55779C}"/>
+                <a16:creationId xmlns:a16="http://schemas.microsoft.com/office/drawing/2014/main" id="{2F86AD97-75B7-43D3-9A99-5D89CE55779C}"/>
               </a:ext>
             </a:extLst>
           </p:cNvPr>
@@ -3436,7 +3907,7 @@
           <p:cNvPr id="7" name="슬라이드 번호 개체 틀 6">
             <a:extLst>
               <a:ext uri="{FF2B5EF4-FFF2-40B4-BE49-F238E27FC236}">
-                <a16:creationId xmlns:a16="http://schemas.microsoft.com/office/drawing/2014/main" xmlns="" id="{1E92650E-7667-4265-BAFD-625CE50A1785}"/>
+                <a16:creationId xmlns:a16="http://schemas.microsoft.com/office/drawing/2014/main" id="{1E92650E-7667-4265-BAFD-625CE50A1785}"/>
               </a:ext>
             </a:extLst>
           </p:cNvPr>
@@ -3500,7 +3971,7 @@
           <p:cNvPr id="2" name="제목 개체 틀 1">
             <a:extLst>
               <a:ext uri="{FF2B5EF4-FFF2-40B4-BE49-F238E27FC236}">
-                <a16:creationId xmlns:a16="http://schemas.microsoft.com/office/drawing/2014/main" xmlns="" id="{66675B96-3997-4B31-BFAA-344FB11DCBA6}"/>
+                <a16:creationId xmlns:a16="http://schemas.microsoft.com/office/drawing/2014/main" id="{66675B96-3997-4B31-BFAA-344FB11DCBA6}"/>
               </a:ext>
             </a:extLst>
           </p:cNvPr>
@@ -3538,7 +4009,7 @@
           <p:cNvPr id="3" name="텍스트 개체 틀 2">
             <a:extLst>
               <a:ext uri="{FF2B5EF4-FFF2-40B4-BE49-F238E27FC236}">
-                <a16:creationId xmlns:a16="http://schemas.microsoft.com/office/drawing/2014/main" xmlns="" id="{4508859D-5F72-49D7-8D5B-3A3225B92529}"/>
+                <a16:creationId xmlns:a16="http://schemas.microsoft.com/office/drawing/2014/main" id="{4508859D-5F72-49D7-8D5B-3A3225B92529}"/>
               </a:ext>
             </a:extLst>
           </p:cNvPr>
@@ -3605,7 +4076,7 @@
           <p:cNvPr id="4" name="날짜 개체 틀 3">
             <a:extLst>
               <a:ext uri="{FF2B5EF4-FFF2-40B4-BE49-F238E27FC236}">
-                <a16:creationId xmlns:a16="http://schemas.microsoft.com/office/drawing/2014/main" xmlns="" id="{5DF2F27E-5744-474F-8E7A-CCA594BA948D}"/>
+                <a16:creationId xmlns:a16="http://schemas.microsoft.com/office/drawing/2014/main" id="{5DF2F27E-5744-474F-8E7A-CCA594BA948D}"/>
               </a:ext>
             </a:extLst>
           </p:cNvPr>
@@ -3641,7 +4112,7 @@
           <a:p>
             <a:fld id="{16706E4F-4DCE-433C-BE47-3B753ED43087}" type="datetimeFigureOut">
               <a:rPr lang="ko-KR" altLang="en-US" smtClean="0"/>
-              <a:t>2021-11-28</a:t>
+              <a:t>2022-08-01</a:t>
             </a:fld>
             <a:endParaRPr lang="ko-KR" altLang="en-US"/>
           </a:p>
@@ -3652,7 +4123,7 @@
           <p:cNvPr id="5" name="바닥글 개체 틀 4">
             <a:extLst>
               <a:ext uri="{FF2B5EF4-FFF2-40B4-BE49-F238E27FC236}">
-                <a16:creationId xmlns:a16="http://schemas.microsoft.com/office/drawing/2014/main" xmlns="" id="{3D1364EB-7081-4E6D-AF43-CA1B6770C96C}"/>
+                <a16:creationId xmlns:a16="http://schemas.microsoft.com/office/drawing/2014/main" id="{3D1364EB-7081-4E6D-AF43-CA1B6770C96C}"/>
               </a:ext>
             </a:extLst>
           </p:cNvPr>
@@ -3695,7 +4166,7 @@
           <p:cNvPr id="6" name="슬라이드 번호 개체 틀 5">
             <a:extLst>
               <a:ext uri="{FF2B5EF4-FFF2-40B4-BE49-F238E27FC236}">
-                <a16:creationId xmlns:a16="http://schemas.microsoft.com/office/drawing/2014/main" xmlns="" id="{722BC6F0-2F4E-4620-98B5-334AF880367D}"/>
+                <a16:creationId xmlns:a16="http://schemas.microsoft.com/office/drawing/2014/main" id="{722BC6F0-2F4E-4620-98B5-334AF880367D}"/>
               </a:ext>
             </a:extLst>
           </p:cNvPr>
@@ -4073,7 +4544,7 @@
           <p:cNvPr id="4" name="TextBox 3">
             <a:extLst>
               <a:ext uri="{FF2B5EF4-FFF2-40B4-BE49-F238E27FC236}">
-                <a16:creationId xmlns:a16="http://schemas.microsoft.com/office/drawing/2014/main" xmlns="" id="{0ADD3736-29C5-49A6-8C10-696896947644}"/>
+                <a16:creationId xmlns:a16="http://schemas.microsoft.com/office/drawing/2014/main" id="{0ADD3736-29C5-49A6-8C10-696896947644}"/>
               </a:ext>
             </a:extLst>
           </p:cNvPr>
@@ -4120,7 +4591,7 @@
           <p:cNvPr id="10" name="TextBox 9">
             <a:extLst>
               <a:ext uri="{FF2B5EF4-FFF2-40B4-BE49-F238E27FC236}">
-                <a16:creationId xmlns:a16="http://schemas.microsoft.com/office/drawing/2014/main" xmlns="" id="{6977B01B-CBE6-4FC6-A9AD-D322C5043188}"/>
+                <a16:creationId xmlns:a16="http://schemas.microsoft.com/office/drawing/2014/main" id="{6977B01B-CBE6-4FC6-A9AD-D322C5043188}"/>
               </a:ext>
             </a:extLst>
           </p:cNvPr>
@@ -4130,7 +4601,7 @@
         <p:spPr>
           <a:xfrm>
             <a:off x="961292" y="1061718"/>
-            <a:ext cx="10656277" cy="3139321"/>
+            <a:ext cx="10656277" cy="4609275"/>
           </a:xfrm>
           <a:prstGeom prst="rect">
             <a:avLst/>
@@ -4144,6 +4615,9 @@
           <a:lstStyle/>
           <a:p>
             <a:pPr marL="285750" indent="-285750">
+              <a:lnSpc>
+                <a:spcPct val="150000"/>
+              </a:lnSpc>
               <a:buFont typeface="Arial" panose="020B0604020202020204" pitchFamily="34" charset="0"/>
               <a:buChar char="•"/>
             </a:pPr>
@@ -4220,6 +4694,9 @@
           </a:p>
           <a:p>
             <a:pPr marL="285750" indent="-285750">
+              <a:lnSpc>
+                <a:spcPct val="150000"/>
+              </a:lnSpc>
               <a:buFont typeface="Arial" panose="020B0604020202020204" pitchFamily="34" charset="0"/>
               <a:buChar char="•"/>
             </a:pPr>
@@ -4233,6 +4710,9 @@
           </a:p>
           <a:p>
             <a:pPr marL="285750" indent="-285750">
+              <a:lnSpc>
+                <a:spcPct val="150000"/>
+              </a:lnSpc>
               <a:buFont typeface="Arial" panose="020B0604020202020204" pitchFamily="34" charset="0"/>
               <a:buChar char="•"/>
             </a:pPr>
@@ -4374,27 +4854,7 @@
                   </a:schemeClr>
                 </a:solidFill>
               </a:rPr>
-              <a:t>로 </a:t>
-            </a:r>
-            <a:r>
-              <a:rPr lang="ko-KR" altLang="en-US" dirty="0" err="1">
-                <a:solidFill>
-                  <a:schemeClr val="bg1">
-                    <a:lumMod val="95000"/>
-                  </a:schemeClr>
-                </a:solidFill>
-              </a:rPr>
-              <a:t>시간복잡도를</a:t>
-            </a:r>
-            <a:r>
-              <a:rPr lang="ko-KR" altLang="en-US" dirty="0">
-                <a:solidFill>
-                  <a:schemeClr val="bg1">
-                    <a:lumMod val="95000"/>
-                  </a:schemeClr>
-                </a:solidFill>
-              </a:rPr>
-              <a:t> 줄여주는 </a:t>
+              <a:t>로 시간 복잡도를 줄여주는 </a:t>
             </a:r>
             <a:r>
               <a:rPr lang="ko-KR" altLang="en-US" dirty="0" err="1">
@@ -4549,6 +5009,9 @@
           </a:p>
           <a:p>
             <a:pPr marL="285750" indent="-285750">
+              <a:lnSpc>
+                <a:spcPct val="150000"/>
+              </a:lnSpc>
               <a:buFont typeface="Arial" panose="020B0604020202020204" pitchFamily="34" charset="0"/>
               <a:buChar char="•"/>
             </a:pPr>
@@ -4562,6 +5025,9 @@
           </a:p>
           <a:p>
             <a:pPr marL="285750" indent="-285750">
+              <a:lnSpc>
+                <a:spcPct val="150000"/>
+              </a:lnSpc>
               <a:buFont typeface="Arial" panose="020B0604020202020204" pitchFamily="34" charset="0"/>
               <a:buChar char="•"/>
             </a:pPr>
@@ -4628,6 +5094,9 @@
           </a:p>
           <a:p>
             <a:pPr marL="285750" indent="-285750">
+              <a:lnSpc>
+                <a:spcPct val="150000"/>
+              </a:lnSpc>
               <a:buFont typeface="Arial" panose="020B0604020202020204" pitchFamily="34" charset="0"/>
               <a:buChar char="•"/>
             </a:pPr>
@@ -4645,6 +5114,5939 @@
     <p:extLst>
       <p:ext uri="{BB962C8B-B14F-4D97-AF65-F5344CB8AC3E}">
         <p14:creationId xmlns:p14="http://schemas.microsoft.com/office/powerpoint/2010/main" val="2112404214"/>
+      </p:ext>
+    </p:extLst>
+  </p:cSld>
+  <p:clrMapOvr>
+    <a:masterClrMapping/>
+  </p:clrMapOvr>
+</p:sld>
+</file>
+
+<file path=ppt/slides/slide10.xml><?xml version="1.0" encoding="utf-8"?>
+<p:sld xmlns:a="http://schemas.openxmlformats.org/drawingml/2006/main" xmlns:r="http://schemas.openxmlformats.org/officeDocument/2006/relationships" xmlns:p="http://schemas.openxmlformats.org/presentationml/2006/main">
+  <p:cSld>
+    <p:bg>
+      <p:bgPr>
+        <a:solidFill>
+          <a:schemeClr val="tx2">
+            <a:lumMod val="50000"/>
+          </a:schemeClr>
+        </a:solidFill>
+        <a:effectLst/>
+      </p:bgPr>
+    </p:bg>
+    <p:spTree>
+      <p:nvGrpSpPr>
+        <p:cNvPr id="1" name=""/>
+        <p:cNvGrpSpPr/>
+        <p:nvPr/>
+      </p:nvGrpSpPr>
+      <p:grpSpPr>
+        <a:xfrm>
+          <a:off x="0" y="0"/>
+          <a:ext cx="0" cy="0"/>
+          <a:chOff x="0" y="0"/>
+          <a:chExt cx="0" cy="0"/>
+        </a:xfrm>
+      </p:grpSpPr>
+      <p:graphicFrame>
+        <p:nvGraphicFramePr>
+          <p:cNvPr id="3" name="표 2">
+            <a:extLst>
+              <a:ext uri="{FF2B5EF4-FFF2-40B4-BE49-F238E27FC236}">
+                <a16:creationId xmlns:a16="http://schemas.microsoft.com/office/drawing/2014/main" id="{C839CA89-1F49-D04B-E6E6-C9757B6CBD53}"/>
+              </a:ext>
+            </a:extLst>
+          </p:cNvPr>
+          <p:cNvGraphicFramePr>
+            <a:graphicFrameLocks noGrp="1"/>
+          </p:cNvGraphicFramePr>
+          <p:nvPr>
+            <p:extLst>
+              <p:ext uri="{D42A27DB-BD31-4B8C-83A1-F6EECF244321}">
+                <p14:modId xmlns:p14="http://schemas.microsoft.com/office/powerpoint/2010/main" val="54587755"/>
+              </p:ext>
+            </p:extLst>
+          </p:nvPr>
+        </p:nvGraphicFramePr>
+        <p:xfrm>
+          <a:off x="1720880" y="669466"/>
+          <a:ext cx="8128000" cy="2131162"/>
+        </p:xfrm>
+        <a:graphic>
+          <a:graphicData uri="http://schemas.openxmlformats.org/drawingml/2006/table">
+            <a:tbl>
+              <a:tblPr firstRow="1" bandRow="1">
+                <a:tableStyleId>{5C22544A-7EE6-4342-B048-85BDC9FD1C3A}</a:tableStyleId>
+              </a:tblPr>
+              <a:tblGrid>
+                <a:gridCol w="4064000">
+                  <a:extLst>
+                    <a:ext uri="{9D8B030D-6E8A-4147-A177-3AD203B41FA5}">
+                      <a16:colId xmlns:a16="http://schemas.microsoft.com/office/drawing/2014/main" val="325052850"/>
+                    </a:ext>
+                  </a:extLst>
+                </a:gridCol>
+                <a:gridCol w="4064000">
+                  <a:extLst>
+                    <a:ext uri="{9D8B030D-6E8A-4147-A177-3AD203B41FA5}">
+                      <a16:colId xmlns:a16="http://schemas.microsoft.com/office/drawing/2014/main" val="596348643"/>
+                    </a:ext>
+                  </a:extLst>
+                </a:gridCol>
+              </a:tblGrid>
+              <a:tr h="703870">
+                <a:tc>
+                  <a:txBody>
+                    <a:bodyPr/>
+                    <a:lstStyle/>
+                    <a:p>
+                      <a:pPr algn="ctr" latinLnBrk="1"/>
+                      <a:r>
+                        <a:rPr lang="en-US" altLang="ko-KR" sz="2000" dirty="0">
+                          <a:solidFill>
+                            <a:srgbClr val="FF0000"/>
+                          </a:solidFill>
+                        </a:rPr>
+                        <a:t>Key</a:t>
+                      </a:r>
+                      <a:endParaRPr lang="ko-KR" altLang="en-US" sz="2000" dirty="0">
+                        <a:solidFill>
+                          <a:srgbClr val="FF0000"/>
+                        </a:solidFill>
+                      </a:endParaRPr>
+                    </a:p>
+                  </a:txBody>
+                  <a:tcPr anchor="ctr">
+                    <a:noFill/>
+                  </a:tcPr>
+                </a:tc>
+                <a:tc>
+                  <a:txBody>
+                    <a:bodyPr/>
+                    <a:lstStyle/>
+                    <a:p>
+                      <a:pPr algn="ctr" latinLnBrk="1"/>
+                      <a:r>
+                        <a:rPr lang="en-US" altLang="ko-KR" sz="2000" dirty="0">
+                          <a:solidFill>
+                            <a:srgbClr val="FF0000"/>
+                          </a:solidFill>
+                        </a:rPr>
+                        <a:t>value</a:t>
+                      </a:r>
+                      <a:endParaRPr lang="ko-KR" altLang="en-US" sz="2000" dirty="0">
+                        <a:solidFill>
+                          <a:srgbClr val="FF0000"/>
+                        </a:solidFill>
+                      </a:endParaRPr>
+                    </a:p>
+                  </a:txBody>
+                  <a:tcPr anchor="ctr">
+                    <a:noFill/>
+                  </a:tcPr>
+                </a:tc>
+                <a:extLst>
+                  <a:ext uri="{0D108BD9-81ED-4DB2-BD59-A6C34878D82A}">
+                    <a16:rowId xmlns:a16="http://schemas.microsoft.com/office/drawing/2014/main" val="3470215107"/>
+                  </a:ext>
+                </a:extLst>
+              </a:tr>
+              <a:tr h="713646">
+                <a:tc>
+                  <a:txBody>
+                    <a:bodyPr/>
+                    <a:lstStyle/>
+                    <a:p>
+                      <a:pPr algn="ctr" latinLnBrk="1"/>
+                      <a:r>
+                        <a:rPr lang="en-US" altLang="ko-KR" sz="2000" dirty="0">
+                          <a:solidFill>
+                            <a:schemeClr val="bg1">
+                              <a:lumMod val="95000"/>
+                            </a:schemeClr>
+                          </a:solidFill>
+                        </a:rPr>
+                        <a:t>0000 0000 0000 5135</a:t>
+                      </a:r>
+                      <a:endParaRPr lang="ko-KR" altLang="en-US" sz="2000" dirty="0">
+                        <a:solidFill>
+                          <a:schemeClr val="bg1">
+                            <a:lumMod val="95000"/>
+                          </a:schemeClr>
+                        </a:solidFill>
+                      </a:endParaRPr>
+                    </a:p>
+                  </a:txBody>
+                  <a:tcPr anchor="ctr">
+                    <a:noFill/>
+                  </a:tcPr>
+                </a:tc>
+                <a:tc>
+                  <a:txBody>
+                    <a:bodyPr/>
+                    <a:lstStyle/>
+                    <a:p>
+                      <a:pPr algn="ctr" latinLnBrk="1"/>
+                      <a:r>
+                        <a:rPr lang="en-US" altLang="ko-KR" sz="2000" dirty="0" err="1">
+                          <a:solidFill>
+                            <a:schemeClr val="bg1">
+                              <a:lumMod val="95000"/>
+                            </a:schemeClr>
+                          </a:solidFill>
+                        </a:rPr>
+                        <a:t>kim</a:t>
+                      </a:r>
+                      <a:endParaRPr lang="en-US" altLang="ko-KR" sz="2000" dirty="0">
+                        <a:solidFill>
+                          <a:schemeClr val="bg1">
+                            <a:lumMod val="95000"/>
+                          </a:schemeClr>
+                        </a:solidFill>
+                      </a:endParaRPr>
+                    </a:p>
+                  </a:txBody>
+                  <a:tcPr anchor="ctr">
+                    <a:noFill/>
+                  </a:tcPr>
+                </a:tc>
+                <a:extLst>
+                  <a:ext uri="{0D108BD9-81ED-4DB2-BD59-A6C34878D82A}">
+                    <a16:rowId xmlns:a16="http://schemas.microsoft.com/office/drawing/2014/main" val="1631254270"/>
+                  </a:ext>
+                </a:extLst>
+              </a:tr>
+              <a:tr h="713646">
+                <a:tc>
+                  <a:txBody>
+                    <a:bodyPr/>
+                    <a:lstStyle/>
+                    <a:p>
+                      <a:pPr marL="0" marR="0" lvl="0" indent="0" algn="ctr" defTabSz="914400" rtl="0" eaLnBrk="1" fontAlgn="auto" latinLnBrk="1" hangingPunct="1">
+                        <a:lnSpc>
+                          <a:spcPct val="100000"/>
+                        </a:lnSpc>
+                        <a:spcBef>
+                          <a:spcPts val="0"/>
+                        </a:spcBef>
+                        <a:spcAft>
+                          <a:spcPts val="0"/>
+                        </a:spcAft>
+                        <a:buClrTx/>
+                        <a:buSzTx/>
+                        <a:buFontTx/>
+                        <a:buNone/>
+                        <a:tabLst/>
+                        <a:defRPr/>
+                      </a:pPr>
+                      <a:endParaRPr lang="ko-KR" altLang="en-US" sz="2000" dirty="0">
+                        <a:solidFill>
+                          <a:schemeClr val="bg1">
+                            <a:lumMod val="95000"/>
+                          </a:schemeClr>
+                        </a:solidFill>
+                      </a:endParaRPr>
+                    </a:p>
+                  </a:txBody>
+                  <a:tcPr anchor="ctr">
+                    <a:noFill/>
+                  </a:tcPr>
+                </a:tc>
+                <a:tc>
+                  <a:txBody>
+                    <a:bodyPr/>
+                    <a:lstStyle/>
+                    <a:p>
+                      <a:pPr marL="0" marR="0" lvl="0" indent="0" algn="ctr" defTabSz="914400" rtl="0" eaLnBrk="1" fontAlgn="auto" latinLnBrk="1" hangingPunct="1">
+                        <a:lnSpc>
+                          <a:spcPct val="100000"/>
+                        </a:lnSpc>
+                        <a:spcBef>
+                          <a:spcPts val="0"/>
+                        </a:spcBef>
+                        <a:spcAft>
+                          <a:spcPts val="0"/>
+                        </a:spcAft>
+                        <a:buClrTx/>
+                        <a:buSzTx/>
+                        <a:buFontTx/>
+                        <a:buNone/>
+                        <a:tabLst/>
+                        <a:defRPr/>
+                      </a:pPr>
+                      <a:endParaRPr lang="ko-KR" altLang="en-US" sz="2000" dirty="0">
+                        <a:solidFill>
+                          <a:schemeClr val="bg1">
+                            <a:lumMod val="95000"/>
+                          </a:schemeClr>
+                        </a:solidFill>
+                      </a:endParaRPr>
+                    </a:p>
+                  </a:txBody>
+                  <a:tcPr anchor="ctr">
+                    <a:noFill/>
+                  </a:tcPr>
+                </a:tc>
+                <a:extLst>
+                  <a:ext uri="{0D108BD9-81ED-4DB2-BD59-A6C34878D82A}">
+                    <a16:rowId xmlns:a16="http://schemas.microsoft.com/office/drawing/2014/main" val="3533667079"/>
+                  </a:ext>
+                </a:extLst>
+              </a:tr>
+            </a:tbl>
+          </a:graphicData>
+        </a:graphic>
+      </p:graphicFrame>
+      <p:sp>
+        <p:nvSpPr>
+          <p:cNvPr id="5" name="TextBox 4">
+            <a:extLst>
+              <a:ext uri="{FF2B5EF4-FFF2-40B4-BE49-F238E27FC236}">
+                <a16:creationId xmlns:a16="http://schemas.microsoft.com/office/drawing/2014/main" id="{815E5399-02D6-E853-53ED-1B9ECD2A4E89}"/>
+              </a:ext>
+            </a:extLst>
+          </p:cNvPr>
+          <p:cNvSpPr txBox="1"/>
+          <p:nvPr/>
+        </p:nvSpPr>
+        <p:spPr>
+          <a:xfrm>
+            <a:off x="1560973" y="3086955"/>
+            <a:ext cx="8777435" cy="2947282"/>
+          </a:xfrm>
+          <a:prstGeom prst="rect">
+            <a:avLst/>
+          </a:prstGeom>
+          <a:noFill/>
+        </p:spPr>
+        <p:txBody>
+          <a:bodyPr wrap="square" rtlCol="0">
+            <a:spAutoFit/>
+          </a:bodyPr>
+          <a:lstStyle/>
+          <a:p>
+            <a:pPr marL="342900" indent="-342900">
+              <a:lnSpc>
+                <a:spcPct val="150000"/>
+              </a:lnSpc>
+              <a:buFont typeface="Arial" panose="020B0604020202020204" pitchFamily="34" charset="0"/>
+              <a:buChar char="•"/>
+            </a:pPr>
+            <a:r>
+              <a:rPr lang="ko-KR" altLang="en-US" dirty="0">
+                <a:solidFill>
+                  <a:schemeClr val="bg1">
+                    <a:lumMod val="95000"/>
+                  </a:schemeClr>
+                </a:solidFill>
+              </a:rPr>
+              <a:t>해시 자료구조에 값을 계속 넣다 보니 </a:t>
+            </a:r>
+            <a:r>
+              <a:rPr lang="en-US" altLang="ko-KR" dirty="0">
+                <a:solidFill>
+                  <a:schemeClr val="bg1">
+                    <a:lumMod val="95000"/>
+                  </a:schemeClr>
+                </a:solidFill>
+              </a:rPr>
+              <a:t>0000 0000 0001 5135, kang </a:t>
+            </a:r>
+            <a:r>
+              <a:rPr lang="ko-KR" altLang="en-US" dirty="0">
+                <a:solidFill>
+                  <a:schemeClr val="bg1">
+                    <a:lumMod val="95000"/>
+                  </a:schemeClr>
+                </a:solidFill>
+              </a:rPr>
+              <a:t>이라는 값이 또 들어오게 되었습니다</a:t>
+            </a:r>
+            <a:r>
+              <a:rPr lang="en-US" altLang="ko-KR" dirty="0">
+                <a:solidFill>
+                  <a:schemeClr val="bg1">
+                    <a:lumMod val="95000"/>
+                  </a:schemeClr>
+                </a:solidFill>
+              </a:rPr>
+              <a:t>. </a:t>
+            </a:r>
+            <a:r>
+              <a:rPr lang="ko-KR" altLang="en-US" dirty="0">
+                <a:solidFill>
+                  <a:schemeClr val="bg1">
+                    <a:lumMod val="95000"/>
+                  </a:schemeClr>
+                </a:solidFill>
+              </a:rPr>
+              <a:t>이 해시 자료구조는 </a:t>
+            </a:r>
+            <a:r>
+              <a:rPr lang="ko-KR" altLang="en-US" dirty="0" err="1">
+                <a:solidFill>
+                  <a:schemeClr val="bg1">
+                    <a:lumMod val="95000"/>
+                  </a:schemeClr>
+                </a:solidFill>
+              </a:rPr>
+              <a:t>뒷</a:t>
+            </a:r>
+            <a:r>
+              <a:rPr lang="ko-KR" altLang="en-US" dirty="0">
+                <a:solidFill>
+                  <a:schemeClr val="bg1">
+                    <a:lumMod val="95000"/>
+                  </a:schemeClr>
+                </a:solidFill>
+              </a:rPr>
+              <a:t> </a:t>
+            </a:r>
+            <a:r>
+              <a:rPr lang="en-US" altLang="ko-KR" dirty="0">
+                <a:solidFill>
+                  <a:schemeClr val="bg1">
+                    <a:lumMod val="95000"/>
+                  </a:schemeClr>
+                </a:solidFill>
+              </a:rPr>
+              <a:t>4</a:t>
+            </a:r>
+            <a:r>
+              <a:rPr lang="ko-KR" altLang="en-US" dirty="0">
+                <a:solidFill>
+                  <a:schemeClr val="bg1">
+                    <a:lumMod val="95000"/>
+                  </a:schemeClr>
+                </a:solidFill>
+              </a:rPr>
+              <a:t>자리를 인덱스로 하고 있기 때문에 기존에 </a:t>
+            </a:r>
+            <a:r>
+              <a:rPr lang="en-US" altLang="ko-KR" dirty="0">
+                <a:solidFill>
+                  <a:schemeClr val="bg1">
+                    <a:lumMod val="95000"/>
+                  </a:schemeClr>
+                </a:solidFill>
+              </a:rPr>
+              <a:t>5135</a:t>
+            </a:r>
+            <a:r>
+              <a:rPr lang="ko-KR" altLang="en-US" dirty="0">
+                <a:solidFill>
+                  <a:schemeClr val="bg1">
+                    <a:lumMod val="95000"/>
+                  </a:schemeClr>
+                </a:solidFill>
+              </a:rPr>
+              <a:t>인덱스에 있던 </a:t>
+            </a:r>
+            <a:r>
+              <a:rPr lang="en-US" altLang="ko-KR" dirty="0" err="1">
+                <a:solidFill>
+                  <a:schemeClr val="bg1">
+                    <a:lumMod val="95000"/>
+                  </a:schemeClr>
+                </a:solidFill>
+              </a:rPr>
+              <a:t>kim</a:t>
+            </a:r>
+            <a:r>
+              <a:rPr lang="ko-KR" altLang="en-US" dirty="0">
+                <a:solidFill>
+                  <a:schemeClr val="bg1">
+                    <a:lumMod val="95000"/>
+                  </a:schemeClr>
+                </a:solidFill>
+              </a:rPr>
+              <a:t>과 </a:t>
+            </a:r>
+            <a:r>
+              <a:rPr lang="en-US" altLang="ko-KR" dirty="0">
+                <a:solidFill>
+                  <a:schemeClr val="bg1">
+                    <a:lumMod val="95000"/>
+                  </a:schemeClr>
+                </a:solidFill>
+              </a:rPr>
+              <a:t>kang</a:t>
+            </a:r>
+            <a:r>
+              <a:rPr lang="ko-KR" altLang="en-US" dirty="0">
+                <a:solidFill>
+                  <a:schemeClr val="bg1">
+                    <a:lumMod val="95000"/>
+                  </a:schemeClr>
+                </a:solidFill>
+              </a:rPr>
+              <a:t>이 충돌이 일어나게 됩니다</a:t>
+            </a:r>
+            <a:r>
+              <a:rPr lang="en-US" altLang="ko-KR" dirty="0">
+                <a:solidFill>
+                  <a:schemeClr val="bg1">
+                    <a:lumMod val="95000"/>
+                  </a:schemeClr>
+                </a:solidFill>
+              </a:rPr>
+              <a:t>.</a:t>
+            </a:r>
+          </a:p>
+          <a:p>
+            <a:pPr marL="342900" indent="-342900">
+              <a:lnSpc>
+                <a:spcPct val="150000"/>
+              </a:lnSpc>
+              <a:buFont typeface="Arial" panose="020B0604020202020204" pitchFamily="34" charset="0"/>
+              <a:buChar char="•"/>
+            </a:pPr>
+            <a:endParaRPr lang="en-US" altLang="ko-KR" dirty="0">
+              <a:solidFill>
+                <a:schemeClr val="bg1">
+                  <a:lumMod val="95000"/>
+                </a:schemeClr>
+              </a:solidFill>
+            </a:endParaRPr>
+          </a:p>
+          <a:p>
+            <a:pPr marL="342900" indent="-342900">
+              <a:lnSpc>
+                <a:spcPct val="150000"/>
+              </a:lnSpc>
+              <a:buFont typeface="Arial" panose="020B0604020202020204" pitchFamily="34" charset="0"/>
+              <a:buChar char="•"/>
+            </a:pPr>
+            <a:r>
+              <a:rPr lang="ko-KR" altLang="en-US" dirty="0">
+                <a:solidFill>
+                  <a:schemeClr val="bg1">
+                    <a:lumMod val="95000"/>
+                  </a:schemeClr>
+                </a:solidFill>
+              </a:rPr>
+              <a:t>즉</a:t>
+            </a:r>
+            <a:r>
+              <a:rPr lang="en-US" altLang="ko-KR" dirty="0">
+                <a:solidFill>
+                  <a:schemeClr val="bg1">
+                    <a:lumMod val="95000"/>
+                  </a:schemeClr>
+                </a:solidFill>
+              </a:rPr>
+              <a:t>, </a:t>
+            </a:r>
+            <a:r>
+              <a:rPr lang="ko-KR" altLang="en-US" dirty="0">
+                <a:solidFill>
+                  <a:schemeClr val="bg1">
+                    <a:lumMod val="95000"/>
+                  </a:schemeClr>
+                </a:solidFill>
+              </a:rPr>
+              <a:t>충돌이란 서로 다른 키가 같은 해시 값을 가지게 될 경우를 뜻합니다</a:t>
+            </a:r>
+            <a:r>
+              <a:rPr lang="en-US" altLang="ko-KR" dirty="0">
+                <a:solidFill>
+                  <a:schemeClr val="bg1">
+                    <a:lumMod val="95000"/>
+                  </a:schemeClr>
+                </a:solidFill>
+              </a:rPr>
+              <a:t>. </a:t>
+            </a:r>
+          </a:p>
+          <a:p>
+            <a:pPr marL="342900" indent="-342900">
+              <a:lnSpc>
+                <a:spcPct val="150000"/>
+              </a:lnSpc>
+              <a:buFont typeface="Arial" panose="020B0604020202020204" pitchFamily="34" charset="0"/>
+              <a:buChar char="•"/>
+            </a:pPr>
+            <a:r>
+              <a:rPr lang="ko-KR" altLang="en-US" dirty="0">
+                <a:solidFill>
+                  <a:schemeClr val="bg1">
+                    <a:lumMod val="95000"/>
+                  </a:schemeClr>
+                </a:solidFill>
+              </a:rPr>
+              <a:t>이러한 충돌을 회피하면서 적절한 인덱스를 부여하기 위해 많은 해시함수 연구가 이뤄졌고</a:t>
+            </a:r>
+            <a:r>
+              <a:rPr lang="en-US" altLang="ko-KR" dirty="0">
+                <a:solidFill>
+                  <a:schemeClr val="bg1">
+                    <a:lumMod val="95000"/>
+                  </a:schemeClr>
+                </a:solidFill>
+              </a:rPr>
+              <a:t>, </a:t>
+            </a:r>
+            <a:r>
+              <a:rPr lang="ko-KR" altLang="en-US" dirty="0">
+                <a:solidFill>
+                  <a:schemeClr val="bg1">
+                    <a:lumMod val="95000"/>
+                  </a:schemeClr>
+                </a:solidFill>
+              </a:rPr>
+              <a:t>대표적으로는 </a:t>
+            </a:r>
+            <a:r>
+              <a:rPr lang="en-US" altLang="ko-KR" dirty="0">
+                <a:solidFill>
+                  <a:schemeClr val="bg1">
+                    <a:lumMod val="95000"/>
+                  </a:schemeClr>
+                </a:solidFill>
+              </a:rPr>
+              <a:t>Chaining</a:t>
+            </a:r>
+            <a:r>
+              <a:rPr lang="ko-KR" altLang="en-US" dirty="0">
+                <a:solidFill>
+                  <a:schemeClr val="bg1">
+                    <a:lumMod val="95000"/>
+                  </a:schemeClr>
+                </a:solidFill>
+              </a:rPr>
+              <a:t>과 </a:t>
+            </a:r>
+            <a:r>
+              <a:rPr lang="en-US" altLang="ko-KR" dirty="0">
+                <a:solidFill>
+                  <a:schemeClr val="bg1">
+                    <a:lumMod val="95000"/>
+                  </a:schemeClr>
+                </a:solidFill>
+              </a:rPr>
+              <a:t>Open Addressing</a:t>
+            </a:r>
+            <a:r>
+              <a:rPr lang="ko-KR" altLang="en-US" dirty="0">
+                <a:solidFill>
+                  <a:schemeClr val="bg1">
+                    <a:lumMod val="95000"/>
+                  </a:schemeClr>
+                </a:solidFill>
+              </a:rPr>
+              <a:t>이 있습니다</a:t>
+            </a:r>
+            <a:r>
+              <a:rPr lang="en-US" altLang="ko-KR" dirty="0">
+                <a:solidFill>
+                  <a:schemeClr val="bg1">
+                    <a:lumMod val="95000"/>
+                  </a:schemeClr>
+                </a:solidFill>
+              </a:rPr>
+              <a:t>.</a:t>
+            </a:r>
+          </a:p>
+        </p:txBody>
+      </p:sp>
+    </p:spTree>
+    <p:extLst>
+      <p:ext uri="{BB962C8B-B14F-4D97-AF65-F5344CB8AC3E}">
+        <p14:creationId xmlns:p14="http://schemas.microsoft.com/office/powerpoint/2010/main" val="2203263955"/>
+      </p:ext>
+    </p:extLst>
+  </p:cSld>
+  <p:clrMapOvr>
+    <a:masterClrMapping/>
+  </p:clrMapOvr>
+</p:sld>
+</file>
+
+<file path=ppt/slides/slide11.xml><?xml version="1.0" encoding="utf-8"?>
+<p:sld xmlns:a="http://schemas.openxmlformats.org/drawingml/2006/main" xmlns:r="http://schemas.openxmlformats.org/officeDocument/2006/relationships" xmlns:p="http://schemas.openxmlformats.org/presentationml/2006/main">
+  <p:cSld>
+    <p:bg>
+      <p:bgPr>
+        <a:solidFill>
+          <a:schemeClr val="tx2">
+            <a:lumMod val="50000"/>
+          </a:schemeClr>
+        </a:solidFill>
+        <a:effectLst/>
+      </p:bgPr>
+    </p:bg>
+    <p:spTree>
+      <p:nvGrpSpPr>
+        <p:cNvPr id="1" name=""/>
+        <p:cNvGrpSpPr/>
+        <p:nvPr/>
+      </p:nvGrpSpPr>
+      <p:grpSpPr>
+        <a:xfrm>
+          <a:off x="0" y="0"/>
+          <a:ext cx="0" cy="0"/>
+          <a:chOff x="0" y="0"/>
+          <a:chExt cx="0" cy="0"/>
+        </a:xfrm>
+      </p:grpSpPr>
+      <p:sp>
+        <p:nvSpPr>
+          <p:cNvPr id="12" name="TextBox 11">
+            <a:extLst>
+              <a:ext uri="{FF2B5EF4-FFF2-40B4-BE49-F238E27FC236}">
+                <a16:creationId xmlns:a16="http://schemas.microsoft.com/office/drawing/2014/main" id="{135E210C-72BF-4DB2-BAF2-0F829620A28A}"/>
+              </a:ext>
+            </a:extLst>
+          </p:cNvPr>
+          <p:cNvSpPr txBox="1"/>
+          <p:nvPr/>
+        </p:nvSpPr>
+        <p:spPr>
+          <a:xfrm>
+            <a:off x="623482" y="614662"/>
+            <a:ext cx="10656277" cy="1569660"/>
+          </a:xfrm>
+          <a:prstGeom prst="rect">
+            <a:avLst/>
+          </a:prstGeom>
+          <a:noFill/>
+        </p:spPr>
+        <p:txBody>
+          <a:bodyPr wrap="square" rtlCol="0">
+            <a:spAutoFit/>
+          </a:bodyPr>
+          <a:lstStyle/>
+          <a:p>
+            <a:pPr marL="285750" indent="-285750">
+              <a:buFont typeface="Arial" panose="020B0604020202020204" pitchFamily="34" charset="0"/>
+              <a:buChar char="•"/>
+            </a:pPr>
+            <a:r>
+              <a:rPr lang="en-US" altLang="ko-KR" sz="2400" dirty="0">
+                <a:solidFill>
+                  <a:schemeClr val="bg1">
+                    <a:lumMod val="95000"/>
+                  </a:schemeClr>
+                </a:solidFill>
+              </a:rPr>
+              <a:t>Chaining</a:t>
+            </a:r>
+          </a:p>
+          <a:p>
+            <a:pPr marL="742950" lvl="1" indent="-285750">
+              <a:buFont typeface="Arial" panose="020B0604020202020204" pitchFamily="34" charset="0"/>
+              <a:buChar char="•"/>
+            </a:pPr>
+            <a:r>
+              <a:rPr lang="en-US" altLang="ko-KR" dirty="0">
+                <a:solidFill>
+                  <a:schemeClr val="bg1">
+                    <a:lumMod val="95000"/>
+                  </a:schemeClr>
+                </a:solidFill>
+              </a:rPr>
+              <a:t>Chaining</a:t>
+            </a:r>
+            <a:r>
+              <a:rPr lang="ko-KR" altLang="en-US" dirty="0">
+                <a:solidFill>
+                  <a:schemeClr val="bg1">
+                    <a:lumMod val="95000"/>
+                  </a:schemeClr>
+                </a:solidFill>
+              </a:rPr>
+              <a:t>에서는 각 인덱스마다 연결 리스트를 하나씩 둡니다</a:t>
+            </a:r>
+            <a:r>
+              <a:rPr lang="en-US" altLang="ko-KR" dirty="0">
+                <a:solidFill>
+                  <a:schemeClr val="bg1">
+                    <a:lumMod val="95000"/>
+                  </a:schemeClr>
+                </a:solidFill>
+              </a:rPr>
+              <a:t>. </a:t>
+            </a:r>
+            <a:r>
+              <a:rPr lang="ko-KR" altLang="en-US" dirty="0">
+                <a:solidFill>
+                  <a:schemeClr val="bg1">
+                    <a:lumMod val="95000"/>
+                  </a:schemeClr>
+                </a:solidFill>
+              </a:rPr>
+              <a:t>그리고 삽입이 발생하면 인덱스의 연결리스트에 값을 추가합니다</a:t>
+            </a:r>
+            <a:r>
+              <a:rPr lang="en-US" altLang="ko-KR" dirty="0">
+                <a:solidFill>
+                  <a:schemeClr val="bg1">
+                    <a:lumMod val="95000"/>
+                  </a:schemeClr>
+                </a:solidFill>
+              </a:rPr>
+              <a:t>.</a:t>
+            </a:r>
+          </a:p>
+          <a:p>
+            <a:pPr marL="742950" lvl="1" indent="-285750">
+              <a:buFont typeface="Arial" panose="020B0604020202020204" pitchFamily="34" charset="0"/>
+              <a:buChar char="•"/>
+            </a:pPr>
+            <a:endParaRPr lang="en-US" altLang="ko-KR" dirty="0">
+              <a:solidFill>
+                <a:schemeClr val="bg1">
+                  <a:lumMod val="95000"/>
+                </a:schemeClr>
+              </a:solidFill>
+            </a:endParaRPr>
+          </a:p>
+          <a:p>
+            <a:pPr lvl="1"/>
+            <a:endParaRPr lang="en-US" altLang="ko-KR" dirty="0">
+              <a:solidFill>
+                <a:schemeClr val="bg1">
+                  <a:lumMod val="95000"/>
+                </a:schemeClr>
+              </a:solidFill>
+            </a:endParaRPr>
+          </a:p>
+        </p:txBody>
+      </p:sp>
+      <p:sp>
+        <p:nvSpPr>
+          <p:cNvPr id="4" name="TextBox 3">
+            <a:extLst>
+              <a:ext uri="{FF2B5EF4-FFF2-40B4-BE49-F238E27FC236}">
+                <a16:creationId xmlns:a16="http://schemas.microsoft.com/office/drawing/2014/main" id="{5892876E-4207-0F78-48A4-4B14AF32324A}"/>
+              </a:ext>
+            </a:extLst>
+          </p:cNvPr>
+          <p:cNvSpPr txBox="1"/>
+          <p:nvPr/>
+        </p:nvSpPr>
+        <p:spPr>
+          <a:xfrm>
+            <a:off x="623482" y="4489013"/>
+            <a:ext cx="10656277" cy="369332"/>
+          </a:xfrm>
+          <a:prstGeom prst="rect">
+            <a:avLst/>
+          </a:prstGeom>
+          <a:noFill/>
+        </p:spPr>
+        <p:txBody>
+          <a:bodyPr wrap="square" rtlCol="0">
+            <a:spAutoFit/>
+          </a:bodyPr>
+          <a:lstStyle/>
+          <a:p>
+            <a:pPr marL="285750" indent="-285750">
+              <a:buFont typeface="Arial" panose="020B0604020202020204" pitchFamily="34" charset="0"/>
+              <a:buChar char="•"/>
+            </a:pPr>
+            <a:r>
+              <a:rPr lang="ko-KR" altLang="en-US" dirty="0">
+                <a:solidFill>
+                  <a:schemeClr val="bg1">
+                    <a:lumMod val="95000"/>
+                  </a:schemeClr>
+                </a:solidFill>
+              </a:rPr>
+              <a:t>이러면 충돌이 일어날 때마다 연결리스트에 추가하면 되기 때문에 충돌을 걱정할 필요가 없습니다</a:t>
+            </a:r>
+            <a:r>
+              <a:rPr lang="en-US" altLang="ko-KR" dirty="0">
+                <a:solidFill>
+                  <a:schemeClr val="bg1">
+                    <a:lumMod val="95000"/>
+                  </a:schemeClr>
+                </a:solidFill>
+              </a:rPr>
+              <a:t>.</a:t>
+            </a:r>
+            <a:r>
+              <a:rPr lang="ko-KR" altLang="en-US" dirty="0">
+                <a:solidFill>
+                  <a:schemeClr val="bg1">
+                    <a:lumMod val="95000"/>
+                  </a:schemeClr>
+                </a:solidFill>
+              </a:rPr>
+              <a:t> </a:t>
+            </a:r>
+            <a:endParaRPr lang="en-US" altLang="ko-KR" dirty="0">
+              <a:solidFill>
+                <a:schemeClr val="bg1">
+                  <a:lumMod val="95000"/>
+                </a:schemeClr>
+              </a:solidFill>
+            </a:endParaRPr>
+          </a:p>
+        </p:txBody>
+      </p:sp>
+      <p:graphicFrame>
+        <p:nvGraphicFramePr>
+          <p:cNvPr id="5" name="표 5">
+            <a:extLst>
+              <a:ext uri="{FF2B5EF4-FFF2-40B4-BE49-F238E27FC236}">
+                <a16:creationId xmlns:a16="http://schemas.microsoft.com/office/drawing/2014/main" id="{B0634769-4EDF-9B03-BF15-5CA49603D5BD}"/>
+              </a:ext>
+            </a:extLst>
+          </p:cNvPr>
+          <p:cNvGraphicFramePr>
+            <a:graphicFrameLocks noGrp="1"/>
+          </p:cNvGraphicFramePr>
+          <p:nvPr>
+            <p:extLst>
+              <p:ext uri="{D42A27DB-BD31-4B8C-83A1-F6EECF244321}">
+                <p14:modId xmlns:p14="http://schemas.microsoft.com/office/powerpoint/2010/main" val="570218624"/>
+              </p:ext>
+            </p:extLst>
+          </p:nvPr>
+        </p:nvGraphicFramePr>
+        <p:xfrm>
+          <a:off x="1717963" y="2105120"/>
+          <a:ext cx="8128000" cy="741680"/>
+        </p:xfrm>
+        <a:graphic>
+          <a:graphicData uri="http://schemas.openxmlformats.org/drawingml/2006/table">
+            <a:tbl>
+              <a:tblPr firstRow="1" bandRow="1">
+                <a:tableStyleId>{5C22544A-7EE6-4342-B048-85BDC9FD1C3A}</a:tableStyleId>
+              </a:tblPr>
+              <a:tblGrid>
+                <a:gridCol w="812800">
+                  <a:extLst>
+                    <a:ext uri="{9D8B030D-6E8A-4147-A177-3AD203B41FA5}">
+                      <a16:colId xmlns:a16="http://schemas.microsoft.com/office/drawing/2014/main" val="2598344309"/>
+                    </a:ext>
+                  </a:extLst>
+                </a:gridCol>
+                <a:gridCol w="812800">
+                  <a:extLst>
+                    <a:ext uri="{9D8B030D-6E8A-4147-A177-3AD203B41FA5}">
+                      <a16:colId xmlns:a16="http://schemas.microsoft.com/office/drawing/2014/main" val="605485509"/>
+                    </a:ext>
+                  </a:extLst>
+                </a:gridCol>
+                <a:gridCol w="812800">
+                  <a:extLst>
+                    <a:ext uri="{9D8B030D-6E8A-4147-A177-3AD203B41FA5}">
+                      <a16:colId xmlns:a16="http://schemas.microsoft.com/office/drawing/2014/main" val="2722362735"/>
+                    </a:ext>
+                  </a:extLst>
+                </a:gridCol>
+                <a:gridCol w="812800">
+                  <a:extLst>
+                    <a:ext uri="{9D8B030D-6E8A-4147-A177-3AD203B41FA5}">
+                      <a16:colId xmlns:a16="http://schemas.microsoft.com/office/drawing/2014/main" val="83831864"/>
+                    </a:ext>
+                  </a:extLst>
+                </a:gridCol>
+                <a:gridCol w="812800">
+                  <a:extLst>
+                    <a:ext uri="{9D8B030D-6E8A-4147-A177-3AD203B41FA5}">
+                      <a16:colId xmlns:a16="http://schemas.microsoft.com/office/drawing/2014/main" val="2270492597"/>
+                    </a:ext>
+                  </a:extLst>
+                </a:gridCol>
+                <a:gridCol w="812800">
+                  <a:extLst>
+                    <a:ext uri="{9D8B030D-6E8A-4147-A177-3AD203B41FA5}">
+                      <a16:colId xmlns:a16="http://schemas.microsoft.com/office/drawing/2014/main" val="2835377339"/>
+                    </a:ext>
+                  </a:extLst>
+                </a:gridCol>
+                <a:gridCol w="812800">
+                  <a:extLst>
+                    <a:ext uri="{9D8B030D-6E8A-4147-A177-3AD203B41FA5}">
+                      <a16:colId xmlns:a16="http://schemas.microsoft.com/office/drawing/2014/main" val="3339377687"/>
+                    </a:ext>
+                  </a:extLst>
+                </a:gridCol>
+                <a:gridCol w="812800">
+                  <a:extLst>
+                    <a:ext uri="{9D8B030D-6E8A-4147-A177-3AD203B41FA5}">
+                      <a16:colId xmlns:a16="http://schemas.microsoft.com/office/drawing/2014/main" val="1522430985"/>
+                    </a:ext>
+                  </a:extLst>
+                </a:gridCol>
+                <a:gridCol w="812800">
+                  <a:extLst>
+                    <a:ext uri="{9D8B030D-6E8A-4147-A177-3AD203B41FA5}">
+                      <a16:colId xmlns:a16="http://schemas.microsoft.com/office/drawing/2014/main" val="768155208"/>
+                    </a:ext>
+                  </a:extLst>
+                </a:gridCol>
+                <a:gridCol w="812800">
+                  <a:extLst>
+                    <a:ext uri="{9D8B030D-6E8A-4147-A177-3AD203B41FA5}">
+                      <a16:colId xmlns:a16="http://schemas.microsoft.com/office/drawing/2014/main" val="3345680187"/>
+                    </a:ext>
+                  </a:extLst>
+                </a:gridCol>
+              </a:tblGrid>
+              <a:tr h="370840">
+                <a:tc>
+                  <a:txBody>
+                    <a:bodyPr/>
+                    <a:lstStyle/>
+                    <a:p>
+                      <a:pPr algn="ctr" latinLnBrk="1"/>
+                      <a:r>
+                        <a:rPr lang="en-US" altLang="ko-KR" dirty="0"/>
+                        <a:t>0000</a:t>
+                      </a:r>
+                      <a:endParaRPr lang="ko-KR" altLang="en-US" dirty="0"/>
+                    </a:p>
+                  </a:txBody>
+                  <a:tcPr/>
+                </a:tc>
+                <a:tc>
+                  <a:txBody>
+                    <a:bodyPr/>
+                    <a:lstStyle/>
+                    <a:p>
+                      <a:pPr algn="ctr" latinLnBrk="1"/>
+                      <a:r>
+                        <a:rPr lang="en-US" altLang="ko-KR" dirty="0"/>
+                        <a:t>0001</a:t>
+                      </a:r>
+                      <a:endParaRPr lang="ko-KR" altLang="en-US" dirty="0"/>
+                    </a:p>
+                  </a:txBody>
+                  <a:tcPr/>
+                </a:tc>
+                <a:tc>
+                  <a:txBody>
+                    <a:bodyPr/>
+                    <a:lstStyle/>
+                    <a:p>
+                      <a:pPr algn="ctr" latinLnBrk="1"/>
+                      <a:r>
+                        <a:rPr lang="en-US" altLang="ko-KR" dirty="0"/>
+                        <a:t>…</a:t>
+                      </a:r>
+                      <a:endParaRPr lang="ko-KR" altLang="en-US" dirty="0"/>
+                    </a:p>
+                  </a:txBody>
+                  <a:tcPr/>
+                </a:tc>
+                <a:tc>
+                  <a:txBody>
+                    <a:bodyPr/>
+                    <a:lstStyle/>
+                    <a:p>
+                      <a:pPr algn="ctr" latinLnBrk="1"/>
+                      <a:r>
+                        <a:rPr lang="en-US" altLang="ko-KR" dirty="0"/>
+                        <a:t>1900</a:t>
+                      </a:r>
+                      <a:endParaRPr lang="ko-KR" altLang="en-US" dirty="0"/>
+                    </a:p>
+                  </a:txBody>
+                  <a:tcPr/>
+                </a:tc>
+                <a:tc>
+                  <a:txBody>
+                    <a:bodyPr/>
+                    <a:lstStyle/>
+                    <a:p>
+                      <a:pPr algn="ctr" latinLnBrk="1"/>
+                      <a:r>
+                        <a:rPr lang="en-US" altLang="ko-KR" dirty="0"/>
+                        <a:t>…</a:t>
+                      </a:r>
+                      <a:endParaRPr lang="ko-KR" altLang="en-US" dirty="0"/>
+                    </a:p>
+                  </a:txBody>
+                  <a:tcPr/>
+                </a:tc>
+                <a:tc>
+                  <a:txBody>
+                    <a:bodyPr/>
+                    <a:lstStyle/>
+                    <a:p>
+                      <a:pPr algn="ctr" latinLnBrk="1"/>
+                      <a:r>
+                        <a:rPr lang="en-US" altLang="ko-KR" dirty="0"/>
+                        <a:t>5135</a:t>
+                      </a:r>
+                      <a:endParaRPr lang="ko-KR" altLang="en-US" dirty="0"/>
+                    </a:p>
+                  </a:txBody>
+                  <a:tcPr/>
+                </a:tc>
+                <a:tc>
+                  <a:txBody>
+                    <a:bodyPr/>
+                    <a:lstStyle/>
+                    <a:p>
+                      <a:pPr algn="ctr" latinLnBrk="1"/>
+                      <a:r>
+                        <a:rPr lang="en-US" altLang="ko-KR" dirty="0"/>
+                        <a:t>…</a:t>
+                      </a:r>
+                      <a:endParaRPr lang="ko-KR" altLang="en-US" dirty="0"/>
+                    </a:p>
+                  </a:txBody>
+                  <a:tcPr/>
+                </a:tc>
+                <a:tc>
+                  <a:txBody>
+                    <a:bodyPr/>
+                    <a:lstStyle/>
+                    <a:p>
+                      <a:pPr algn="ctr" latinLnBrk="1"/>
+                      <a:r>
+                        <a:rPr lang="en-US" altLang="ko-KR" dirty="0"/>
+                        <a:t>5305</a:t>
+                      </a:r>
+                      <a:endParaRPr lang="ko-KR" altLang="en-US" dirty="0"/>
+                    </a:p>
+                  </a:txBody>
+                  <a:tcPr/>
+                </a:tc>
+                <a:tc>
+                  <a:txBody>
+                    <a:bodyPr/>
+                    <a:lstStyle/>
+                    <a:p>
+                      <a:pPr algn="ctr" latinLnBrk="1"/>
+                      <a:r>
+                        <a:rPr lang="en-US" altLang="ko-KR" dirty="0"/>
+                        <a:t>…</a:t>
+                      </a:r>
+                      <a:endParaRPr lang="ko-KR" altLang="en-US" dirty="0"/>
+                    </a:p>
+                  </a:txBody>
+                  <a:tcPr/>
+                </a:tc>
+                <a:tc>
+                  <a:txBody>
+                    <a:bodyPr/>
+                    <a:lstStyle/>
+                    <a:p>
+                      <a:pPr algn="ctr" latinLnBrk="1"/>
+                      <a:r>
+                        <a:rPr lang="en-US" altLang="ko-KR" dirty="0"/>
+                        <a:t>9999</a:t>
+                      </a:r>
+                      <a:endParaRPr lang="ko-KR" altLang="en-US" dirty="0"/>
+                    </a:p>
+                  </a:txBody>
+                  <a:tcPr/>
+                </a:tc>
+                <a:extLst>
+                  <a:ext uri="{0D108BD9-81ED-4DB2-BD59-A6C34878D82A}">
+                    <a16:rowId xmlns:a16="http://schemas.microsoft.com/office/drawing/2014/main" val="1918671685"/>
+                  </a:ext>
+                </a:extLst>
+              </a:tr>
+              <a:tr h="370840">
+                <a:tc>
+                  <a:txBody>
+                    <a:bodyPr/>
+                    <a:lstStyle/>
+                    <a:p>
+                      <a:pPr algn="ctr" latinLnBrk="1"/>
+                      <a:endParaRPr lang="ko-KR" altLang="en-US" dirty="0"/>
+                    </a:p>
+                  </a:txBody>
+                  <a:tcPr/>
+                </a:tc>
+                <a:tc>
+                  <a:txBody>
+                    <a:bodyPr/>
+                    <a:lstStyle/>
+                    <a:p>
+                      <a:pPr algn="ctr" latinLnBrk="1"/>
+                      <a:endParaRPr lang="ko-KR" altLang="en-US" dirty="0"/>
+                    </a:p>
+                  </a:txBody>
+                  <a:tcPr/>
+                </a:tc>
+                <a:tc>
+                  <a:txBody>
+                    <a:bodyPr/>
+                    <a:lstStyle/>
+                    <a:p>
+                      <a:pPr algn="ctr" latinLnBrk="1"/>
+                      <a:endParaRPr lang="ko-KR" altLang="en-US" dirty="0"/>
+                    </a:p>
+                  </a:txBody>
+                  <a:tcPr/>
+                </a:tc>
+                <a:tc>
+                  <a:txBody>
+                    <a:bodyPr/>
+                    <a:lstStyle/>
+                    <a:p>
+                      <a:pPr algn="ctr" latinLnBrk="1"/>
+                      <a:endParaRPr lang="ko-KR" altLang="en-US" dirty="0"/>
+                    </a:p>
+                  </a:txBody>
+                  <a:tcPr/>
+                </a:tc>
+                <a:tc>
+                  <a:txBody>
+                    <a:bodyPr/>
+                    <a:lstStyle/>
+                    <a:p>
+                      <a:pPr algn="ctr" latinLnBrk="1"/>
+                      <a:endParaRPr lang="ko-KR" altLang="en-US" dirty="0"/>
+                    </a:p>
+                  </a:txBody>
+                  <a:tcPr/>
+                </a:tc>
+                <a:tc>
+                  <a:txBody>
+                    <a:bodyPr/>
+                    <a:lstStyle/>
+                    <a:p>
+                      <a:pPr algn="ctr" latinLnBrk="1"/>
+                      <a:endParaRPr lang="ko-KR" altLang="en-US"/>
+                    </a:p>
+                  </a:txBody>
+                  <a:tcPr/>
+                </a:tc>
+                <a:tc>
+                  <a:txBody>
+                    <a:bodyPr/>
+                    <a:lstStyle/>
+                    <a:p>
+                      <a:pPr algn="ctr" latinLnBrk="1"/>
+                      <a:endParaRPr lang="ko-KR" altLang="en-US"/>
+                    </a:p>
+                  </a:txBody>
+                  <a:tcPr/>
+                </a:tc>
+                <a:tc>
+                  <a:txBody>
+                    <a:bodyPr/>
+                    <a:lstStyle/>
+                    <a:p>
+                      <a:pPr algn="ctr" latinLnBrk="1"/>
+                      <a:endParaRPr lang="ko-KR" altLang="en-US"/>
+                    </a:p>
+                  </a:txBody>
+                  <a:tcPr/>
+                </a:tc>
+                <a:tc>
+                  <a:txBody>
+                    <a:bodyPr/>
+                    <a:lstStyle/>
+                    <a:p>
+                      <a:pPr algn="ctr" latinLnBrk="1"/>
+                      <a:endParaRPr lang="ko-KR" altLang="en-US"/>
+                    </a:p>
+                  </a:txBody>
+                  <a:tcPr/>
+                </a:tc>
+                <a:tc>
+                  <a:txBody>
+                    <a:bodyPr/>
+                    <a:lstStyle/>
+                    <a:p>
+                      <a:pPr algn="ctr" latinLnBrk="1"/>
+                      <a:endParaRPr lang="ko-KR" altLang="en-US" dirty="0"/>
+                    </a:p>
+                  </a:txBody>
+                  <a:tcPr/>
+                </a:tc>
+                <a:extLst>
+                  <a:ext uri="{0D108BD9-81ED-4DB2-BD59-A6C34878D82A}">
+                    <a16:rowId xmlns:a16="http://schemas.microsoft.com/office/drawing/2014/main" val="765872613"/>
+                  </a:ext>
+                </a:extLst>
+              </a:tr>
+            </a:tbl>
+          </a:graphicData>
+        </a:graphic>
+      </p:graphicFrame>
+      <p:graphicFrame>
+        <p:nvGraphicFramePr>
+          <p:cNvPr id="7" name="표 7">
+            <a:extLst>
+              <a:ext uri="{FF2B5EF4-FFF2-40B4-BE49-F238E27FC236}">
+                <a16:creationId xmlns:a16="http://schemas.microsoft.com/office/drawing/2014/main" id="{FEB823D9-E16C-054F-9A94-1E6D21A1AA72}"/>
+              </a:ext>
+            </a:extLst>
+          </p:cNvPr>
+          <p:cNvGraphicFramePr>
+            <a:graphicFrameLocks noGrp="1"/>
+          </p:cNvGraphicFramePr>
+          <p:nvPr>
+            <p:extLst>
+              <p:ext uri="{D42A27DB-BD31-4B8C-83A1-F6EECF244321}">
+                <p14:modId xmlns:p14="http://schemas.microsoft.com/office/powerpoint/2010/main" val="1275077071"/>
+              </p:ext>
+            </p:extLst>
+          </p:nvPr>
+        </p:nvGraphicFramePr>
+        <p:xfrm>
+          <a:off x="5791199" y="2107429"/>
+          <a:ext cx="794328" cy="1483360"/>
+        </p:xfrm>
+        <a:graphic>
+          <a:graphicData uri="http://schemas.openxmlformats.org/drawingml/2006/table">
+            <a:tbl>
+              <a:tblPr firstRow="1" bandRow="1">
+                <a:tableStyleId>{5C22544A-7EE6-4342-B048-85BDC9FD1C3A}</a:tableStyleId>
+              </a:tblPr>
+              <a:tblGrid>
+                <a:gridCol w="794328">
+                  <a:extLst>
+                    <a:ext uri="{9D8B030D-6E8A-4147-A177-3AD203B41FA5}">
+                      <a16:colId xmlns:a16="http://schemas.microsoft.com/office/drawing/2014/main" val="3816109205"/>
+                    </a:ext>
+                  </a:extLst>
+                </a:gridCol>
+              </a:tblGrid>
+              <a:tr h="370840">
+                <a:tc>
+                  <a:txBody>
+                    <a:bodyPr/>
+                    <a:lstStyle/>
+                    <a:p>
+                      <a:pPr algn="ctr" latinLnBrk="1"/>
+                      <a:r>
+                        <a:rPr lang="en-US" altLang="ko-KR" dirty="0"/>
+                        <a:t>5135</a:t>
+                      </a:r>
+                      <a:endParaRPr lang="ko-KR" altLang="en-US" dirty="0"/>
+                    </a:p>
+                  </a:txBody>
+                  <a:tcPr/>
+                </a:tc>
+                <a:extLst>
+                  <a:ext uri="{0D108BD9-81ED-4DB2-BD59-A6C34878D82A}">
+                    <a16:rowId xmlns:a16="http://schemas.microsoft.com/office/drawing/2014/main" val="771970583"/>
+                  </a:ext>
+                </a:extLst>
+              </a:tr>
+              <a:tr h="370840">
+                <a:tc>
+                  <a:txBody>
+                    <a:bodyPr/>
+                    <a:lstStyle/>
+                    <a:p>
+                      <a:pPr algn="ctr" latinLnBrk="1"/>
+                      <a:endParaRPr lang="ko-KR" altLang="en-US" dirty="0"/>
+                    </a:p>
+                  </a:txBody>
+                  <a:tcPr/>
+                </a:tc>
+                <a:extLst>
+                  <a:ext uri="{0D108BD9-81ED-4DB2-BD59-A6C34878D82A}">
+                    <a16:rowId xmlns:a16="http://schemas.microsoft.com/office/drawing/2014/main" val="2096391956"/>
+                  </a:ext>
+                </a:extLst>
+              </a:tr>
+              <a:tr h="370840">
+                <a:tc>
+                  <a:txBody>
+                    <a:bodyPr/>
+                    <a:lstStyle/>
+                    <a:p>
+                      <a:pPr algn="ctr" latinLnBrk="1"/>
+                      <a:r>
+                        <a:rPr lang="en-US" altLang="ko-KR" dirty="0" err="1"/>
+                        <a:t>kim</a:t>
+                      </a:r>
+                      <a:endParaRPr lang="ko-KR" altLang="en-US" dirty="0"/>
+                    </a:p>
+                  </a:txBody>
+                  <a:tcPr/>
+                </a:tc>
+                <a:extLst>
+                  <a:ext uri="{0D108BD9-81ED-4DB2-BD59-A6C34878D82A}">
+                    <a16:rowId xmlns:a16="http://schemas.microsoft.com/office/drawing/2014/main" val="305180956"/>
+                  </a:ext>
+                </a:extLst>
+              </a:tr>
+              <a:tr h="370840">
+                <a:tc>
+                  <a:txBody>
+                    <a:bodyPr/>
+                    <a:lstStyle/>
+                    <a:p>
+                      <a:pPr algn="ctr" latinLnBrk="1"/>
+                      <a:r>
+                        <a:rPr lang="en-US" altLang="ko-KR" dirty="0"/>
+                        <a:t>kang</a:t>
+                      </a:r>
+                      <a:endParaRPr lang="ko-KR" altLang="en-US" dirty="0"/>
+                    </a:p>
+                  </a:txBody>
+                  <a:tcPr/>
+                </a:tc>
+                <a:extLst>
+                  <a:ext uri="{0D108BD9-81ED-4DB2-BD59-A6C34878D82A}">
+                    <a16:rowId xmlns:a16="http://schemas.microsoft.com/office/drawing/2014/main" val="480294283"/>
+                  </a:ext>
+                </a:extLst>
+              </a:tr>
+            </a:tbl>
+          </a:graphicData>
+        </a:graphic>
+      </p:graphicFrame>
+    </p:spTree>
+    <p:extLst>
+      <p:ext uri="{BB962C8B-B14F-4D97-AF65-F5344CB8AC3E}">
+        <p14:creationId xmlns:p14="http://schemas.microsoft.com/office/powerpoint/2010/main" val="1100893730"/>
+      </p:ext>
+    </p:extLst>
+  </p:cSld>
+  <p:clrMapOvr>
+    <a:masterClrMapping/>
+  </p:clrMapOvr>
+</p:sld>
+</file>
+
+<file path=ppt/slides/slide12.xml><?xml version="1.0" encoding="utf-8"?>
+<p:sld xmlns:a="http://schemas.openxmlformats.org/drawingml/2006/main" xmlns:r="http://schemas.openxmlformats.org/officeDocument/2006/relationships" xmlns:p="http://schemas.openxmlformats.org/presentationml/2006/main">
+  <p:cSld>
+    <p:bg>
+      <p:bgPr>
+        <a:solidFill>
+          <a:schemeClr val="tx2">
+            <a:lumMod val="50000"/>
+          </a:schemeClr>
+        </a:solidFill>
+        <a:effectLst/>
+      </p:bgPr>
+    </p:bg>
+    <p:spTree>
+      <p:nvGrpSpPr>
+        <p:cNvPr id="1" name=""/>
+        <p:cNvGrpSpPr/>
+        <p:nvPr/>
+      </p:nvGrpSpPr>
+      <p:grpSpPr>
+        <a:xfrm>
+          <a:off x="0" y="0"/>
+          <a:ext cx="0" cy="0"/>
+          <a:chOff x="0" y="0"/>
+          <a:chExt cx="0" cy="0"/>
+        </a:xfrm>
+      </p:grpSpPr>
+      <p:sp>
+        <p:nvSpPr>
+          <p:cNvPr id="12" name="TextBox 11">
+            <a:extLst>
+              <a:ext uri="{FF2B5EF4-FFF2-40B4-BE49-F238E27FC236}">
+                <a16:creationId xmlns:a16="http://schemas.microsoft.com/office/drawing/2014/main" id="{135E210C-72BF-4DB2-BAF2-0F829620A28A}"/>
+              </a:ext>
+            </a:extLst>
+          </p:cNvPr>
+          <p:cNvSpPr txBox="1"/>
+          <p:nvPr/>
+        </p:nvSpPr>
+        <p:spPr>
+          <a:xfrm>
+            <a:off x="623482" y="614662"/>
+            <a:ext cx="10656277" cy="2670283"/>
+          </a:xfrm>
+          <a:prstGeom prst="rect">
+            <a:avLst/>
+          </a:prstGeom>
+          <a:noFill/>
+        </p:spPr>
+        <p:txBody>
+          <a:bodyPr wrap="square" rtlCol="0">
+            <a:spAutoFit/>
+          </a:bodyPr>
+          <a:lstStyle/>
+          <a:p>
+            <a:pPr marL="285750" indent="-285750">
+              <a:lnSpc>
+                <a:spcPct val="150000"/>
+              </a:lnSpc>
+              <a:buFont typeface="Arial" panose="020B0604020202020204" pitchFamily="34" charset="0"/>
+              <a:buChar char="•"/>
+            </a:pPr>
+            <a:r>
+              <a:rPr lang="en-US" altLang="ko-KR" sz="2400" dirty="0">
+                <a:solidFill>
+                  <a:schemeClr val="bg1">
+                    <a:lumMod val="95000"/>
+                  </a:schemeClr>
+                </a:solidFill>
+              </a:rPr>
+              <a:t>Chaining</a:t>
+            </a:r>
+            <a:r>
+              <a:rPr lang="ko-KR" altLang="en-US" sz="2400" dirty="0">
+                <a:solidFill>
+                  <a:schemeClr val="bg1">
+                    <a:lumMod val="95000"/>
+                  </a:schemeClr>
+                </a:solidFill>
+              </a:rPr>
+              <a:t>의 장점</a:t>
+            </a:r>
+            <a:endParaRPr lang="en-US" altLang="ko-KR" sz="2400" dirty="0">
+              <a:solidFill>
+                <a:schemeClr val="bg1">
+                  <a:lumMod val="95000"/>
+                </a:schemeClr>
+              </a:solidFill>
+            </a:endParaRPr>
+          </a:p>
+          <a:p>
+            <a:pPr marL="742950" lvl="1" indent="-285750">
+              <a:lnSpc>
+                <a:spcPct val="150000"/>
+              </a:lnSpc>
+              <a:buFont typeface="Arial" panose="020B0604020202020204" pitchFamily="34" charset="0"/>
+              <a:buChar char="•"/>
+            </a:pPr>
+            <a:r>
+              <a:rPr lang="ko-KR" altLang="en-US" dirty="0">
+                <a:solidFill>
+                  <a:schemeClr val="bg1">
+                    <a:lumMod val="95000"/>
+                  </a:schemeClr>
+                </a:solidFill>
+              </a:rPr>
+              <a:t>최악의 상황을 가정해 보겠습니다</a:t>
+            </a:r>
+            <a:r>
+              <a:rPr lang="en-US" altLang="ko-KR" dirty="0">
+                <a:solidFill>
+                  <a:schemeClr val="bg1">
+                    <a:lumMod val="95000"/>
+                  </a:schemeClr>
+                </a:solidFill>
+              </a:rPr>
+              <a:t>. </a:t>
+            </a:r>
+            <a:r>
+              <a:rPr lang="ko-KR" altLang="en-US" dirty="0">
+                <a:solidFill>
+                  <a:schemeClr val="bg1">
+                    <a:lumMod val="95000"/>
+                  </a:schemeClr>
+                </a:solidFill>
+              </a:rPr>
+              <a:t>모든 데이터가 충돌이 일어났을 경우 </a:t>
+            </a:r>
+            <a:r>
+              <a:rPr lang="en-US" altLang="ko-KR" dirty="0">
+                <a:solidFill>
+                  <a:schemeClr val="bg1">
+                    <a:lumMod val="95000"/>
+                  </a:schemeClr>
+                </a:solidFill>
+              </a:rPr>
+              <a:t>O(n)</a:t>
+            </a:r>
+            <a:r>
+              <a:rPr lang="ko-KR" altLang="en-US" dirty="0">
+                <a:solidFill>
+                  <a:schemeClr val="bg1">
+                    <a:lumMod val="95000"/>
+                  </a:schemeClr>
+                </a:solidFill>
+              </a:rPr>
+              <a:t>의 </a:t>
+            </a:r>
+            <a:r>
+              <a:rPr lang="ko-KR" altLang="en-US" dirty="0" err="1">
+                <a:solidFill>
+                  <a:schemeClr val="bg1">
+                    <a:lumMod val="95000"/>
+                  </a:schemeClr>
+                </a:solidFill>
+              </a:rPr>
+              <a:t>시간복잡도가</a:t>
+            </a:r>
+            <a:r>
+              <a:rPr lang="ko-KR" altLang="en-US" dirty="0">
+                <a:solidFill>
+                  <a:schemeClr val="bg1">
+                    <a:lumMod val="95000"/>
+                  </a:schemeClr>
+                </a:solidFill>
+              </a:rPr>
+              <a:t> 되며</a:t>
+            </a:r>
+            <a:r>
+              <a:rPr lang="en-US" altLang="ko-KR" dirty="0">
+                <a:solidFill>
+                  <a:schemeClr val="bg1">
+                    <a:lumMod val="95000"/>
+                  </a:schemeClr>
+                </a:solidFill>
+              </a:rPr>
+              <a:t>, </a:t>
+            </a:r>
+            <a:r>
+              <a:rPr lang="ko-KR" altLang="en-US" dirty="0">
+                <a:solidFill>
+                  <a:schemeClr val="bg1">
+                    <a:lumMod val="95000"/>
+                  </a:schemeClr>
+                </a:solidFill>
+              </a:rPr>
+              <a:t>이상적인 상황에서는 </a:t>
+            </a:r>
+            <a:r>
+              <a:rPr lang="en-US" altLang="ko-KR" dirty="0">
+                <a:solidFill>
+                  <a:schemeClr val="bg1">
+                    <a:lumMod val="95000"/>
+                  </a:schemeClr>
+                </a:solidFill>
+              </a:rPr>
+              <a:t>O(1)</a:t>
+            </a:r>
+            <a:r>
+              <a:rPr lang="ko-KR" altLang="en-US" dirty="0">
+                <a:solidFill>
+                  <a:schemeClr val="bg1">
+                    <a:lumMod val="95000"/>
+                  </a:schemeClr>
+                </a:solidFill>
+              </a:rPr>
+              <a:t>이 됩니다</a:t>
+            </a:r>
+            <a:r>
+              <a:rPr lang="en-US" altLang="ko-KR" dirty="0">
+                <a:solidFill>
+                  <a:schemeClr val="bg1">
+                    <a:lumMod val="95000"/>
+                  </a:schemeClr>
+                </a:solidFill>
+              </a:rPr>
+              <a:t>. </a:t>
+            </a:r>
+            <a:r>
+              <a:rPr lang="ko-KR" altLang="en-US" dirty="0">
+                <a:solidFill>
+                  <a:schemeClr val="bg1">
+                    <a:lumMod val="95000"/>
+                  </a:schemeClr>
+                </a:solidFill>
+              </a:rPr>
+              <a:t>그렇기 때문에 해시에서는 각 키의 해시 값이 최대한 균등하게 퍼져야 성능이 좋아지고</a:t>
+            </a:r>
+            <a:r>
+              <a:rPr lang="en-US" altLang="ko-KR" dirty="0">
+                <a:solidFill>
+                  <a:schemeClr val="bg1">
+                    <a:lumMod val="95000"/>
+                  </a:schemeClr>
+                </a:solidFill>
+              </a:rPr>
+              <a:t>, </a:t>
+            </a:r>
+            <a:r>
+              <a:rPr lang="ko-KR" altLang="en-US" dirty="0">
+                <a:solidFill>
+                  <a:schemeClr val="bg1">
+                    <a:lumMod val="95000"/>
+                  </a:schemeClr>
+                </a:solidFill>
+              </a:rPr>
+              <a:t>그러기 위해서는 주어진 데이터에 대한 좋은 해시 함수를 정해야 합니다</a:t>
+            </a:r>
+            <a:r>
+              <a:rPr lang="en-US" altLang="ko-KR" dirty="0">
+                <a:solidFill>
+                  <a:schemeClr val="bg1">
+                    <a:lumMod val="95000"/>
+                  </a:schemeClr>
+                </a:solidFill>
+              </a:rPr>
+              <a:t>.</a:t>
+            </a:r>
+          </a:p>
+          <a:p>
+            <a:pPr lvl="1">
+              <a:lnSpc>
+                <a:spcPct val="150000"/>
+              </a:lnSpc>
+            </a:pPr>
+            <a:endParaRPr lang="en-US" altLang="ko-KR" dirty="0">
+              <a:solidFill>
+                <a:schemeClr val="bg1">
+                  <a:lumMod val="95000"/>
+                </a:schemeClr>
+              </a:solidFill>
+            </a:endParaRPr>
+          </a:p>
+        </p:txBody>
+      </p:sp>
+    </p:spTree>
+    <p:extLst>
+      <p:ext uri="{BB962C8B-B14F-4D97-AF65-F5344CB8AC3E}">
+        <p14:creationId xmlns:p14="http://schemas.microsoft.com/office/powerpoint/2010/main" val="3489957623"/>
+      </p:ext>
+    </p:extLst>
+  </p:cSld>
+  <p:clrMapOvr>
+    <a:masterClrMapping/>
+  </p:clrMapOvr>
+</p:sld>
+</file>
+
+<file path=ppt/slides/slide13.xml><?xml version="1.0" encoding="utf-8"?>
+<p:sld xmlns:a="http://schemas.openxmlformats.org/drawingml/2006/main" xmlns:r="http://schemas.openxmlformats.org/officeDocument/2006/relationships" xmlns:p="http://schemas.openxmlformats.org/presentationml/2006/main">
+  <p:cSld>
+    <p:bg>
+      <p:bgPr>
+        <a:solidFill>
+          <a:schemeClr val="tx2">
+            <a:lumMod val="50000"/>
+          </a:schemeClr>
+        </a:solidFill>
+        <a:effectLst/>
+      </p:bgPr>
+    </p:bg>
+    <p:spTree>
+      <p:nvGrpSpPr>
+        <p:cNvPr id="1" name=""/>
+        <p:cNvGrpSpPr/>
+        <p:nvPr/>
+      </p:nvGrpSpPr>
+      <p:grpSpPr>
+        <a:xfrm>
+          <a:off x="0" y="0"/>
+          <a:ext cx="0" cy="0"/>
+          <a:chOff x="0" y="0"/>
+          <a:chExt cx="0" cy="0"/>
+        </a:xfrm>
+      </p:grpSpPr>
+      <p:sp>
+        <p:nvSpPr>
+          <p:cNvPr id="12" name="TextBox 11">
+            <a:extLst>
+              <a:ext uri="{FF2B5EF4-FFF2-40B4-BE49-F238E27FC236}">
+                <a16:creationId xmlns:a16="http://schemas.microsoft.com/office/drawing/2014/main" id="{135E210C-72BF-4DB2-BAF2-0F829620A28A}"/>
+              </a:ext>
+            </a:extLst>
+          </p:cNvPr>
+          <p:cNvSpPr txBox="1"/>
+          <p:nvPr/>
+        </p:nvSpPr>
+        <p:spPr>
+          <a:xfrm>
+            <a:off x="623482" y="513064"/>
+            <a:ext cx="10656277" cy="1839286"/>
+          </a:xfrm>
+          <a:prstGeom prst="rect">
+            <a:avLst/>
+          </a:prstGeom>
+          <a:noFill/>
+        </p:spPr>
+        <p:txBody>
+          <a:bodyPr wrap="square" rtlCol="0">
+            <a:spAutoFit/>
+          </a:bodyPr>
+          <a:lstStyle/>
+          <a:p>
+            <a:pPr marL="285750" indent="-285750">
+              <a:lnSpc>
+                <a:spcPct val="150000"/>
+              </a:lnSpc>
+              <a:buFont typeface="Arial" panose="020B0604020202020204" pitchFamily="34" charset="0"/>
+              <a:buChar char="•"/>
+            </a:pPr>
+            <a:r>
+              <a:rPr lang="en-US" altLang="ko-KR" sz="2400" dirty="0">
+                <a:solidFill>
+                  <a:schemeClr val="bg1">
+                    <a:lumMod val="95000"/>
+                  </a:schemeClr>
+                </a:solidFill>
+              </a:rPr>
+              <a:t>Open Addressing</a:t>
+            </a:r>
+          </a:p>
+          <a:p>
+            <a:pPr marL="742950" lvl="1" indent="-285750">
+              <a:lnSpc>
+                <a:spcPct val="150000"/>
+              </a:lnSpc>
+              <a:buFont typeface="Arial" panose="020B0604020202020204" pitchFamily="34" charset="0"/>
+              <a:buChar char="•"/>
+            </a:pPr>
+            <a:r>
+              <a:rPr lang="ko-KR" altLang="en-US" dirty="0">
+                <a:solidFill>
+                  <a:schemeClr val="bg1">
+                    <a:lumMod val="95000"/>
+                  </a:schemeClr>
+                </a:solidFill>
+              </a:rPr>
+              <a:t>두 번째 회피 방법은 </a:t>
+            </a:r>
+            <a:r>
+              <a:rPr lang="en-US" altLang="ko-KR" dirty="0">
+                <a:solidFill>
+                  <a:schemeClr val="bg1">
+                    <a:lumMod val="95000"/>
+                  </a:schemeClr>
+                </a:solidFill>
+              </a:rPr>
+              <a:t>Open Addressing</a:t>
+            </a:r>
+            <a:r>
+              <a:rPr lang="ko-KR" altLang="en-US" dirty="0">
+                <a:solidFill>
+                  <a:schemeClr val="bg1">
+                    <a:lumMod val="95000"/>
+                  </a:schemeClr>
+                </a:solidFill>
+              </a:rPr>
+              <a:t>입니다</a:t>
+            </a:r>
+            <a:r>
+              <a:rPr lang="en-US" altLang="ko-KR" dirty="0">
+                <a:solidFill>
+                  <a:schemeClr val="bg1">
+                    <a:lumMod val="95000"/>
+                  </a:schemeClr>
+                </a:solidFill>
+              </a:rPr>
+              <a:t>. Chaining</a:t>
+            </a:r>
+            <a:r>
+              <a:rPr lang="ko-KR" altLang="en-US" dirty="0">
+                <a:solidFill>
+                  <a:schemeClr val="bg1">
+                    <a:lumMod val="95000"/>
+                  </a:schemeClr>
+                </a:solidFill>
+              </a:rPr>
+              <a:t>과 다르게 </a:t>
+            </a:r>
+            <a:r>
+              <a:rPr lang="en-US" altLang="ko-KR" dirty="0">
+                <a:solidFill>
+                  <a:schemeClr val="bg1">
+                    <a:lumMod val="95000"/>
+                  </a:schemeClr>
+                </a:solidFill>
+              </a:rPr>
+              <a:t>Open Addressing</a:t>
+            </a:r>
+            <a:r>
+              <a:rPr lang="ko-KR" altLang="en-US" dirty="0">
+                <a:solidFill>
+                  <a:schemeClr val="bg1">
+                    <a:lumMod val="95000"/>
+                  </a:schemeClr>
+                </a:solidFill>
+              </a:rPr>
+              <a:t>은 그냥 인덱스에 바로 </a:t>
+            </a:r>
+            <a:r>
+              <a:rPr lang="en-US" altLang="ko-KR" dirty="0">
+                <a:solidFill>
+                  <a:schemeClr val="bg1">
+                    <a:lumMod val="95000"/>
+                  </a:schemeClr>
+                </a:solidFill>
+              </a:rPr>
+              <a:t>(</a:t>
+            </a:r>
+            <a:r>
+              <a:rPr lang="ko-KR" altLang="en-US" dirty="0">
+                <a:solidFill>
+                  <a:schemeClr val="bg1">
+                    <a:lumMod val="95000"/>
+                  </a:schemeClr>
+                </a:solidFill>
+              </a:rPr>
+              <a:t>키</a:t>
+            </a:r>
+            <a:r>
+              <a:rPr lang="en-US" altLang="ko-KR" dirty="0">
+                <a:solidFill>
+                  <a:schemeClr val="bg1">
+                    <a:lumMod val="95000"/>
+                  </a:schemeClr>
+                </a:solidFill>
+              </a:rPr>
+              <a:t>, </a:t>
+            </a:r>
+            <a:r>
+              <a:rPr lang="ko-KR" altLang="en-US" dirty="0">
+                <a:solidFill>
+                  <a:schemeClr val="bg1">
+                    <a:lumMod val="95000"/>
+                  </a:schemeClr>
+                </a:solidFill>
+              </a:rPr>
+              <a:t>값</a:t>
+            </a:r>
+            <a:r>
+              <a:rPr lang="en-US" altLang="ko-KR" dirty="0">
+                <a:solidFill>
+                  <a:schemeClr val="bg1">
+                    <a:lumMod val="95000"/>
+                  </a:schemeClr>
+                </a:solidFill>
+              </a:rPr>
+              <a:t>) </a:t>
+            </a:r>
+            <a:r>
+              <a:rPr lang="ko-KR" altLang="en-US" dirty="0">
+                <a:solidFill>
+                  <a:schemeClr val="bg1">
+                    <a:lumMod val="95000"/>
+                  </a:schemeClr>
+                </a:solidFill>
+              </a:rPr>
+              <a:t>쌍을 넣습니다</a:t>
+            </a:r>
+            <a:r>
+              <a:rPr lang="en-US" altLang="ko-KR" dirty="0">
+                <a:solidFill>
+                  <a:schemeClr val="bg1">
+                    <a:lumMod val="95000"/>
+                  </a:schemeClr>
+                </a:solidFill>
+              </a:rPr>
+              <a:t>.</a:t>
+            </a:r>
+          </a:p>
+          <a:p>
+            <a:pPr lvl="1">
+              <a:lnSpc>
+                <a:spcPct val="150000"/>
+              </a:lnSpc>
+            </a:pPr>
+            <a:endParaRPr lang="en-US" altLang="ko-KR" dirty="0">
+              <a:solidFill>
+                <a:schemeClr val="bg1">
+                  <a:lumMod val="95000"/>
+                </a:schemeClr>
+              </a:solidFill>
+            </a:endParaRPr>
+          </a:p>
+        </p:txBody>
+      </p:sp>
+      <p:graphicFrame>
+        <p:nvGraphicFramePr>
+          <p:cNvPr id="3" name="표 5">
+            <a:extLst>
+              <a:ext uri="{FF2B5EF4-FFF2-40B4-BE49-F238E27FC236}">
+                <a16:creationId xmlns:a16="http://schemas.microsoft.com/office/drawing/2014/main" id="{8AFB9A03-E15A-860F-7338-8042C9BE7C17}"/>
+              </a:ext>
+            </a:extLst>
+          </p:cNvPr>
+          <p:cNvGraphicFramePr>
+            <a:graphicFrameLocks noGrp="1"/>
+          </p:cNvGraphicFramePr>
+          <p:nvPr>
+            <p:extLst>
+              <p:ext uri="{D42A27DB-BD31-4B8C-83A1-F6EECF244321}">
+                <p14:modId xmlns:p14="http://schemas.microsoft.com/office/powerpoint/2010/main" val="2839612977"/>
+              </p:ext>
+            </p:extLst>
+          </p:nvPr>
+        </p:nvGraphicFramePr>
+        <p:xfrm>
+          <a:off x="1736435" y="2352350"/>
+          <a:ext cx="8128000" cy="1833880"/>
+        </p:xfrm>
+        <a:graphic>
+          <a:graphicData uri="http://schemas.openxmlformats.org/drawingml/2006/table">
+            <a:tbl>
+              <a:tblPr firstRow="1" bandRow="1">
+                <a:tableStyleId>{5C22544A-7EE6-4342-B048-85BDC9FD1C3A}</a:tableStyleId>
+              </a:tblPr>
+              <a:tblGrid>
+                <a:gridCol w="812800">
+                  <a:extLst>
+                    <a:ext uri="{9D8B030D-6E8A-4147-A177-3AD203B41FA5}">
+                      <a16:colId xmlns:a16="http://schemas.microsoft.com/office/drawing/2014/main" val="2598344309"/>
+                    </a:ext>
+                  </a:extLst>
+                </a:gridCol>
+                <a:gridCol w="812800">
+                  <a:extLst>
+                    <a:ext uri="{9D8B030D-6E8A-4147-A177-3AD203B41FA5}">
+                      <a16:colId xmlns:a16="http://schemas.microsoft.com/office/drawing/2014/main" val="605485509"/>
+                    </a:ext>
+                  </a:extLst>
+                </a:gridCol>
+                <a:gridCol w="812800">
+                  <a:extLst>
+                    <a:ext uri="{9D8B030D-6E8A-4147-A177-3AD203B41FA5}">
+                      <a16:colId xmlns:a16="http://schemas.microsoft.com/office/drawing/2014/main" val="2722362735"/>
+                    </a:ext>
+                  </a:extLst>
+                </a:gridCol>
+                <a:gridCol w="812800">
+                  <a:extLst>
+                    <a:ext uri="{9D8B030D-6E8A-4147-A177-3AD203B41FA5}">
+                      <a16:colId xmlns:a16="http://schemas.microsoft.com/office/drawing/2014/main" val="83831864"/>
+                    </a:ext>
+                  </a:extLst>
+                </a:gridCol>
+                <a:gridCol w="812800">
+                  <a:extLst>
+                    <a:ext uri="{9D8B030D-6E8A-4147-A177-3AD203B41FA5}">
+                      <a16:colId xmlns:a16="http://schemas.microsoft.com/office/drawing/2014/main" val="2270492597"/>
+                    </a:ext>
+                  </a:extLst>
+                </a:gridCol>
+                <a:gridCol w="812800">
+                  <a:extLst>
+                    <a:ext uri="{9D8B030D-6E8A-4147-A177-3AD203B41FA5}">
+                      <a16:colId xmlns:a16="http://schemas.microsoft.com/office/drawing/2014/main" val="2835377339"/>
+                    </a:ext>
+                  </a:extLst>
+                </a:gridCol>
+                <a:gridCol w="812800">
+                  <a:extLst>
+                    <a:ext uri="{9D8B030D-6E8A-4147-A177-3AD203B41FA5}">
+                      <a16:colId xmlns:a16="http://schemas.microsoft.com/office/drawing/2014/main" val="3339377687"/>
+                    </a:ext>
+                  </a:extLst>
+                </a:gridCol>
+                <a:gridCol w="812800">
+                  <a:extLst>
+                    <a:ext uri="{9D8B030D-6E8A-4147-A177-3AD203B41FA5}">
+                      <a16:colId xmlns:a16="http://schemas.microsoft.com/office/drawing/2014/main" val="1522430985"/>
+                    </a:ext>
+                  </a:extLst>
+                </a:gridCol>
+                <a:gridCol w="812800">
+                  <a:extLst>
+                    <a:ext uri="{9D8B030D-6E8A-4147-A177-3AD203B41FA5}">
+                      <a16:colId xmlns:a16="http://schemas.microsoft.com/office/drawing/2014/main" val="768155208"/>
+                    </a:ext>
+                  </a:extLst>
+                </a:gridCol>
+                <a:gridCol w="812800">
+                  <a:extLst>
+                    <a:ext uri="{9D8B030D-6E8A-4147-A177-3AD203B41FA5}">
+                      <a16:colId xmlns:a16="http://schemas.microsoft.com/office/drawing/2014/main" val="3345680187"/>
+                    </a:ext>
+                  </a:extLst>
+                </a:gridCol>
+              </a:tblGrid>
+              <a:tr h="370840">
+                <a:tc>
+                  <a:txBody>
+                    <a:bodyPr/>
+                    <a:lstStyle/>
+                    <a:p>
+                      <a:pPr algn="ctr" latinLnBrk="1"/>
+                      <a:r>
+                        <a:rPr lang="en-US" altLang="ko-KR" dirty="0"/>
+                        <a:t>0000</a:t>
+                      </a:r>
+                      <a:endParaRPr lang="ko-KR" altLang="en-US" dirty="0"/>
+                    </a:p>
+                  </a:txBody>
+                  <a:tcPr/>
+                </a:tc>
+                <a:tc>
+                  <a:txBody>
+                    <a:bodyPr/>
+                    <a:lstStyle/>
+                    <a:p>
+                      <a:pPr algn="ctr" latinLnBrk="1"/>
+                      <a:r>
+                        <a:rPr lang="en-US" altLang="ko-KR" dirty="0"/>
+                        <a:t>0001</a:t>
+                      </a:r>
+                      <a:endParaRPr lang="ko-KR" altLang="en-US" dirty="0"/>
+                    </a:p>
+                  </a:txBody>
+                  <a:tcPr/>
+                </a:tc>
+                <a:tc>
+                  <a:txBody>
+                    <a:bodyPr/>
+                    <a:lstStyle/>
+                    <a:p>
+                      <a:pPr algn="ctr" latinLnBrk="1"/>
+                      <a:r>
+                        <a:rPr lang="en-US" altLang="ko-KR" dirty="0"/>
+                        <a:t>…</a:t>
+                      </a:r>
+                      <a:endParaRPr lang="ko-KR" altLang="en-US" dirty="0"/>
+                    </a:p>
+                  </a:txBody>
+                  <a:tcPr/>
+                </a:tc>
+                <a:tc>
+                  <a:txBody>
+                    <a:bodyPr/>
+                    <a:lstStyle/>
+                    <a:p>
+                      <a:pPr algn="ctr" latinLnBrk="1"/>
+                      <a:r>
+                        <a:rPr lang="en-US" altLang="ko-KR" dirty="0"/>
+                        <a:t>3333</a:t>
+                      </a:r>
+                      <a:endParaRPr lang="ko-KR" altLang="en-US" dirty="0"/>
+                    </a:p>
+                  </a:txBody>
+                  <a:tcPr/>
+                </a:tc>
+                <a:tc>
+                  <a:txBody>
+                    <a:bodyPr/>
+                    <a:lstStyle/>
+                    <a:p>
+                      <a:pPr algn="ctr" latinLnBrk="1"/>
+                      <a:r>
+                        <a:rPr lang="en-US" altLang="ko-KR" dirty="0"/>
+                        <a:t>3334</a:t>
+                      </a:r>
+                      <a:endParaRPr lang="ko-KR" altLang="en-US" dirty="0"/>
+                    </a:p>
+                  </a:txBody>
+                  <a:tcPr/>
+                </a:tc>
+                <a:tc>
+                  <a:txBody>
+                    <a:bodyPr/>
+                    <a:lstStyle/>
+                    <a:p>
+                      <a:pPr algn="ctr" latinLnBrk="1"/>
+                      <a:r>
+                        <a:rPr lang="en-US" altLang="ko-KR" dirty="0"/>
+                        <a:t>3335</a:t>
+                      </a:r>
+                      <a:endParaRPr lang="ko-KR" altLang="en-US" dirty="0"/>
+                    </a:p>
+                  </a:txBody>
+                  <a:tcPr/>
+                </a:tc>
+                <a:tc>
+                  <a:txBody>
+                    <a:bodyPr/>
+                    <a:lstStyle/>
+                    <a:p>
+                      <a:pPr algn="ctr" latinLnBrk="1"/>
+                      <a:r>
+                        <a:rPr lang="en-US" altLang="ko-KR" dirty="0"/>
+                        <a:t>3336</a:t>
+                      </a:r>
+                      <a:endParaRPr lang="ko-KR" altLang="en-US" dirty="0"/>
+                    </a:p>
+                  </a:txBody>
+                  <a:tcPr/>
+                </a:tc>
+                <a:tc>
+                  <a:txBody>
+                    <a:bodyPr/>
+                    <a:lstStyle/>
+                    <a:p>
+                      <a:pPr algn="ctr" latinLnBrk="1"/>
+                      <a:r>
+                        <a:rPr lang="en-US" altLang="ko-KR" dirty="0"/>
+                        <a:t>3337</a:t>
+                      </a:r>
+                      <a:endParaRPr lang="ko-KR" altLang="en-US" dirty="0"/>
+                    </a:p>
+                  </a:txBody>
+                  <a:tcPr/>
+                </a:tc>
+                <a:tc>
+                  <a:txBody>
+                    <a:bodyPr/>
+                    <a:lstStyle/>
+                    <a:p>
+                      <a:pPr algn="ctr" latinLnBrk="1"/>
+                      <a:r>
+                        <a:rPr lang="en-US" altLang="ko-KR" dirty="0"/>
+                        <a:t>…</a:t>
+                      </a:r>
+                      <a:endParaRPr lang="ko-KR" altLang="en-US" dirty="0"/>
+                    </a:p>
+                  </a:txBody>
+                  <a:tcPr/>
+                </a:tc>
+                <a:tc>
+                  <a:txBody>
+                    <a:bodyPr/>
+                    <a:lstStyle/>
+                    <a:p>
+                      <a:pPr algn="ctr" latinLnBrk="1"/>
+                      <a:r>
+                        <a:rPr lang="en-US" altLang="ko-KR" dirty="0"/>
+                        <a:t>9999</a:t>
+                      </a:r>
+                      <a:endParaRPr lang="ko-KR" altLang="en-US" dirty="0"/>
+                    </a:p>
+                  </a:txBody>
+                  <a:tcPr/>
+                </a:tc>
+                <a:extLst>
+                  <a:ext uri="{0D108BD9-81ED-4DB2-BD59-A6C34878D82A}">
+                    <a16:rowId xmlns:a16="http://schemas.microsoft.com/office/drawing/2014/main" val="1918671685"/>
+                  </a:ext>
+                </a:extLst>
+              </a:tr>
+              <a:tr h="370840">
+                <a:tc>
+                  <a:txBody>
+                    <a:bodyPr/>
+                    <a:lstStyle/>
+                    <a:p>
+                      <a:pPr algn="ctr" latinLnBrk="1"/>
+                      <a:endParaRPr lang="ko-KR" altLang="en-US"/>
+                    </a:p>
+                  </a:txBody>
+                  <a:tcPr/>
+                </a:tc>
+                <a:tc>
+                  <a:txBody>
+                    <a:bodyPr/>
+                    <a:lstStyle/>
+                    <a:p>
+                      <a:pPr algn="ctr" latinLnBrk="1"/>
+                      <a:endParaRPr lang="ko-KR" altLang="en-US"/>
+                    </a:p>
+                  </a:txBody>
+                  <a:tcPr/>
+                </a:tc>
+                <a:tc>
+                  <a:txBody>
+                    <a:bodyPr/>
+                    <a:lstStyle/>
+                    <a:p>
+                      <a:pPr algn="ctr" latinLnBrk="1"/>
+                      <a:endParaRPr lang="ko-KR" altLang="en-US"/>
+                    </a:p>
+                  </a:txBody>
+                  <a:tcPr/>
+                </a:tc>
+                <a:tc>
+                  <a:txBody>
+                    <a:bodyPr/>
+                    <a:lstStyle/>
+                    <a:p>
+                      <a:pPr algn="ctr" latinLnBrk="1"/>
+                      <a:r>
+                        <a:rPr lang="en-US" altLang="ko-KR" dirty="0"/>
+                        <a:t>000 000 000 3333 Kim</a:t>
+                      </a:r>
+                      <a:endParaRPr lang="ko-KR" altLang="en-US" dirty="0"/>
+                    </a:p>
+                  </a:txBody>
+                  <a:tcPr/>
+                </a:tc>
+                <a:tc>
+                  <a:txBody>
+                    <a:bodyPr/>
+                    <a:lstStyle/>
+                    <a:p>
+                      <a:pPr algn="ctr" latinLnBrk="1"/>
+                      <a:endParaRPr lang="ko-KR" altLang="en-US"/>
+                    </a:p>
+                  </a:txBody>
+                  <a:tcPr/>
+                </a:tc>
+                <a:tc>
+                  <a:txBody>
+                    <a:bodyPr/>
+                    <a:lstStyle/>
+                    <a:p>
+                      <a:pPr algn="ctr" latinLnBrk="1"/>
+                      <a:endParaRPr lang="ko-KR" altLang="en-US"/>
+                    </a:p>
+                  </a:txBody>
+                  <a:tcPr/>
+                </a:tc>
+                <a:tc>
+                  <a:txBody>
+                    <a:bodyPr/>
+                    <a:lstStyle/>
+                    <a:p>
+                      <a:pPr algn="ctr" latinLnBrk="1"/>
+                      <a:endParaRPr lang="ko-KR" altLang="en-US"/>
+                    </a:p>
+                  </a:txBody>
+                  <a:tcPr/>
+                </a:tc>
+                <a:tc>
+                  <a:txBody>
+                    <a:bodyPr/>
+                    <a:lstStyle/>
+                    <a:p>
+                      <a:pPr algn="ctr" latinLnBrk="1"/>
+                      <a:endParaRPr lang="ko-KR" altLang="en-US"/>
+                    </a:p>
+                  </a:txBody>
+                  <a:tcPr/>
+                </a:tc>
+                <a:tc>
+                  <a:txBody>
+                    <a:bodyPr/>
+                    <a:lstStyle/>
+                    <a:p>
+                      <a:pPr algn="ctr" latinLnBrk="1"/>
+                      <a:endParaRPr lang="ko-KR" altLang="en-US"/>
+                    </a:p>
+                  </a:txBody>
+                  <a:tcPr/>
+                </a:tc>
+                <a:tc>
+                  <a:txBody>
+                    <a:bodyPr/>
+                    <a:lstStyle/>
+                    <a:p>
+                      <a:pPr algn="ctr" latinLnBrk="1"/>
+                      <a:endParaRPr lang="ko-KR" altLang="en-US" dirty="0"/>
+                    </a:p>
+                  </a:txBody>
+                  <a:tcPr/>
+                </a:tc>
+                <a:extLst>
+                  <a:ext uri="{0D108BD9-81ED-4DB2-BD59-A6C34878D82A}">
+                    <a16:rowId xmlns:a16="http://schemas.microsoft.com/office/drawing/2014/main" val="765872613"/>
+                  </a:ext>
+                </a:extLst>
+              </a:tr>
+            </a:tbl>
+          </a:graphicData>
+        </a:graphic>
+      </p:graphicFrame>
+      <p:sp>
+        <p:nvSpPr>
+          <p:cNvPr id="4" name="TextBox 3">
+            <a:extLst>
+              <a:ext uri="{FF2B5EF4-FFF2-40B4-BE49-F238E27FC236}">
+                <a16:creationId xmlns:a16="http://schemas.microsoft.com/office/drawing/2014/main" id="{12134F02-23BC-E363-5DAD-F1B26739269D}"/>
+              </a:ext>
+            </a:extLst>
+          </p:cNvPr>
+          <p:cNvSpPr txBox="1"/>
+          <p:nvPr/>
+        </p:nvSpPr>
+        <p:spPr>
+          <a:xfrm>
+            <a:off x="623482" y="4302455"/>
+            <a:ext cx="11005100" cy="454292"/>
+          </a:xfrm>
+          <a:prstGeom prst="rect">
+            <a:avLst/>
+          </a:prstGeom>
+          <a:noFill/>
+        </p:spPr>
+        <p:txBody>
+          <a:bodyPr wrap="square" rtlCol="0">
+            <a:spAutoFit/>
+          </a:bodyPr>
+          <a:lstStyle/>
+          <a:p>
+            <a:pPr marL="742950" lvl="1" indent="-285750">
+              <a:lnSpc>
+                <a:spcPct val="150000"/>
+              </a:lnSpc>
+              <a:buFont typeface="Arial" panose="020B0604020202020204" pitchFamily="34" charset="0"/>
+              <a:buChar char="•"/>
+            </a:pPr>
+            <a:r>
+              <a:rPr lang="ko-KR" altLang="en-US" dirty="0">
+                <a:solidFill>
+                  <a:schemeClr val="bg1">
+                    <a:lumMod val="95000"/>
+                  </a:schemeClr>
+                </a:solidFill>
+              </a:rPr>
+              <a:t>다음에 </a:t>
+            </a:r>
+            <a:r>
+              <a:rPr lang="en-US" altLang="ko-KR" dirty="0">
+                <a:solidFill>
+                  <a:schemeClr val="bg1">
+                    <a:lumMod val="95000"/>
+                  </a:schemeClr>
+                </a:solidFill>
+              </a:rPr>
+              <a:t>1234 1234 1234 3333, kang</a:t>
+            </a:r>
+            <a:r>
+              <a:rPr lang="ko-KR" altLang="en-US" dirty="0">
+                <a:solidFill>
+                  <a:schemeClr val="bg1">
+                    <a:lumMod val="95000"/>
+                  </a:schemeClr>
+                </a:solidFill>
+              </a:rPr>
+              <a:t>을 삽입해야 할 때</a:t>
+            </a:r>
+            <a:r>
+              <a:rPr lang="en-US" altLang="ko-KR" dirty="0">
+                <a:solidFill>
+                  <a:schemeClr val="bg1">
+                    <a:lumMod val="95000"/>
+                  </a:schemeClr>
+                </a:solidFill>
+              </a:rPr>
+              <a:t>, </a:t>
+            </a:r>
+            <a:r>
+              <a:rPr lang="ko-KR" altLang="en-US" dirty="0">
+                <a:solidFill>
+                  <a:schemeClr val="bg1">
+                    <a:lumMod val="95000"/>
+                  </a:schemeClr>
+                </a:solidFill>
+              </a:rPr>
+              <a:t>인덱스가 겹침으로 그 다음 칸에 넣습니다</a:t>
+            </a:r>
+            <a:r>
+              <a:rPr lang="en-US" altLang="ko-KR" dirty="0">
+                <a:solidFill>
+                  <a:schemeClr val="bg1">
+                    <a:lumMod val="95000"/>
+                  </a:schemeClr>
+                </a:solidFill>
+              </a:rPr>
+              <a:t>.</a:t>
+            </a:r>
+          </a:p>
+        </p:txBody>
+      </p:sp>
+      <p:graphicFrame>
+        <p:nvGraphicFramePr>
+          <p:cNvPr id="5" name="표 5">
+            <a:extLst>
+              <a:ext uri="{FF2B5EF4-FFF2-40B4-BE49-F238E27FC236}">
+                <a16:creationId xmlns:a16="http://schemas.microsoft.com/office/drawing/2014/main" id="{3BBB7B66-1DC8-F5A4-826A-07130A70E383}"/>
+              </a:ext>
+            </a:extLst>
+          </p:cNvPr>
+          <p:cNvGraphicFramePr>
+            <a:graphicFrameLocks noGrp="1"/>
+          </p:cNvGraphicFramePr>
+          <p:nvPr>
+            <p:extLst>
+              <p:ext uri="{D42A27DB-BD31-4B8C-83A1-F6EECF244321}">
+                <p14:modId xmlns:p14="http://schemas.microsoft.com/office/powerpoint/2010/main" val="158842877"/>
+              </p:ext>
+            </p:extLst>
+          </p:nvPr>
+        </p:nvGraphicFramePr>
+        <p:xfrm>
+          <a:off x="1736435" y="4870509"/>
+          <a:ext cx="8128000" cy="1833880"/>
+        </p:xfrm>
+        <a:graphic>
+          <a:graphicData uri="http://schemas.openxmlformats.org/drawingml/2006/table">
+            <a:tbl>
+              <a:tblPr firstRow="1" bandRow="1">
+                <a:tableStyleId>{5C22544A-7EE6-4342-B048-85BDC9FD1C3A}</a:tableStyleId>
+              </a:tblPr>
+              <a:tblGrid>
+                <a:gridCol w="812800">
+                  <a:extLst>
+                    <a:ext uri="{9D8B030D-6E8A-4147-A177-3AD203B41FA5}">
+                      <a16:colId xmlns:a16="http://schemas.microsoft.com/office/drawing/2014/main" val="2598344309"/>
+                    </a:ext>
+                  </a:extLst>
+                </a:gridCol>
+                <a:gridCol w="812800">
+                  <a:extLst>
+                    <a:ext uri="{9D8B030D-6E8A-4147-A177-3AD203B41FA5}">
+                      <a16:colId xmlns:a16="http://schemas.microsoft.com/office/drawing/2014/main" val="605485509"/>
+                    </a:ext>
+                  </a:extLst>
+                </a:gridCol>
+                <a:gridCol w="812800">
+                  <a:extLst>
+                    <a:ext uri="{9D8B030D-6E8A-4147-A177-3AD203B41FA5}">
+                      <a16:colId xmlns:a16="http://schemas.microsoft.com/office/drawing/2014/main" val="2722362735"/>
+                    </a:ext>
+                  </a:extLst>
+                </a:gridCol>
+                <a:gridCol w="812800">
+                  <a:extLst>
+                    <a:ext uri="{9D8B030D-6E8A-4147-A177-3AD203B41FA5}">
+                      <a16:colId xmlns:a16="http://schemas.microsoft.com/office/drawing/2014/main" val="83831864"/>
+                    </a:ext>
+                  </a:extLst>
+                </a:gridCol>
+                <a:gridCol w="812800">
+                  <a:extLst>
+                    <a:ext uri="{9D8B030D-6E8A-4147-A177-3AD203B41FA5}">
+                      <a16:colId xmlns:a16="http://schemas.microsoft.com/office/drawing/2014/main" val="2270492597"/>
+                    </a:ext>
+                  </a:extLst>
+                </a:gridCol>
+                <a:gridCol w="812800">
+                  <a:extLst>
+                    <a:ext uri="{9D8B030D-6E8A-4147-A177-3AD203B41FA5}">
+                      <a16:colId xmlns:a16="http://schemas.microsoft.com/office/drawing/2014/main" val="2835377339"/>
+                    </a:ext>
+                  </a:extLst>
+                </a:gridCol>
+                <a:gridCol w="812800">
+                  <a:extLst>
+                    <a:ext uri="{9D8B030D-6E8A-4147-A177-3AD203B41FA5}">
+                      <a16:colId xmlns:a16="http://schemas.microsoft.com/office/drawing/2014/main" val="3339377687"/>
+                    </a:ext>
+                  </a:extLst>
+                </a:gridCol>
+                <a:gridCol w="812800">
+                  <a:extLst>
+                    <a:ext uri="{9D8B030D-6E8A-4147-A177-3AD203B41FA5}">
+                      <a16:colId xmlns:a16="http://schemas.microsoft.com/office/drawing/2014/main" val="1522430985"/>
+                    </a:ext>
+                  </a:extLst>
+                </a:gridCol>
+                <a:gridCol w="812800">
+                  <a:extLst>
+                    <a:ext uri="{9D8B030D-6E8A-4147-A177-3AD203B41FA5}">
+                      <a16:colId xmlns:a16="http://schemas.microsoft.com/office/drawing/2014/main" val="768155208"/>
+                    </a:ext>
+                  </a:extLst>
+                </a:gridCol>
+                <a:gridCol w="812800">
+                  <a:extLst>
+                    <a:ext uri="{9D8B030D-6E8A-4147-A177-3AD203B41FA5}">
+                      <a16:colId xmlns:a16="http://schemas.microsoft.com/office/drawing/2014/main" val="3345680187"/>
+                    </a:ext>
+                  </a:extLst>
+                </a:gridCol>
+              </a:tblGrid>
+              <a:tr h="370840">
+                <a:tc>
+                  <a:txBody>
+                    <a:bodyPr/>
+                    <a:lstStyle/>
+                    <a:p>
+                      <a:pPr algn="ctr" latinLnBrk="1"/>
+                      <a:r>
+                        <a:rPr lang="en-US" altLang="ko-KR" dirty="0"/>
+                        <a:t>0000</a:t>
+                      </a:r>
+                      <a:endParaRPr lang="ko-KR" altLang="en-US" dirty="0"/>
+                    </a:p>
+                  </a:txBody>
+                  <a:tcPr/>
+                </a:tc>
+                <a:tc>
+                  <a:txBody>
+                    <a:bodyPr/>
+                    <a:lstStyle/>
+                    <a:p>
+                      <a:pPr algn="ctr" latinLnBrk="1"/>
+                      <a:r>
+                        <a:rPr lang="en-US" altLang="ko-KR" dirty="0"/>
+                        <a:t>0001</a:t>
+                      </a:r>
+                      <a:endParaRPr lang="ko-KR" altLang="en-US" dirty="0"/>
+                    </a:p>
+                  </a:txBody>
+                  <a:tcPr/>
+                </a:tc>
+                <a:tc>
+                  <a:txBody>
+                    <a:bodyPr/>
+                    <a:lstStyle/>
+                    <a:p>
+                      <a:pPr algn="ctr" latinLnBrk="1"/>
+                      <a:r>
+                        <a:rPr lang="en-US" altLang="ko-KR" dirty="0"/>
+                        <a:t>…</a:t>
+                      </a:r>
+                      <a:endParaRPr lang="ko-KR" altLang="en-US" dirty="0"/>
+                    </a:p>
+                  </a:txBody>
+                  <a:tcPr/>
+                </a:tc>
+                <a:tc>
+                  <a:txBody>
+                    <a:bodyPr/>
+                    <a:lstStyle/>
+                    <a:p>
+                      <a:pPr algn="ctr" latinLnBrk="1"/>
+                      <a:r>
+                        <a:rPr lang="en-US" altLang="ko-KR" dirty="0"/>
+                        <a:t>3333</a:t>
+                      </a:r>
+                      <a:endParaRPr lang="ko-KR" altLang="en-US" dirty="0"/>
+                    </a:p>
+                  </a:txBody>
+                  <a:tcPr/>
+                </a:tc>
+                <a:tc>
+                  <a:txBody>
+                    <a:bodyPr/>
+                    <a:lstStyle/>
+                    <a:p>
+                      <a:pPr algn="ctr" latinLnBrk="1"/>
+                      <a:r>
+                        <a:rPr lang="en-US" altLang="ko-KR" dirty="0"/>
+                        <a:t>3334</a:t>
+                      </a:r>
+                      <a:endParaRPr lang="ko-KR" altLang="en-US" dirty="0"/>
+                    </a:p>
+                  </a:txBody>
+                  <a:tcPr/>
+                </a:tc>
+                <a:tc>
+                  <a:txBody>
+                    <a:bodyPr/>
+                    <a:lstStyle/>
+                    <a:p>
+                      <a:pPr algn="ctr" latinLnBrk="1"/>
+                      <a:r>
+                        <a:rPr lang="en-US" altLang="ko-KR" dirty="0"/>
+                        <a:t>3335</a:t>
+                      </a:r>
+                      <a:endParaRPr lang="ko-KR" altLang="en-US" dirty="0"/>
+                    </a:p>
+                  </a:txBody>
+                  <a:tcPr/>
+                </a:tc>
+                <a:tc>
+                  <a:txBody>
+                    <a:bodyPr/>
+                    <a:lstStyle/>
+                    <a:p>
+                      <a:pPr algn="ctr" latinLnBrk="1"/>
+                      <a:r>
+                        <a:rPr lang="en-US" altLang="ko-KR" dirty="0"/>
+                        <a:t>3336</a:t>
+                      </a:r>
+                      <a:endParaRPr lang="ko-KR" altLang="en-US" dirty="0"/>
+                    </a:p>
+                  </a:txBody>
+                  <a:tcPr/>
+                </a:tc>
+                <a:tc>
+                  <a:txBody>
+                    <a:bodyPr/>
+                    <a:lstStyle/>
+                    <a:p>
+                      <a:pPr algn="ctr" latinLnBrk="1"/>
+                      <a:r>
+                        <a:rPr lang="en-US" altLang="ko-KR" dirty="0"/>
+                        <a:t>3337</a:t>
+                      </a:r>
+                      <a:endParaRPr lang="ko-KR" altLang="en-US" dirty="0"/>
+                    </a:p>
+                  </a:txBody>
+                  <a:tcPr/>
+                </a:tc>
+                <a:tc>
+                  <a:txBody>
+                    <a:bodyPr/>
+                    <a:lstStyle/>
+                    <a:p>
+                      <a:pPr algn="ctr" latinLnBrk="1"/>
+                      <a:r>
+                        <a:rPr lang="en-US" altLang="ko-KR" dirty="0"/>
+                        <a:t>…</a:t>
+                      </a:r>
+                      <a:endParaRPr lang="ko-KR" altLang="en-US" dirty="0"/>
+                    </a:p>
+                  </a:txBody>
+                  <a:tcPr/>
+                </a:tc>
+                <a:tc>
+                  <a:txBody>
+                    <a:bodyPr/>
+                    <a:lstStyle/>
+                    <a:p>
+                      <a:pPr algn="ctr" latinLnBrk="1"/>
+                      <a:r>
+                        <a:rPr lang="en-US" altLang="ko-KR" dirty="0"/>
+                        <a:t>9999</a:t>
+                      </a:r>
+                      <a:endParaRPr lang="ko-KR" altLang="en-US" dirty="0"/>
+                    </a:p>
+                  </a:txBody>
+                  <a:tcPr/>
+                </a:tc>
+                <a:extLst>
+                  <a:ext uri="{0D108BD9-81ED-4DB2-BD59-A6C34878D82A}">
+                    <a16:rowId xmlns:a16="http://schemas.microsoft.com/office/drawing/2014/main" val="1918671685"/>
+                  </a:ext>
+                </a:extLst>
+              </a:tr>
+              <a:tr h="370840">
+                <a:tc>
+                  <a:txBody>
+                    <a:bodyPr/>
+                    <a:lstStyle/>
+                    <a:p>
+                      <a:pPr algn="ctr" latinLnBrk="1"/>
+                      <a:endParaRPr lang="ko-KR" altLang="en-US"/>
+                    </a:p>
+                  </a:txBody>
+                  <a:tcPr/>
+                </a:tc>
+                <a:tc>
+                  <a:txBody>
+                    <a:bodyPr/>
+                    <a:lstStyle/>
+                    <a:p>
+                      <a:pPr algn="ctr" latinLnBrk="1"/>
+                      <a:endParaRPr lang="ko-KR" altLang="en-US"/>
+                    </a:p>
+                  </a:txBody>
+                  <a:tcPr/>
+                </a:tc>
+                <a:tc>
+                  <a:txBody>
+                    <a:bodyPr/>
+                    <a:lstStyle/>
+                    <a:p>
+                      <a:pPr algn="ctr" latinLnBrk="1"/>
+                      <a:endParaRPr lang="ko-KR" altLang="en-US"/>
+                    </a:p>
+                  </a:txBody>
+                  <a:tcPr/>
+                </a:tc>
+                <a:tc>
+                  <a:txBody>
+                    <a:bodyPr/>
+                    <a:lstStyle/>
+                    <a:p>
+                      <a:pPr algn="ctr" latinLnBrk="1"/>
+                      <a:r>
+                        <a:rPr lang="en-US" altLang="ko-KR" dirty="0"/>
+                        <a:t>0000 0000 0000 3333 Kim</a:t>
+                      </a:r>
+                      <a:endParaRPr lang="ko-KR" altLang="en-US" dirty="0"/>
+                    </a:p>
+                  </a:txBody>
+                  <a:tcPr/>
+                </a:tc>
+                <a:tc>
+                  <a:txBody>
+                    <a:bodyPr/>
+                    <a:lstStyle/>
+                    <a:p>
+                      <a:pPr algn="ctr" latinLnBrk="1"/>
+                      <a:r>
+                        <a:rPr lang="en-US" altLang="ko-KR" dirty="0"/>
+                        <a:t>1234 1234 1234 3333 kang </a:t>
+                      </a:r>
+                      <a:endParaRPr lang="ko-KR" altLang="en-US" dirty="0"/>
+                    </a:p>
+                  </a:txBody>
+                  <a:tcPr/>
+                </a:tc>
+                <a:tc>
+                  <a:txBody>
+                    <a:bodyPr/>
+                    <a:lstStyle/>
+                    <a:p>
+                      <a:pPr algn="ctr" latinLnBrk="1"/>
+                      <a:endParaRPr lang="ko-KR" altLang="en-US"/>
+                    </a:p>
+                  </a:txBody>
+                  <a:tcPr/>
+                </a:tc>
+                <a:tc>
+                  <a:txBody>
+                    <a:bodyPr/>
+                    <a:lstStyle/>
+                    <a:p>
+                      <a:pPr algn="ctr" latinLnBrk="1"/>
+                      <a:endParaRPr lang="ko-KR" altLang="en-US"/>
+                    </a:p>
+                  </a:txBody>
+                  <a:tcPr/>
+                </a:tc>
+                <a:tc>
+                  <a:txBody>
+                    <a:bodyPr/>
+                    <a:lstStyle/>
+                    <a:p>
+                      <a:pPr algn="ctr" latinLnBrk="1"/>
+                      <a:endParaRPr lang="ko-KR" altLang="en-US"/>
+                    </a:p>
+                  </a:txBody>
+                  <a:tcPr/>
+                </a:tc>
+                <a:tc>
+                  <a:txBody>
+                    <a:bodyPr/>
+                    <a:lstStyle/>
+                    <a:p>
+                      <a:pPr algn="ctr" latinLnBrk="1"/>
+                      <a:endParaRPr lang="ko-KR" altLang="en-US"/>
+                    </a:p>
+                  </a:txBody>
+                  <a:tcPr/>
+                </a:tc>
+                <a:tc>
+                  <a:txBody>
+                    <a:bodyPr/>
+                    <a:lstStyle/>
+                    <a:p>
+                      <a:pPr algn="ctr" latinLnBrk="1"/>
+                      <a:endParaRPr lang="ko-KR" altLang="en-US" dirty="0"/>
+                    </a:p>
+                  </a:txBody>
+                  <a:tcPr/>
+                </a:tc>
+                <a:extLst>
+                  <a:ext uri="{0D108BD9-81ED-4DB2-BD59-A6C34878D82A}">
+                    <a16:rowId xmlns:a16="http://schemas.microsoft.com/office/drawing/2014/main" val="765872613"/>
+                  </a:ext>
+                </a:extLst>
+              </a:tr>
+            </a:tbl>
+          </a:graphicData>
+        </a:graphic>
+      </p:graphicFrame>
+    </p:spTree>
+    <p:extLst>
+      <p:ext uri="{BB962C8B-B14F-4D97-AF65-F5344CB8AC3E}">
+        <p14:creationId xmlns:p14="http://schemas.microsoft.com/office/powerpoint/2010/main" val="1590923725"/>
+      </p:ext>
+    </p:extLst>
+  </p:cSld>
+  <p:clrMapOvr>
+    <a:masterClrMapping/>
+  </p:clrMapOvr>
+</p:sld>
+</file>
+
+<file path=ppt/slides/slide14.xml><?xml version="1.0" encoding="utf-8"?>
+<p:sld xmlns:a="http://schemas.openxmlformats.org/drawingml/2006/main" xmlns:r="http://schemas.openxmlformats.org/officeDocument/2006/relationships" xmlns:p="http://schemas.openxmlformats.org/presentationml/2006/main">
+  <p:cSld>
+    <p:bg>
+      <p:bgPr>
+        <a:solidFill>
+          <a:schemeClr val="tx2">
+            <a:lumMod val="50000"/>
+          </a:schemeClr>
+        </a:solidFill>
+        <a:effectLst/>
+      </p:bgPr>
+    </p:bg>
+    <p:spTree>
+      <p:nvGrpSpPr>
+        <p:cNvPr id="1" name=""/>
+        <p:cNvGrpSpPr/>
+        <p:nvPr/>
+      </p:nvGrpSpPr>
+      <p:grpSpPr>
+        <a:xfrm>
+          <a:off x="0" y="0"/>
+          <a:ext cx="0" cy="0"/>
+          <a:chOff x="0" y="0"/>
+          <a:chExt cx="0" cy="0"/>
+        </a:xfrm>
+      </p:grpSpPr>
+      <p:sp>
+        <p:nvSpPr>
+          <p:cNvPr id="4" name="TextBox 3">
+            <a:extLst>
+              <a:ext uri="{FF2B5EF4-FFF2-40B4-BE49-F238E27FC236}">
+                <a16:creationId xmlns:a16="http://schemas.microsoft.com/office/drawing/2014/main" id="{12134F02-23BC-E363-5DAD-F1B26739269D}"/>
+              </a:ext>
+            </a:extLst>
+          </p:cNvPr>
+          <p:cNvSpPr txBox="1"/>
+          <p:nvPr/>
+        </p:nvSpPr>
+        <p:spPr>
+          <a:xfrm>
+            <a:off x="457228" y="2806162"/>
+            <a:ext cx="11005100" cy="869790"/>
+          </a:xfrm>
+          <a:prstGeom prst="rect">
+            <a:avLst/>
+          </a:prstGeom>
+          <a:noFill/>
+        </p:spPr>
+        <p:txBody>
+          <a:bodyPr wrap="square" rtlCol="0">
+            <a:spAutoFit/>
+          </a:bodyPr>
+          <a:lstStyle/>
+          <a:p>
+            <a:pPr marL="742950" lvl="1" indent="-285750">
+              <a:lnSpc>
+                <a:spcPct val="150000"/>
+              </a:lnSpc>
+              <a:buFont typeface="Arial" panose="020B0604020202020204" pitchFamily="34" charset="0"/>
+              <a:buChar char="•"/>
+            </a:pPr>
+            <a:r>
+              <a:rPr lang="ko-KR" altLang="en-US" dirty="0">
+                <a:solidFill>
+                  <a:schemeClr val="bg1">
+                    <a:lumMod val="95000"/>
+                  </a:schemeClr>
+                </a:solidFill>
+              </a:rPr>
+              <a:t>예시를 조금 더 들어서 </a:t>
+            </a:r>
+            <a:r>
+              <a:rPr lang="en-US" altLang="ko-KR" dirty="0">
+                <a:solidFill>
+                  <a:schemeClr val="bg1">
+                    <a:lumMod val="95000"/>
+                  </a:schemeClr>
+                </a:solidFill>
+              </a:rPr>
+              <a:t>1234 1234 0000 3333, lee</a:t>
+            </a:r>
+            <a:r>
+              <a:rPr lang="ko-KR" altLang="en-US" dirty="0">
+                <a:solidFill>
+                  <a:schemeClr val="bg1">
+                    <a:lumMod val="95000"/>
+                  </a:schemeClr>
+                </a:solidFill>
+              </a:rPr>
+              <a:t>를 넣어 보겠습니다</a:t>
+            </a:r>
+            <a:r>
+              <a:rPr lang="en-US" altLang="ko-KR" dirty="0">
+                <a:solidFill>
+                  <a:schemeClr val="bg1">
+                    <a:lumMod val="95000"/>
+                  </a:schemeClr>
+                </a:solidFill>
+              </a:rPr>
+              <a:t>. 3333</a:t>
+            </a:r>
+            <a:r>
+              <a:rPr lang="ko-KR" altLang="en-US" dirty="0">
+                <a:solidFill>
+                  <a:schemeClr val="bg1">
+                    <a:lumMod val="95000"/>
+                  </a:schemeClr>
+                </a:solidFill>
+              </a:rPr>
+              <a:t>번째와 </a:t>
+            </a:r>
+            <a:r>
+              <a:rPr lang="en-US" altLang="ko-KR" dirty="0">
+                <a:solidFill>
+                  <a:schemeClr val="bg1">
+                    <a:lumMod val="95000"/>
+                  </a:schemeClr>
+                </a:solidFill>
+              </a:rPr>
+              <a:t>3334</a:t>
+            </a:r>
+            <a:r>
+              <a:rPr lang="ko-KR" altLang="en-US" dirty="0">
+                <a:solidFill>
+                  <a:schemeClr val="bg1">
+                    <a:lumMod val="95000"/>
+                  </a:schemeClr>
+                </a:solidFill>
+              </a:rPr>
+              <a:t>가 이미 </a:t>
+            </a:r>
+            <a:r>
+              <a:rPr lang="ko-KR" altLang="en-US" dirty="0" err="1">
+                <a:solidFill>
+                  <a:schemeClr val="bg1">
+                    <a:lumMod val="95000"/>
+                  </a:schemeClr>
+                </a:solidFill>
+              </a:rPr>
+              <a:t>차있기</a:t>
+            </a:r>
+            <a:r>
+              <a:rPr lang="ko-KR" altLang="en-US" dirty="0">
+                <a:solidFill>
+                  <a:schemeClr val="bg1">
+                    <a:lumMod val="95000"/>
+                  </a:schemeClr>
+                </a:solidFill>
+              </a:rPr>
+              <a:t> 때문에 </a:t>
+            </a:r>
+            <a:r>
+              <a:rPr lang="en-US" altLang="ko-KR" dirty="0">
+                <a:solidFill>
+                  <a:schemeClr val="bg1">
+                    <a:lumMod val="95000"/>
+                  </a:schemeClr>
+                </a:solidFill>
+              </a:rPr>
+              <a:t>3335</a:t>
+            </a:r>
+            <a:r>
+              <a:rPr lang="ko-KR" altLang="en-US" dirty="0">
+                <a:solidFill>
+                  <a:schemeClr val="bg1">
+                    <a:lumMod val="95000"/>
+                  </a:schemeClr>
+                </a:solidFill>
+              </a:rPr>
+              <a:t>에 넣어 내용을 씁니다</a:t>
+            </a:r>
+            <a:r>
+              <a:rPr lang="en-US" altLang="ko-KR" dirty="0">
+                <a:solidFill>
+                  <a:schemeClr val="bg1">
+                    <a:lumMod val="95000"/>
+                  </a:schemeClr>
+                </a:solidFill>
+              </a:rPr>
+              <a:t>. </a:t>
+            </a:r>
+          </a:p>
+        </p:txBody>
+      </p:sp>
+      <p:graphicFrame>
+        <p:nvGraphicFramePr>
+          <p:cNvPr id="5" name="표 5">
+            <a:extLst>
+              <a:ext uri="{FF2B5EF4-FFF2-40B4-BE49-F238E27FC236}">
+                <a16:creationId xmlns:a16="http://schemas.microsoft.com/office/drawing/2014/main" id="{3BBB7B66-1DC8-F5A4-826A-07130A70E383}"/>
+              </a:ext>
+            </a:extLst>
+          </p:cNvPr>
+          <p:cNvGraphicFramePr>
+            <a:graphicFrameLocks noGrp="1"/>
+          </p:cNvGraphicFramePr>
+          <p:nvPr>
+            <p:extLst>
+              <p:ext uri="{D42A27DB-BD31-4B8C-83A1-F6EECF244321}">
+                <p14:modId xmlns:p14="http://schemas.microsoft.com/office/powerpoint/2010/main" val="2177956576"/>
+              </p:ext>
+            </p:extLst>
+          </p:nvPr>
+        </p:nvGraphicFramePr>
+        <p:xfrm>
+          <a:off x="1625598" y="620067"/>
+          <a:ext cx="8128000" cy="1833880"/>
+        </p:xfrm>
+        <a:graphic>
+          <a:graphicData uri="http://schemas.openxmlformats.org/drawingml/2006/table">
+            <a:tbl>
+              <a:tblPr firstRow="1" bandRow="1">
+                <a:tableStyleId>{5C22544A-7EE6-4342-B048-85BDC9FD1C3A}</a:tableStyleId>
+              </a:tblPr>
+              <a:tblGrid>
+                <a:gridCol w="812800">
+                  <a:extLst>
+                    <a:ext uri="{9D8B030D-6E8A-4147-A177-3AD203B41FA5}">
+                      <a16:colId xmlns:a16="http://schemas.microsoft.com/office/drawing/2014/main" val="2598344309"/>
+                    </a:ext>
+                  </a:extLst>
+                </a:gridCol>
+                <a:gridCol w="812800">
+                  <a:extLst>
+                    <a:ext uri="{9D8B030D-6E8A-4147-A177-3AD203B41FA5}">
+                      <a16:colId xmlns:a16="http://schemas.microsoft.com/office/drawing/2014/main" val="605485509"/>
+                    </a:ext>
+                  </a:extLst>
+                </a:gridCol>
+                <a:gridCol w="812800">
+                  <a:extLst>
+                    <a:ext uri="{9D8B030D-6E8A-4147-A177-3AD203B41FA5}">
+                      <a16:colId xmlns:a16="http://schemas.microsoft.com/office/drawing/2014/main" val="2722362735"/>
+                    </a:ext>
+                  </a:extLst>
+                </a:gridCol>
+                <a:gridCol w="812800">
+                  <a:extLst>
+                    <a:ext uri="{9D8B030D-6E8A-4147-A177-3AD203B41FA5}">
+                      <a16:colId xmlns:a16="http://schemas.microsoft.com/office/drawing/2014/main" val="83831864"/>
+                    </a:ext>
+                  </a:extLst>
+                </a:gridCol>
+                <a:gridCol w="812800">
+                  <a:extLst>
+                    <a:ext uri="{9D8B030D-6E8A-4147-A177-3AD203B41FA5}">
+                      <a16:colId xmlns:a16="http://schemas.microsoft.com/office/drawing/2014/main" val="2270492597"/>
+                    </a:ext>
+                  </a:extLst>
+                </a:gridCol>
+                <a:gridCol w="812800">
+                  <a:extLst>
+                    <a:ext uri="{9D8B030D-6E8A-4147-A177-3AD203B41FA5}">
+                      <a16:colId xmlns:a16="http://schemas.microsoft.com/office/drawing/2014/main" val="2835377339"/>
+                    </a:ext>
+                  </a:extLst>
+                </a:gridCol>
+                <a:gridCol w="812800">
+                  <a:extLst>
+                    <a:ext uri="{9D8B030D-6E8A-4147-A177-3AD203B41FA5}">
+                      <a16:colId xmlns:a16="http://schemas.microsoft.com/office/drawing/2014/main" val="3339377687"/>
+                    </a:ext>
+                  </a:extLst>
+                </a:gridCol>
+                <a:gridCol w="812800">
+                  <a:extLst>
+                    <a:ext uri="{9D8B030D-6E8A-4147-A177-3AD203B41FA5}">
+                      <a16:colId xmlns:a16="http://schemas.microsoft.com/office/drawing/2014/main" val="1522430985"/>
+                    </a:ext>
+                  </a:extLst>
+                </a:gridCol>
+                <a:gridCol w="812800">
+                  <a:extLst>
+                    <a:ext uri="{9D8B030D-6E8A-4147-A177-3AD203B41FA5}">
+                      <a16:colId xmlns:a16="http://schemas.microsoft.com/office/drawing/2014/main" val="768155208"/>
+                    </a:ext>
+                  </a:extLst>
+                </a:gridCol>
+                <a:gridCol w="812800">
+                  <a:extLst>
+                    <a:ext uri="{9D8B030D-6E8A-4147-A177-3AD203B41FA5}">
+                      <a16:colId xmlns:a16="http://schemas.microsoft.com/office/drawing/2014/main" val="3345680187"/>
+                    </a:ext>
+                  </a:extLst>
+                </a:gridCol>
+              </a:tblGrid>
+              <a:tr h="370840">
+                <a:tc>
+                  <a:txBody>
+                    <a:bodyPr/>
+                    <a:lstStyle/>
+                    <a:p>
+                      <a:pPr algn="ctr" latinLnBrk="1"/>
+                      <a:r>
+                        <a:rPr lang="en-US" altLang="ko-KR" dirty="0"/>
+                        <a:t>0000</a:t>
+                      </a:r>
+                      <a:endParaRPr lang="ko-KR" altLang="en-US" dirty="0"/>
+                    </a:p>
+                  </a:txBody>
+                  <a:tcPr/>
+                </a:tc>
+                <a:tc>
+                  <a:txBody>
+                    <a:bodyPr/>
+                    <a:lstStyle/>
+                    <a:p>
+                      <a:pPr algn="ctr" latinLnBrk="1"/>
+                      <a:r>
+                        <a:rPr lang="en-US" altLang="ko-KR" dirty="0"/>
+                        <a:t>0001</a:t>
+                      </a:r>
+                      <a:endParaRPr lang="ko-KR" altLang="en-US" dirty="0"/>
+                    </a:p>
+                  </a:txBody>
+                  <a:tcPr/>
+                </a:tc>
+                <a:tc>
+                  <a:txBody>
+                    <a:bodyPr/>
+                    <a:lstStyle/>
+                    <a:p>
+                      <a:pPr algn="ctr" latinLnBrk="1"/>
+                      <a:r>
+                        <a:rPr lang="en-US" altLang="ko-KR" dirty="0"/>
+                        <a:t>…</a:t>
+                      </a:r>
+                      <a:endParaRPr lang="ko-KR" altLang="en-US" dirty="0"/>
+                    </a:p>
+                  </a:txBody>
+                  <a:tcPr/>
+                </a:tc>
+                <a:tc>
+                  <a:txBody>
+                    <a:bodyPr/>
+                    <a:lstStyle/>
+                    <a:p>
+                      <a:pPr algn="ctr" latinLnBrk="1"/>
+                      <a:r>
+                        <a:rPr lang="en-US" altLang="ko-KR" dirty="0"/>
+                        <a:t>3333</a:t>
+                      </a:r>
+                      <a:endParaRPr lang="ko-KR" altLang="en-US" dirty="0"/>
+                    </a:p>
+                  </a:txBody>
+                  <a:tcPr/>
+                </a:tc>
+                <a:tc>
+                  <a:txBody>
+                    <a:bodyPr/>
+                    <a:lstStyle/>
+                    <a:p>
+                      <a:pPr algn="ctr" latinLnBrk="1"/>
+                      <a:r>
+                        <a:rPr lang="en-US" altLang="ko-KR" dirty="0"/>
+                        <a:t>3334</a:t>
+                      </a:r>
+                      <a:endParaRPr lang="ko-KR" altLang="en-US" dirty="0"/>
+                    </a:p>
+                  </a:txBody>
+                  <a:tcPr/>
+                </a:tc>
+                <a:tc>
+                  <a:txBody>
+                    <a:bodyPr/>
+                    <a:lstStyle/>
+                    <a:p>
+                      <a:pPr algn="ctr" latinLnBrk="1"/>
+                      <a:r>
+                        <a:rPr lang="en-US" altLang="ko-KR" dirty="0"/>
+                        <a:t>3335</a:t>
+                      </a:r>
+                      <a:endParaRPr lang="ko-KR" altLang="en-US" dirty="0"/>
+                    </a:p>
+                  </a:txBody>
+                  <a:tcPr/>
+                </a:tc>
+                <a:tc>
+                  <a:txBody>
+                    <a:bodyPr/>
+                    <a:lstStyle/>
+                    <a:p>
+                      <a:pPr algn="ctr" latinLnBrk="1"/>
+                      <a:r>
+                        <a:rPr lang="en-US" altLang="ko-KR" dirty="0"/>
+                        <a:t>3336</a:t>
+                      </a:r>
+                      <a:endParaRPr lang="ko-KR" altLang="en-US" dirty="0"/>
+                    </a:p>
+                  </a:txBody>
+                  <a:tcPr/>
+                </a:tc>
+                <a:tc>
+                  <a:txBody>
+                    <a:bodyPr/>
+                    <a:lstStyle/>
+                    <a:p>
+                      <a:pPr algn="ctr" latinLnBrk="1"/>
+                      <a:r>
+                        <a:rPr lang="en-US" altLang="ko-KR" dirty="0"/>
+                        <a:t>3337</a:t>
+                      </a:r>
+                      <a:endParaRPr lang="ko-KR" altLang="en-US" dirty="0"/>
+                    </a:p>
+                  </a:txBody>
+                  <a:tcPr/>
+                </a:tc>
+                <a:tc>
+                  <a:txBody>
+                    <a:bodyPr/>
+                    <a:lstStyle/>
+                    <a:p>
+                      <a:pPr algn="ctr" latinLnBrk="1"/>
+                      <a:r>
+                        <a:rPr lang="en-US" altLang="ko-KR" dirty="0"/>
+                        <a:t>…</a:t>
+                      </a:r>
+                      <a:endParaRPr lang="ko-KR" altLang="en-US" dirty="0"/>
+                    </a:p>
+                  </a:txBody>
+                  <a:tcPr/>
+                </a:tc>
+                <a:tc>
+                  <a:txBody>
+                    <a:bodyPr/>
+                    <a:lstStyle/>
+                    <a:p>
+                      <a:pPr algn="ctr" latinLnBrk="1"/>
+                      <a:r>
+                        <a:rPr lang="en-US" altLang="ko-KR" dirty="0"/>
+                        <a:t>9999</a:t>
+                      </a:r>
+                      <a:endParaRPr lang="ko-KR" altLang="en-US" dirty="0"/>
+                    </a:p>
+                  </a:txBody>
+                  <a:tcPr/>
+                </a:tc>
+                <a:extLst>
+                  <a:ext uri="{0D108BD9-81ED-4DB2-BD59-A6C34878D82A}">
+                    <a16:rowId xmlns:a16="http://schemas.microsoft.com/office/drawing/2014/main" val="1918671685"/>
+                  </a:ext>
+                </a:extLst>
+              </a:tr>
+              <a:tr h="370840">
+                <a:tc>
+                  <a:txBody>
+                    <a:bodyPr/>
+                    <a:lstStyle/>
+                    <a:p>
+                      <a:pPr algn="ctr" latinLnBrk="1"/>
+                      <a:endParaRPr lang="ko-KR" altLang="en-US"/>
+                    </a:p>
+                  </a:txBody>
+                  <a:tcPr/>
+                </a:tc>
+                <a:tc>
+                  <a:txBody>
+                    <a:bodyPr/>
+                    <a:lstStyle/>
+                    <a:p>
+                      <a:pPr algn="ctr" latinLnBrk="1"/>
+                      <a:endParaRPr lang="ko-KR" altLang="en-US"/>
+                    </a:p>
+                  </a:txBody>
+                  <a:tcPr/>
+                </a:tc>
+                <a:tc>
+                  <a:txBody>
+                    <a:bodyPr/>
+                    <a:lstStyle/>
+                    <a:p>
+                      <a:pPr algn="ctr" latinLnBrk="1"/>
+                      <a:endParaRPr lang="ko-KR" altLang="en-US"/>
+                    </a:p>
+                  </a:txBody>
+                  <a:tcPr/>
+                </a:tc>
+                <a:tc>
+                  <a:txBody>
+                    <a:bodyPr/>
+                    <a:lstStyle/>
+                    <a:p>
+                      <a:pPr algn="ctr" latinLnBrk="1"/>
+                      <a:r>
+                        <a:rPr lang="en-US" altLang="ko-KR" dirty="0"/>
+                        <a:t>0000 0000 0000 3333 Kim</a:t>
+                      </a:r>
+                      <a:endParaRPr lang="ko-KR" altLang="en-US" dirty="0"/>
+                    </a:p>
+                  </a:txBody>
+                  <a:tcPr/>
+                </a:tc>
+                <a:tc>
+                  <a:txBody>
+                    <a:bodyPr/>
+                    <a:lstStyle/>
+                    <a:p>
+                      <a:pPr algn="ctr" latinLnBrk="1"/>
+                      <a:r>
+                        <a:rPr lang="en-US" altLang="ko-KR" dirty="0"/>
+                        <a:t>1234 1234 1234 3333 kang </a:t>
+                      </a:r>
+                      <a:endParaRPr lang="ko-KR" altLang="en-US" dirty="0"/>
+                    </a:p>
+                  </a:txBody>
+                  <a:tcPr/>
+                </a:tc>
+                <a:tc>
+                  <a:txBody>
+                    <a:bodyPr/>
+                    <a:lstStyle/>
+                    <a:p>
+                      <a:pPr algn="ctr" latinLnBrk="1"/>
+                      <a:r>
+                        <a:rPr lang="en-US" altLang="ko-KR" dirty="0"/>
+                        <a:t>1234 1234 0000 3333 lee</a:t>
+                      </a:r>
+                      <a:endParaRPr lang="ko-KR" altLang="en-US" dirty="0"/>
+                    </a:p>
+                  </a:txBody>
+                  <a:tcPr/>
+                </a:tc>
+                <a:tc>
+                  <a:txBody>
+                    <a:bodyPr/>
+                    <a:lstStyle/>
+                    <a:p>
+                      <a:pPr algn="ctr" latinLnBrk="1"/>
+                      <a:endParaRPr lang="ko-KR" altLang="en-US"/>
+                    </a:p>
+                  </a:txBody>
+                  <a:tcPr/>
+                </a:tc>
+                <a:tc>
+                  <a:txBody>
+                    <a:bodyPr/>
+                    <a:lstStyle/>
+                    <a:p>
+                      <a:pPr algn="ctr" latinLnBrk="1"/>
+                      <a:endParaRPr lang="ko-KR" altLang="en-US"/>
+                    </a:p>
+                  </a:txBody>
+                  <a:tcPr/>
+                </a:tc>
+                <a:tc>
+                  <a:txBody>
+                    <a:bodyPr/>
+                    <a:lstStyle/>
+                    <a:p>
+                      <a:pPr algn="ctr" latinLnBrk="1"/>
+                      <a:endParaRPr lang="ko-KR" altLang="en-US"/>
+                    </a:p>
+                  </a:txBody>
+                  <a:tcPr/>
+                </a:tc>
+                <a:tc>
+                  <a:txBody>
+                    <a:bodyPr/>
+                    <a:lstStyle/>
+                    <a:p>
+                      <a:pPr algn="ctr" latinLnBrk="1"/>
+                      <a:endParaRPr lang="ko-KR" altLang="en-US" dirty="0"/>
+                    </a:p>
+                  </a:txBody>
+                  <a:tcPr/>
+                </a:tc>
+                <a:extLst>
+                  <a:ext uri="{0D108BD9-81ED-4DB2-BD59-A6C34878D82A}">
+                    <a16:rowId xmlns:a16="http://schemas.microsoft.com/office/drawing/2014/main" val="765872613"/>
+                  </a:ext>
+                </a:extLst>
+              </a:tr>
+            </a:tbl>
+          </a:graphicData>
+        </a:graphic>
+      </p:graphicFrame>
+      <p:sp>
+        <p:nvSpPr>
+          <p:cNvPr id="7" name="TextBox 6">
+            <a:extLst>
+              <a:ext uri="{FF2B5EF4-FFF2-40B4-BE49-F238E27FC236}">
+                <a16:creationId xmlns:a16="http://schemas.microsoft.com/office/drawing/2014/main" id="{AA73E652-CAE0-88B5-E560-3D690EF48F18}"/>
+              </a:ext>
+            </a:extLst>
+          </p:cNvPr>
+          <p:cNvSpPr txBox="1"/>
+          <p:nvPr/>
+        </p:nvSpPr>
+        <p:spPr>
+          <a:xfrm>
+            <a:off x="457228" y="3928380"/>
+            <a:ext cx="11005100" cy="1285288"/>
+          </a:xfrm>
+          <a:prstGeom prst="rect">
+            <a:avLst/>
+          </a:prstGeom>
+          <a:noFill/>
+        </p:spPr>
+        <p:txBody>
+          <a:bodyPr wrap="square" rtlCol="0">
+            <a:spAutoFit/>
+          </a:bodyPr>
+          <a:lstStyle/>
+          <a:p>
+            <a:pPr marL="742950" lvl="1" indent="-285750">
+              <a:lnSpc>
+                <a:spcPct val="150000"/>
+              </a:lnSpc>
+              <a:buFont typeface="Arial" panose="020B0604020202020204" pitchFamily="34" charset="0"/>
+              <a:buChar char="•"/>
+            </a:pPr>
+            <a:r>
+              <a:rPr lang="ko-KR" altLang="en-US" dirty="0">
+                <a:solidFill>
+                  <a:schemeClr val="bg1">
+                    <a:lumMod val="95000"/>
+                  </a:schemeClr>
+                </a:solidFill>
+              </a:rPr>
+              <a:t>이제 다시 </a:t>
+            </a:r>
+            <a:r>
+              <a:rPr lang="en-US" altLang="ko-KR" dirty="0">
+                <a:solidFill>
+                  <a:schemeClr val="bg1">
+                    <a:lumMod val="95000"/>
+                  </a:schemeClr>
+                </a:solidFill>
+              </a:rPr>
+              <a:t>1234 1234 0000 3333 </a:t>
+            </a:r>
+            <a:r>
+              <a:rPr lang="ko-KR" altLang="en-US" dirty="0">
+                <a:solidFill>
+                  <a:schemeClr val="bg1">
+                    <a:lumMod val="95000"/>
+                  </a:schemeClr>
+                </a:solidFill>
+              </a:rPr>
+              <a:t>을 찾는다고 생각해 봅니다</a:t>
+            </a:r>
+            <a:r>
+              <a:rPr lang="en-US" altLang="ko-KR" dirty="0">
+                <a:solidFill>
+                  <a:schemeClr val="bg1">
+                    <a:lumMod val="95000"/>
+                  </a:schemeClr>
+                </a:solidFill>
+              </a:rPr>
+              <a:t>. 3333</a:t>
+            </a:r>
+            <a:r>
+              <a:rPr lang="ko-KR" altLang="en-US" dirty="0">
+                <a:solidFill>
+                  <a:schemeClr val="bg1">
+                    <a:lumMod val="95000"/>
+                  </a:schemeClr>
+                </a:solidFill>
+              </a:rPr>
+              <a:t>의 자리는 </a:t>
+            </a:r>
+            <a:r>
+              <a:rPr lang="en-US" altLang="ko-KR" dirty="0">
+                <a:solidFill>
+                  <a:schemeClr val="bg1">
+                    <a:lumMod val="95000"/>
+                  </a:schemeClr>
+                </a:solidFill>
+              </a:rPr>
+              <a:t>0000 0000 0000 3333 </a:t>
+            </a:r>
+            <a:r>
+              <a:rPr lang="en-US" altLang="ko-KR" dirty="0" err="1">
+                <a:solidFill>
+                  <a:schemeClr val="bg1">
+                    <a:lumMod val="95000"/>
+                  </a:schemeClr>
+                </a:solidFill>
+              </a:rPr>
+              <a:t>kim</a:t>
+            </a:r>
+            <a:r>
+              <a:rPr lang="ko-KR" altLang="en-US" dirty="0">
+                <a:solidFill>
+                  <a:schemeClr val="bg1">
+                    <a:lumMod val="95000"/>
+                  </a:schemeClr>
+                </a:solidFill>
+              </a:rPr>
+              <a:t>이 쓰고 있기 때문에 다음 칸을 봅니다</a:t>
+            </a:r>
+            <a:r>
+              <a:rPr lang="en-US" altLang="ko-KR" dirty="0">
+                <a:solidFill>
+                  <a:schemeClr val="bg1">
+                    <a:lumMod val="95000"/>
+                  </a:schemeClr>
+                </a:solidFill>
+              </a:rPr>
+              <a:t>. </a:t>
+            </a:r>
+            <a:r>
+              <a:rPr lang="ko-KR" altLang="en-US" dirty="0">
+                <a:solidFill>
+                  <a:schemeClr val="bg1">
+                    <a:lumMod val="95000"/>
+                  </a:schemeClr>
+                </a:solidFill>
+              </a:rPr>
+              <a:t>그리고</a:t>
+            </a:r>
+            <a:r>
+              <a:rPr lang="en-US" altLang="ko-KR" dirty="0">
+                <a:solidFill>
+                  <a:schemeClr val="bg1">
+                    <a:lumMod val="95000"/>
+                  </a:schemeClr>
+                </a:solidFill>
+              </a:rPr>
+              <a:t>, </a:t>
+            </a:r>
+            <a:r>
+              <a:rPr lang="ko-KR" altLang="en-US" dirty="0">
+                <a:solidFill>
+                  <a:schemeClr val="bg1">
+                    <a:lumMod val="95000"/>
+                  </a:schemeClr>
+                </a:solidFill>
+              </a:rPr>
+              <a:t>또 일치하지 않아서</a:t>
+            </a:r>
+            <a:r>
+              <a:rPr lang="en-US" altLang="ko-KR" dirty="0">
+                <a:solidFill>
+                  <a:schemeClr val="bg1">
+                    <a:lumMod val="95000"/>
+                  </a:schemeClr>
+                </a:solidFill>
+              </a:rPr>
+              <a:t>, </a:t>
+            </a:r>
+            <a:r>
+              <a:rPr lang="ko-KR" altLang="en-US" dirty="0">
+                <a:solidFill>
+                  <a:schemeClr val="bg1">
+                    <a:lumMod val="95000"/>
+                  </a:schemeClr>
+                </a:solidFill>
+              </a:rPr>
+              <a:t>다음 칸을 봅니다</a:t>
+            </a:r>
+            <a:r>
+              <a:rPr lang="en-US" altLang="ko-KR" dirty="0">
+                <a:solidFill>
+                  <a:schemeClr val="bg1">
+                    <a:lumMod val="95000"/>
+                  </a:schemeClr>
+                </a:solidFill>
+              </a:rPr>
+              <a:t>. </a:t>
+            </a:r>
+            <a:r>
+              <a:rPr lang="ko-KR" altLang="en-US" dirty="0">
+                <a:solidFill>
+                  <a:schemeClr val="bg1">
+                    <a:lumMod val="95000"/>
+                  </a:schemeClr>
+                </a:solidFill>
+              </a:rPr>
+              <a:t>그러면 </a:t>
+            </a:r>
+            <a:r>
+              <a:rPr lang="en-US" altLang="ko-KR" dirty="0">
+                <a:solidFill>
+                  <a:schemeClr val="bg1">
+                    <a:lumMod val="95000"/>
+                  </a:schemeClr>
+                </a:solidFill>
+              </a:rPr>
+              <a:t>3335</a:t>
+            </a:r>
+            <a:r>
+              <a:rPr lang="ko-KR" altLang="en-US" dirty="0">
+                <a:solidFill>
+                  <a:schemeClr val="bg1">
+                    <a:lumMod val="95000"/>
+                  </a:schemeClr>
+                </a:solidFill>
+              </a:rPr>
+              <a:t>번째 칸이 일치하기 때문에 해당 키가 </a:t>
+            </a:r>
+            <a:r>
+              <a:rPr lang="en-US" altLang="ko-KR" dirty="0">
+                <a:solidFill>
+                  <a:schemeClr val="bg1">
+                    <a:lumMod val="95000"/>
+                  </a:schemeClr>
+                </a:solidFill>
+              </a:rPr>
+              <a:t>lee</a:t>
+            </a:r>
+            <a:r>
+              <a:rPr lang="ko-KR" altLang="en-US" dirty="0">
+                <a:solidFill>
+                  <a:schemeClr val="bg1">
+                    <a:lumMod val="95000"/>
+                  </a:schemeClr>
+                </a:solidFill>
+              </a:rPr>
+              <a:t>인 것을 알 수가 있습니다</a:t>
+            </a:r>
+            <a:r>
+              <a:rPr lang="en-US" altLang="ko-KR" dirty="0">
+                <a:solidFill>
+                  <a:schemeClr val="bg1">
+                    <a:lumMod val="95000"/>
+                  </a:schemeClr>
+                </a:solidFill>
+              </a:rPr>
+              <a:t>. </a:t>
+            </a:r>
+            <a:r>
+              <a:rPr lang="ko-KR" altLang="en-US" dirty="0">
+                <a:solidFill>
+                  <a:schemeClr val="bg1">
+                    <a:lumMod val="95000"/>
+                  </a:schemeClr>
+                </a:solidFill>
+              </a:rPr>
+              <a:t> </a:t>
+            </a:r>
+            <a:endParaRPr lang="en-US" altLang="ko-KR" dirty="0">
+              <a:solidFill>
+                <a:schemeClr val="bg1">
+                  <a:lumMod val="95000"/>
+                </a:schemeClr>
+              </a:solidFill>
+            </a:endParaRPr>
+          </a:p>
+        </p:txBody>
+      </p:sp>
+    </p:spTree>
+    <p:extLst>
+      <p:ext uri="{BB962C8B-B14F-4D97-AF65-F5344CB8AC3E}">
+        <p14:creationId xmlns:p14="http://schemas.microsoft.com/office/powerpoint/2010/main" val="1886500061"/>
+      </p:ext>
+    </p:extLst>
+  </p:cSld>
+  <p:clrMapOvr>
+    <a:masterClrMapping/>
+  </p:clrMapOvr>
+</p:sld>
+</file>
+
+<file path=ppt/slides/slide15.xml><?xml version="1.0" encoding="utf-8"?>
+<p:sld xmlns:a="http://schemas.openxmlformats.org/drawingml/2006/main" xmlns:r="http://schemas.openxmlformats.org/officeDocument/2006/relationships" xmlns:p="http://schemas.openxmlformats.org/presentationml/2006/main">
+  <p:cSld>
+    <p:bg>
+      <p:bgPr>
+        <a:solidFill>
+          <a:schemeClr val="tx2">
+            <a:lumMod val="50000"/>
+          </a:schemeClr>
+        </a:solidFill>
+        <a:effectLst/>
+      </p:bgPr>
+    </p:bg>
+    <p:spTree>
+      <p:nvGrpSpPr>
+        <p:cNvPr id="1" name=""/>
+        <p:cNvGrpSpPr/>
+        <p:nvPr/>
+      </p:nvGrpSpPr>
+      <p:grpSpPr>
+        <a:xfrm>
+          <a:off x="0" y="0"/>
+          <a:ext cx="0" cy="0"/>
+          <a:chOff x="0" y="0"/>
+          <a:chExt cx="0" cy="0"/>
+        </a:xfrm>
+      </p:grpSpPr>
+      <p:sp>
+        <p:nvSpPr>
+          <p:cNvPr id="4" name="TextBox 3">
+            <a:extLst>
+              <a:ext uri="{FF2B5EF4-FFF2-40B4-BE49-F238E27FC236}">
+                <a16:creationId xmlns:a16="http://schemas.microsoft.com/office/drawing/2014/main" id="{12134F02-23BC-E363-5DAD-F1B26739269D}"/>
+              </a:ext>
+            </a:extLst>
+          </p:cNvPr>
+          <p:cNvSpPr txBox="1"/>
+          <p:nvPr/>
+        </p:nvSpPr>
+        <p:spPr>
+          <a:xfrm>
+            <a:off x="457227" y="3683616"/>
+            <a:ext cx="11005100" cy="1700787"/>
+          </a:xfrm>
+          <a:prstGeom prst="rect">
+            <a:avLst/>
+          </a:prstGeom>
+          <a:noFill/>
+        </p:spPr>
+        <p:txBody>
+          <a:bodyPr wrap="square" rtlCol="0">
+            <a:spAutoFit/>
+          </a:bodyPr>
+          <a:lstStyle/>
+          <a:p>
+            <a:pPr marL="742950" lvl="1" indent="-285750">
+              <a:lnSpc>
+                <a:spcPct val="150000"/>
+              </a:lnSpc>
+              <a:buFont typeface="Arial" panose="020B0604020202020204" pitchFamily="34" charset="0"/>
+              <a:buChar char="•"/>
+            </a:pPr>
+            <a:r>
+              <a:rPr lang="en-US" altLang="ko-KR" dirty="0">
+                <a:solidFill>
+                  <a:schemeClr val="bg1">
+                    <a:lumMod val="95000"/>
+                  </a:schemeClr>
+                </a:solidFill>
+              </a:rPr>
+              <a:t>Open Addressing</a:t>
+            </a:r>
+            <a:r>
+              <a:rPr lang="ko-KR" altLang="en-US" dirty="0">
+                <a:solidFill>
+                  <a:schemeClr val="bg1">
+                    <a:lumMod val="95000"/>
+                  </a:schemeClr>
+                </a:solidFill>
+              </a:rPr>
+              <a:t>에서는 삭제 연산이 꽤 중요합니다</a:t>
+            </a:r>
+            <a:r>
+              <a:rPr lang="en-US" altLang="ko-KR" dirty="0">
+                <a:solidFill>
+                  <a:schemeClr val="bg1">
+                    <a:lumMod val="95000"/>
+                  </a:schemeClr>
+                </a:solidFill>
+              </a:rPr>
+              <a:t>. </a:t>
+            </a:r>
+            <a:r>
+              <a:rPr lang="ko-KR" altLang="en-US" dirty="0">
+                <a:solidFill>
+                  <a:schemeClr val="bg1">
+                    <a:lumMod val="95000"/>
+                  </a:schemeClr>
+                </a:solidFill>
+              </a:rPr>
+              <a:t>예를 들어 위와 같은 상황에서 </a:t>
+            </a:r>
+            <a:r>
+              <a:rPr lang="en-US" altLang="ko-KR" dirty="0">
+                <a:solidFill>
+                  <a:schemeClr val="bg1">
+                    <a:lumMod val="95000"/>
+                  </a:schemeClr>
+                </a:solidFill>
+              </a:rPr>
+              <a:t>1234 1234 1234 3333</a:t>
+            </a:r>
+            <a:r>
+              <a:rPr lang="ko-KR" altLang="en-US" dirty="0">
+                <a:solidFill>
+                  <a:schemeClr val="bg1">
+                    <a:lumMod val="95000"/>
+                  </a:schemeClr>
+                </a:solidFill>
+              </a:rPr>
+              <a:t>을 삭제하는 연산을 한다고 했을 때</a:t>
+            </a:r>
+            <a:r>
+              <a:rPr lang="en-US" altLang="ko-KR" dirty="0">
+                <a:solidFill>
+                  <a:schemeClr val="bg1">
+                    <a:lumMod val="95000"/>
+                  </a:schemeClr>
+                </a:solidFill>
+              </a:rPr>
+              <a:t>, </a:t>
+            </a:r>
+            <a:r>
+              <a:rPr lang="ko-KR" altLang="en-US" dirty="0">
+                <a:solidFill>
+                  <a:schemeClr val="bg1">
+                    <a:lumMod val="95000"/>
+                  </a:schemeClr>
+                </a:solidFill>
+              </a:rPr>
+              <a:t>인덱스 </a:t>
+            </a:r>
+            <a:r>
+              <a:rPr lang="en-US" altLang="ko-KR" dirty="0">
+                <a:solidFill>
+                  <a:schemeClr val="bg1">
+                    <a:lumMod val="95000"/>
+                  </a:schemeClr>
+                </a:solidFill>
+              </a:rPr>
+              <a:t>[3334]</a:t>
+            </a:r>
+            <a:r>
+              <a:rPr lang="ko-KR" altLang="en-US" dirty="0">
+                <a:solidFill>
+                  <a:schemeClr val="bg1">
+                    <a:lumMod val="95000"/>
+                  </a:schemeClr>
+                </a:solidFill>
+              </a:rPr>
+              <a:t>를 그냥 찾아서 삭제하게 되면</a:t>
+            </a:r>
+            <a:r>
+              <a:rPr lang="en-US" altLang="ko-KR" dirty="0">
+                <a:solidFill>
+                  <a:schemeClr val="bg1">
+                    <a:lumMod val="95000"/>
+                  </a:schemeClr>
+                </a:solidFill>
+              </a:rPr>
+              <a:t>, </a:t>
+            </a:r>
+            <a:r>
+              <a:rPr lang="ko-KR" altLang="en-US" dirty="0">
+                <a:solidFill>
+                  <a:schemeClr val="bg1">
+                    <a:lumMod val="95000"/>
+                  </a:schemeClr>
+                </a:solidFill>
+              </a:rPr>
+              <a:t>추후에 </a:t>
+            </a:r>
+            <a:r>
+              <a:rPr lang="en-US" altLang="ko-KR" dirty="0">
+                <a:solidFill>
+                  <a:schemeClr val="bg1">
+                    <a:lumMod val="95000"/>
+                  </a:schemeClr>
+                </a:solidFill>
+              </a:rPr>
+              <a:t>1234 1234 1234 3334</a:t>
+            </a:r>
+            <a:r>
+              <a:rPr lang="ko-KR" altLang="en-US" dirty="0">
+                <a:solidFill>
+                  <a:schemeClr val="bg1">
+                    <a:lumMod val="95000"/>
+                  </a:schemeClr>
+                </a:solidFill>
+              </a:rPr>
+              <a:t>를 찾았을 때</a:t>
+            </a:r>
+            <a:r>
+              <a:rPr lang="en-US" altLang="ko-KR" dirty="0">
+                <a:solidFill>
+                  <a:schemeClr val="bg1">
+                    <a:lumMod val="95000"/>
+                  </a:schemeClr>
+                </a:solidFill>
+              </a:rPr>
+              <a:t>, </a:t>
+            </a:r>
+            <a:r>
+              <a:rPr lang="ko-KR" altLang="en-US" dirty="0">
+                <a:solidFill>
+                  <a:schemeClr val="bg1">
+                    <a:lumMod val="95000"/>
+                  </a:schemeClr>
+                </a:solidFill>
+              </a:rPr>
+              <a:t>인덱스</a:t>
+            </a:r>
+            <a:r>
+              <a:rPr lang="en-US" altLang="ko-KR" dirty="0">
+                <a:solidFill>
+                  <a:schemeClr val="bg1">
+                    <a:lumMod val="95000"/>
+                  </a:schemeClr>
+                </a:solidFill>
+              </a:rPr>
+              <a:t>[3334]</a:t>
+            </a:r>
+            <a:r>
+              <a:rPr lang="ko-KR" altLang="en-US" dirty="0">
+                <a:solidFill>
+                  <a:schemeClr val="bg1">
+                    <a:lumMod val="95000"/>
+                  </a:schemeClr>
+                </a:solidFill>
+              </a:rPr>
+              <a:t>의 값이 비어 있기 때문에 값을 참조하지 못하게 됩니다</a:t>
+            </a:r>
+            <a:r>
+              <a:rPr lang="en-US" altLang="ko-KR" dirty="0">
+                <a:solidFill>
+                  <a:schemeClr val="bg1">
+                    <a:lumMod val="95000"/>
+                  </a:schemeClr>
+                </a:solidFill>
+              </a:rPr>
+              <a:t>. </a:t>
+            </a:r>
+            <a:r>
+              <a:rPr lang="ko-KR" altLang="en-US" dirty="0">
+                <a:solidFill>
+                  <a:schemeClr val="bg1">
+                    <a:lumMod val="95000"/>
+                  </a:schemeClr>
+                </a:solidFill>
+              </a:rPr>
+              <a:t>그래서 </a:t>
+            </a:r>
+            <a:r>
+              <a:rPr lang="en-US" altLang="ko-KR" dirty="0">
+                <a:solidFill>
+                  <a:schemeClr val="bg1">
+                    <a:lumMod val="95000"/>
+                  </a:schemeClr>
+                </a:solidFill>
+              </a:rPr>
+              <a:t>Open Addressing</a:t>
+            </a:r>
+            <a:r>
+              <a:rPr lang="ko-KR" altLang="en-US" dirty="0">
+                <a:solidFill>
+                  <a:schemeClr val="bg1">
+                    <a:lumMod val="95000"/>
+                  </a:schemeClr>
+                </a:solidFill>
+              </a:rPr>
+              <a:t>기법에서는 값을 지울 때 쓰레기 값을 넣어줘야 합니다</a:t>
+            </a:r>
+            <a:r>
+              <a:rPr lang="en-US" altLang="ko-KR" dirty="0">
+                <a:solidFill>
+                  <a:schemeClr val="bg1">
+                    <a:lumMod val="95000"/>
+                  </a:schemeClr>
+                </a:solidFill>
+              </a:rPr>
+              <a:t>. </a:t>
+            </a:r>
+          </a:p>
+        </p:txBody>
+      </p:sp>
+      <p:graphicFrame>
+        <p:nvGraphicFramePr>
+          <p:cNvPr id="5" name="표 5">
+            <a:extLst>
+              <a:ext uri="{FF2B5EF4-FFF2-40B4-BE49-F238E27FC236}">
+                <a16:creationId xmlns:a16="http://schemas.microsoft.com/office/drawing/2014/main" id="{3BBB7B66-1DC8-F5A4-826A-07130A70E383}"/>
+              </a:ext>
+            </a:extLst>
+          </p:cNvPr>
+          <p:cNvGraphicFramePr>
+            <a:graphicFrameLocks noGrp="1"/>
+          </p:cNvGraphicFramePr>
+          <p:nvPr>
+            <p:extLst>
+              <p:ext uri="{D42A27DB-BD31-4B8C-83A1-F6EECF244321}">
+                <p14:modId xmlns:p14="http://schemas.microsoft.com/office/powerpoint/2010/main" val="1252480456"/>
+              </p:ext>
+            </p:extLst>
+          </p:nvPr>
+        </p:nvGraphicFramePr>
+        <p:xfrm>
+          <a:off x="1644071" y="1469813"/>
+          <a:ext cx="8128000" cy="1833880"/>
+        </p:xfrm>
+        <a:graphic>
+          <a:graphicData uri="http://schemas.openxmlformats.org/drawingml/2006/table">
+            <a:tbl>
+              <a:tblPr firstRow="1" bandRow="1">
+                <a:tableStyleId>{5C22544A-7EE6-4342-B048-85BDC9FD1C3A}</a:tableStyleId>
+              </a:tblPr>
+              <a:tblGrid>
+                <a:gridCol w="812800">
+                  <a:extLst>
+                    <a:ext uri="{9D8B030D-6E8A-4147-A177-3AD203B41FA5}">
+                      <a16:colId xmlns:a16="http://schemas.microsoft.com/office/drawing/2014/main" val="2598344309"/>
+                    </a:ext>
+                  </a:extLst>
+                </a:gridCol>
+                <a:gridCol w="812800">
+                  <a:extLst>
+                    <a:ext uri="{9D8B030D-6E8A-4147-A177-3AD203B41FA5}">
+                      <a16:colId xmlns:a16="http://schemas.microsoft.com/office/drawing/2014/main" val="605485509"/>
+                    </a:ext>
+                  </a:extLst>
+                </a:gridCol>
+                <a:gridCol w="812800">
+                  <a:extLst>
+                    <a:ext uri="{9D8B030D-6E8A-4147-A177-3AD203B41FA5}">
+                      <a16:colId xmlns:a16="http://schemas.microsoft.com/office/drawing/2014/main" val="2722362735"/>
+                    </a:ext>
+                  </a:extLst>
+                </a:gridCol>
+                <a:gridCol w="812800">
+                  <a:extLst>
+                    <a:ext uri="{9D8B030D-6E8A-4147-A177-3AD203B41FA5}">
+                      <a16:colId xmlns:a16="http://schemas.microsoft.com/office/drawing/2014/main" val="83831864"/>
+                    </a:ext>
+                  </a:extLst>
+                </a:gridCol>
+                <a:gridCol w="812800">
+                  <a:extLst>
+                    <a:ext uri="{9D8B030D-6E8A-4147-A177-3AD203B41FA5}">
+                      <a16:colId xmlns:a16="http://schemas.microsoft.com/office/drawing/2014/main" val="2270492597"/>
+                    </a:ext>
+                  </a:extLst>
+                </a:gridCol>
+                <a:gridCol w="812800">
+                  <a:extLst>
+                    <a:ext uri="{9D8B030D-6E8A-4147-A177-3AD203B41FA5}">
+                      <a16:colId xmlns:a16="http://schemas.microsoft.com/office/drawing/2014/main" val="2835377339"/>
+                    </a:ext>
+                  </a:extLst>
+                </a:gridCol>
+                <a:gridCol w="812800">
+                  <a:extLst>
+                    <a:ext uri="{9D8B030D-6E8A-4147-A177-3AD203B41FA5}">
+                      <a16:colId xmlns:a16="http://schemas.microsoft.com/office/drawing/2014/main" val="3339377687"/>
+                    </a:ext>
+                  </a:extLst>
+                </a:gridCol>
+                <a:gridCol w="812800">
+                  <a:extLst>
+                    <a:ext uri="{9D8B030D-6E8A-4147-A177-3AD203B41FA5}">
+                      <a16:colId xmlns:a16="http://schemas.microsoft.com/office/drawing/2014/main" val="1522430985"/>
+                    </a:ext>
+                  </a:extLst>
+                </a:gridCol>
+                <a:gridCol w="812800">
+                  <a:extLst>
+                    <a:ext uri="{9D8B030D-6E8A-4147-A177-3AD203B41FA5}">
+                      <a16:colId xmlns:a16="http://schemas.microsoft.com/office/drawing/2014/main" val="768155208"/>
+                    </a:ext>
+                  </a:extLst>
+                </a:gridCol>
+                <a:gridCol w="812800">
+                  <a:extLst>
+                    <a:ext uri="{9D8B030D-6E8A-4147-A177-3AD203B41FA5}">
+                      <a16:colId xmlns:a16="http://schemas.microsoft.com/office/drawing/2014/main" val="3345680187"/>
+                    </a:ext>
+                  </a:extLst>
+                </a:gridCol>
+              </a:tblGrid>
+              <a:tr h="370840">
+                <a:tc>
+                  <a:txBody>
+                    <a:bodyPr/>
+                    <a:lstStyle/>
+                    <a:p>
+                      <a:pPr algn="ctr" latinLnBrk="1"/>
+                      <a:r>
+                        <a:rPr lang="en-US" altLang="ko-KR" dirty="0"/>
+                        <a:t>0000</a:t>
+                      </a:r>
+                      <a:endParaRPr lang="ko-KR" altLang="en-US" dirty="0"/>
+                    </a:p>
+                  </a:txBody>
+                  <a:tcPr/>
+                </a:tc>
+                <a:tc>
+                  <a:txBody>
+                    <a:bodyPr/>
+                    <a:lstStyle/>
+                    <a:p>
+                      <a:pPr algn="ctr" latinLnBrk="1"/>
+                      <a:r>
+                        <a:rPr lang="en-US" altLang="ko-KR" dirty="0"/>
+                        <a:t>0001</a:t>
+                      </a:r>
+                      <a:endParaRPr lang="ko-KR" altLang="en-US" dirty="0"/>
+                    </a:p>
+                  </a:txBody>
+                  <a:tcPr/>
+                </a:tc>
+                <a:tc>
+                  <a:txBody>
+                    <a:bodyPr/>
+                    <a:lstStyle/>
+                    <a:p>
+                      <a:pPr algn="ctr" latinLnBrk="1"/>
+                      <a:r>
+                        <a:rPr lang="en-US" altLang="ko-KR" dirty="0"/>
+                        <a:t>…</a:t>
+                      </a:r>
+                      <a:endParaRPr lang="ko-KR" altLang="en-US" dirty="0"/>
+                    </a:p>
+                  </a:txBody>
+                  <a:tcPr/>
+                </a:tc>
+                <a:tc>
+                  <a:txBody>
+                    <a:bodyPr/>
+                    <a:lstStyle/>
+                    <a:p>
+                      <a:pPr algn="ctr" latinLnBrk="1"/>
+                      <a:r>
+                        <a:rPr lang="en-US" altLang="ko-KR" dirty="0"/>
+                        <a:t>3333</a:t>
+                      </a:r>
+                      <a:endParaRPr lang="ko-KR" altLang="en-US" dirty="0"/>
+                    </a:p>
+                  </a:txBody>
+                  <a:tcPr/>
+                </a:tc>
+                <a:tc>
+                  <a:txBody>
+                    <a:bodyPr/>
+                    <a:lstStyle/>
+                    <a:p>
+                      <a:pPr algn="ctr" latinLnBrk="1"/>
+                      <a:r>
+                        <a:rPr lang="en-US" altLang="ko-KR" dirty="0"/>
+                        <a:t>3334</a:t>
+                      </a:r>
+                      <a:endParaRPr lang="ko-KR" altLang="en-US" dirty="0"/>
+                    </a:p>
+                  </a:txBody>
+                  <a:tcPr/>
+                </a:tc>
+                <a:tc>
+                  <a:txBody>
+                    <a:bodyPr/>
+                    <a:lstStyle/>
+                    <a:p>
+                      <a:pPr algn="ctr" latinLnBrk="1"/>
+                      <a:r>
+                        <a:rPr lang="en-US" altLang="ko-KR" dirty="0"/>
+                        <a:t>3335</a:t>
+                      </a:r>
+                      <a:endParaRPr lang="ko-KR" altLang="en-US" dirty="0"/>
+                    </a:p>
+                  </a:txBody>
+                  <a:tcPr/>
+                </a:tc>
+                <a:tc>
+                  <a:txBody>
+                    <a:bodyPr/>
+                    <a:lstStyle/>
+                    <a:p>
+                      <a:pPr algn="ctr" latinLnBrk="1"/>
+                      <a:r>
+                        <a:rPr lang="en-US" altLang="ko-KR" dirty="0"/>
+                        <a:t>3336</a:t>
+                      </a:r>
+                      <a:endParaRPr lang="ko-KR" altLang="en-US" dirty="0"/>
+                    </a:p>
+                  </a:txBody>
+                  <a:tcPr/>
+                </a:tc>
+                <a:tc>
+                  <a:txBody>
+                    <a:bodyPr/>
+                    <a:lstStyle/>
+                    <a:p>
+                      <a:pPr algn="ctr" latinLnBrk="1"/>
+                      <a:r>
+                        <a:rPr lang="en-US" altLang="ko-KR" dirty="0"/>
+                        <a:t>3337</a:t>
+                      </a:r>
+                      <a:endParaRPr lang="ko-KR" altLang="en-US" dirty="0"/>
+                    </a:p>
+                  </a:txBody>
+                  <a:tcPr/>
+                </a:tc>
+                <a:tc>
+                  <a:txBody>
+                    <a:bodyPr/>
+                    <a:lstStyle/>
+                    <a:p>
+                      <a:pPr algn="ctr" latinLnBrk="1"/>
+                      <a:r>
+                        <a:rPr lang="en-US" altLang="ko-KR" dirty="0"/>
+                        <a:t>…</a:t>
+                      </a:r>
+                      <a:endParaRPr lang="ko-KR" altLang="en-US" dirty="0"/>
+                    </a:p>
+                  </a:txBody>
+                  <a:tcPr/>
+                </a:tc>
+                <a:tc>
+                  <a:txBody>
+                    <a:bodyPr/>
+                    <a:lstStyle/>
+                    <a:p>
+                      <a:pPr algn="ctr" latinLnBrk="1"/>
+                      <a:r>
+                        <a:rPr lang="en-US" altLang="ko-KR" dirty="0"/>
+                        <a:t>9999</a:t>
+                      </a:r>
+                      <a:endParaRPr lang="ko-KR" altLang="en-US" dirty="0"/>
+                    </a:p>
+                  </a:txBody>
+                  <a:tcPr/>
+                </a:tc>
+                <a:extLst>
+                  <a:ext uri="{0D108BD9-81ED-4DB2-BD59-A6C34878D82A}">
+                    <a16:rowId xmlns:a16="http://schemas.microsoft.com/office/drawing/2014/main" val="1918671685"/>
+                  </a:ext>
+                </a:extLst>
+              </a:tr>
+              <a:tr h="370840">
+                <a:tc>
+                  <a:txBody>
+                    <a:bodyPr/>
+                    <a:lstStyle/>
+                    <a:p>
+                      <a:pPr algn="ctr" latinLnBrk="1"/>
+                      <a:endParaRPr lang="ko-KR" altLang="en-US"/>
+                    </a:p>
+                  </a:txBody>
+                  <a:tcPr/>
+                </a:tc>
+                <a:tc>
+                  <a:txBody>
+                    <a:bodyPr/>
+                    <a:lstStyle/>
+                    <a:p>
+                      <a:pPr algn="ctr" latinLnBrk="1"/>
+                      <a:endParaRPr lang="ko-KR" altLang="en-US"/>
+                    </a:p>
+                  </a:txBody>
+                  <a:tcPr/>
+                </a:tc>
+                <a:tc>
+                  <a:txBody>
+                    <a:bodyPr/>
+                    <a:lstStyle/>
+                    <a:p>
+                      <a:pPr algn="ctr" latinLnBrk="1"/>
+                      <a:endParaRPr lang="ko-KR" altLang="en-US"/>
+                    </a:p>
+                  </a:txBody>
+                  <a:tcPr/>
+                </a:tc>
+                <a:tc>
+                  <a:txBody>
+                    <a:bodyPr/>
+                    <a:lstStyle/>
+                    <a:p>
+                      <a:pPr algn="ctr" latinLnBrk="1"/>
+                      <a:r>
+                        <a:rPr lang="en-US" altLang="ko-KR" dirty="0"/>
+                        <a:t>0000 0000 0000 3333 Kim</a:t>
+                      </a:r>
+                      <a:endParaRPr lang="ko-KR" altLang="en-US" dirty="0"/>
+                    </a:p>
+                  </a:txBody>
+                  <a:tcPr/>
+                </a:tc>
+                <a:tc>
+                  <a:txBody>
+                    <a:bodyPr/>
+                    <a:lstStyle/>
+                    <a:p>
+                      <a:pPr algn="ctr" latinLnBrk="1"/>
+                      <a:r>
+                        <a:rPr lang="en-US" altLang="ko-KR" dirty="0"/>
+                        <a:t>1234 1234 1234 3333 kang </a:t>
+                      </a:r>
+                      <a:endParaRPr lang="ko-KR" altLang="en-US" dirty="0"/>
+                    </a:p>
+                  </a:txBody>
+                  <a:tcPr/>
+                </a:tc>
+                <a:tc>
+                  <a:txBody>
+                    <a:bodyPr/>
+                    <a:lstStyle/>
+                    <a:p>
+                      <a:pPr algn="ctr" latinLnBrk="1"/>
+                      <a:r>
+                        <a:rPr lang="en-US" altLang="ko-KR" dirty="0"/>
+                        <a:t>1234 1234 0000 3333 lee</a:t>
+                      </a:r>
+                      <a:endParaRPr lang="ko-KR" altLang="en-US" dirty="0"/>
+                    </a:p>
+                  </a:txBody>
+                  <a:tcPr/>
+                </a:tc>
+                <a:tc>
+                  <a:txBody>
+                    <a:bodyPr/>
+                    <a:lstStyle/>
+                    <a:p>
+                      <a:pPr algn="ctr" latinLnBrk="1"/>
+                      <a:r>
+                        <a:rPr lang="en-US" altLang="ko-KR" dirty="0"/>
+                        <a:t>1234 1234 1234 3334</a:t>
+                      </a:r>
+                      <a:endParaRPr lang="ko-KR" altLang="en-US" dirty="0"/>
+                    </a:p>
+                  </a:txBody>
+                  <a:tcPr/>
+                </a:tc>
+                <a:tc>
+                  <a:txBody>
+                    <a:bodyPr/>
+                    <a:lstStyle/>
+                    <a:p>
+                      <a:pPr algn="ctr" latinLnBrk="1"/>
+                      <a:endParaRPr lang="ko-KR" altLang="en-US"/>
+                    </a:p>
+                  </a:txBody>
+                  <a:tcPr/>
+                </a:tc>
+                <a:tc>
+                  <a:txBody>
+                    <a:bodyPr/>
+                    <a:lstStyle/>
+                    <a:p>
+                      <a:pPr algn="ctr" latinLnBrk="1"/>
+                      <a:endParaRPr lang="ko-KR" altLang="en-US"/>
+                    </a:p>
+                  </a:txBody>
+                  <a:tcPr/>
+                </a:tc>
+                <a:tc>
+                  <a:txBody>
+                    <a:bodyPr/>
+                    <a:lstStyle/>
+                    <a:p>
+                      <a:pPr algn="ctr" latinLnBrk="1"/>
+                      <a:endParaRPr lang="ko-KR" altLang="en-US" dirty="0"/>
+                    </a:p>
+                  </a:txBody>
+                  <a:tcPr/>
+                </a:tc>
+                <a:extLst>
+                  <a:ext uri="{0D108BD9-81ED-4DB2-BD59-A6C34878D82A}">
+                    <a16:rowId xmlns:a16="http://schemas.microsoft.com/office/drawing/2014/main" val="765872613"/>
+                  </a:ext>
+                </a:extLst>
+              </a:tr>
+            </a:tbl>
+          </a:graphicData>
+        </a:graphic>
+      </p:graphicFrame>
+      <p:sp>
+        <p:nvSpPr>
+          <p:cNvPr id="6" name="TextBox 5">
+            <a:extLst>
+              <a:ext uri="{FF2B5EF4-FFF2-40B4-BE49-F238E27FC236}">
+                <a16:creationId xmlns:a16="http://schemas.microsoft.com/office/drawing/2014/main" id="{DBC04F6B-55F5-2E98-D9DF-BC8173DDEC60}"/>
+              </a:ext>
+            </a:extLst>
+          </p:cNvPr>
+          <p:cNvSpPr txBox="1"/>
+          <p:nvPr/>
+        </p:nvSpPr>
+        <p:spPr>
+          <a:xfrm>
+            <a:off x="457227" y="514924"/>
+            <a:ext cx="10656277" cy="574966"/>
+          </a:xfrm>
+          <a:prstGeom prst="rect">
+            <a:avLst/>
+          </a:prstGeom>
+          <a:noFill/>
+        </p:spPr>
+        <p:txBody>
+          <a:bodyPr wrap="square" rtlCol="0">
+            <a:spAutoFit/>
+          </a:bodyPr>
+          <a:lstStyle/>
+          <a:p>
+            <a:pPr marL="285750" indent="-285750">
+              <a:lnSpc>
+                <a:spcPct val="150000"/>
+              </a:lnSpc>
+              <a:buFont typeface="Arial" panose="020B0604020202020204" pitchFamily="34" charset="0"/>
+              <a:buChar char="•"/>
+            </a:pPr>
+            <a:r>
+              <a:rPr lang="en-US" altLang="ko-KR" sz="2400" dirty="0">
+                <a:solidFill>
+                  <a:schemeClr val="bg1">
+                    <a:lumMod val="95000"/>
+                  </a:schemeClr>
+                </a:solidFill>
+              </a:rPr>
+              <a:t>Erase</a:t>
+            </a:r>
+            <a:endParaRPr lang="en-US" altLang="ko-KR" dirty="0">
+              <a:solidFill>
+                <a:schemeClr val="bg1">
+                  <a:lumMod val="95000"/>
+                </a:schemeClr>
+              </a:solidFill>
+            </a:endParaRPr>
+          </a:p>
+        </p:txBody>
+      </p:sp>
+      <p:sp>
+        <p:nvSpPr>
+          <p:cNvPr id="2" name="사각형: 둥근 모서리 1">
+            <a:extLst>
+              <a:ext uri="{FF2B5EF4-FFF2-40B4-BE49-F238E27FC236}">
+                <a16:creationId xmlns:a16="http://schemas.microsoft.com/office/drawing/2014/main" id="{2B7478A0-E62A-0835-AFC2-5F7A1C888F76}"/>
+              </a:ext>
+            </a:extLst>
+          </p:cNvPr>
+          <p:cNvSpPr/>
+          <p:nvPr/>
+        </p:nvSpPr>
+        <p:spPr>
+          <a:xfrm>
+            <a:off x="4922980" y="1801090"/>
+            <a:ext cx="738909" cy="1428711"/>
+          </a:xfrm>
+          <a:prstGeom prst="roundRect">
+            <a:avLst/>
+          </a:prstGeom>
+          <a:noFill/>
+          <a:ln>
+            <a:solidFill>
+              <a:srgbClr val="FF0000"/>
+            </a:solidFill>
+          </a:ln>
+        </p:spPr>
+        <p:style>
+          <a:lnRef idx="2">
+            <a:schemeClr val="accent1">
+              <a:shade val="50000"/>
+            </a:schemeClr>
+          </a:lnRef>
+          <a:fillRef idx="1">
+            <a:schemeClr val="accent1"/>
+          </a:fillRef>
+          <a:effectRef idx="0">
+            <a:schemeClr val="accent1"/>
+          </a:effectRef>
+          <a:fontRef idx="minor">
+            <a:schemeClr val="lt1"/>
+          </a:fontRef>
+        </p:style>
+        <p:txBody>
+          <a:bodyPr rtlCol="0" anchor="ctr"/>
+          <a:lstStyle/>
+          <a:p>
+            <a:pPr algn="ctr"/>
+            <a:endParaRPr lang="ko-KR" altLang="en-US"/>
+          </a:p>
+        </p:txBody>
+      </p:sp>
+    </p:spTree>
+    <p:extLst>
+      <p:ext uri="{BB962C8B-B14F-4D97-AF65-F5344CB8AC3E}">
+        <p14:creationId xmlns:p14="http://schemas.microsoft.com/office/powerpoint/2010/main" val="488631595"/>
+      </p:ext>
+    </p:extLst>
+  </p:cSld>
+  <p:clrMapOvr>
+    <a:masterClrMapping/>
+  </p:clrMapOvr>
+</p:sld>
+</file>
+
+<file path=ppt/slides/slide16.xml><?xml version="1.0" encoding="utf-8"?>
+<p:sld xmlns:a="http://schemas.openxmlformats.org/drawingml/2006/main" xmlns:r="http://schemas.openxmlformats.org/officeDocument/2006/relationships" xmlns:p="http://schemas.openxmlformats.org/presentationml/2006/main">
+  <p:cSld>
+    <p:bg>
+      <p:bgPr>
+        <a:solidFill>
+          <a:schemeClr val="tx2">
+            <a:lumMod val="50000"/>
+          </a:schemeClr>
+        </a:solidFill>
+        <a:effectLst/>
+      </p:bgPr>
+    </p:bg>
+    <p:spTree>
+      <p:nvGrpSpPr>
+        <p:cNvPr id="1" name=""/>
+        <p:cNvGrpSpPr/>
+        <p:nvPr/>
+      </p:nvGrpSpPr>
+      <p:grpSpPr>
+        <a:xfrm>
+          <a:off x="0" y="0"/>
+          <a:ext cx="0" cy="0"/>
+          <a:chOff x="0" y="0"/>
+          <a:chExt cx="0" cy="0"/>
+        </a:xfrm>
+      </p:grpSpPr>
+      <p:sp>
+        <p:nvSpPr>
+          <p:cNvPr id="4" name="TextBox 3">
+            <a:extLst>
+              <a:ext uri="{FF2B5EF4-FFF2-40B4-BE49-F238E27FC236}">
+                <a16:creationId xmlns:a16="http://schemas.microsoft.com/office/drawing/2014/main" id="{12134F02-23BC-E363-5DAD-F1B26739269D}"/>
+              </a:ext>
+            </a:extLst>
+          </p:cNvPr>
+          <p:cNvSpPr txBox="1"/>
+          <p:nvPr/>
+        </p:nvSpPr>
+        <p:spPr>
+          <a:xfrm>
+            <a:off x="457227" y="3683616"/>
+            <a:ext cx="11005100" cy="1700787"/>
+          </a:xfrm>
+          <a:prstGeom prst="rect">
+            <a:avLst/>
+          </a:prstGeom>
+          <a:noFill/>
+        </p:spPr>
+        <p:txBody>
+          <a:bodyPr wrap="square" rtlCol="0">
+            <a:spAutoFit/>
+          </a:bodyPr>
+          <a:lstStyle/>
+          <a:p>
+            <a:pPr marL="742950" lvl="1" indent="-285750">
+              <a:lnSpc>
+                <a:spcPct val="150000"/>
+              </a:lnSpc>
+              <a:buFont typeface="Arial" panose="020B0604020202020204" pitchFamily="34" charset="0"/>
+              <a:buChar char="•"/>
+            </a:pPr>
+            <a:r>
+              <a:rPr lang="en-US" altLang="ko-KR" dirty="0">
+                <a:solidFill>
+                  <a:schemeClr val="bg1">
+                    <a:lumMod val="95000"/>
+                  </a:schemeClr>
+                </a:solidFill>
+              </a:rPr>
+              <a:t>Open Addressing</a:t>
+            </a:r>
+            <a:r>
+              <a:rPr lang="ko-KR" altLang="en-US" dirty="0">
+                <a:solidFill>
+                  <a:schemeClr val="bg1">
+                    <a:lumMod val="95000"/>
+                  </a:schemeClr>
+                </a:solidFill>
+              </a:rPr>
+              <a:t>에서는 삭제 연산이 꽤 중요합니다</a:t>
+            </a:r>
+            <a:r>
+              <a:rPr lang="en-US" altLang="ko-KR" dirty="0">
+                <a:solidFill>
+                  <a:schemeClr val="bg1">
+                    <a:lumMod val="95000"/>
+                  </a:schemeClr>
+                </a:solidFill>
+              </a:rPr>
+              <a:t>. </a:t>
+            </a:r>
+            <a:r>
+              <a:rPr lang="ko-KR" altLang="en-US" dirty="0">
+                <a:solidFill>
+                  <a:schemeClr val="bg1">
+                    <a:lumMod val="95000"/>
+                  </a:schemeClr>
+                </a:solidFill>
+              </a:rPr>
+              <a:t>예를 들어 위와 같은 상황에서 </a:t>
+            </a:r>
+            <a:r>
+              <a:rPr lang="en-US" altLang="ko-KR" dirty="0">
+                <a:solidFill>
+                  <a:schemeClr val="bg1">
+                    <a:lumMod val="95000"/>
+                  </a:schemeClr>
+                </a:solidFill>
+              </a:rPr>
+              <a:t>1234 1234 1234 3333</a:t>
+            </a:r>
+            <a:r>
+              <a:rPr lang="ko-KR" altLang="en-US" dirty="0">
+                <a:solidFill>
+                  <a:schemeClr val="bg1">
+                    <a:lumMod val="95000"/>
+                  </a:schemeClr>
+                </a:solidFill>
+              </a:rPr>
+              <a:t>을 삭제하는 연산을 한다고 했을 때</a:t>
+            </a:r>
+            <a:r>
+              <a:rPr lang="en-US" altLang="ko-KR" dirty="0">
+                <a:solidFill>
+                  <a:schemeClr val="bg1">
+                    <a:lumMod val="95000"/>
+                  </a:schemeClr>
+                </a:solidFill>
+              </a:rPr>
+              <a:t>, </a:t>
+            </a:r>
+            <a:r>
+              <a:rPr lang="ko-KR" altLang="en-US" dirty="0">
+                <a:solidFill>
+                  <a:schemeClr val="bg1">
+                    <a:lumMod val="95000"/>
+                  </a:schemeClr>
+                </a:solidFill>
+              </a:rPr>
+              <a:t>인덱스 </a:t>
+            </a:r>
+            <a:r>
+              <a:rPr lang="en-US" altLang="ko-KR" dirty="0">
+                <a:solidFill>
+                  <a:schemeClr val="bg1">
+                    <a:lumMod val="95000"/>
+                  </a:schemeClr>
+                </a:solidFill>
+              </a:rPr>
+              <a:t>[3334]</a:t>
+            </a:r>
+            <a:r>
+              <a:rPr lang="ko-KR" altLang="en-US" dirty="0">
+                <a:solidFill>
+                  <a:schemeClr val="bg1">
+                    <a:lumMod val="95000"/>
+                  </a:schemeClr>
+                </a:solidFill>
+              </a:rPr>
+              <a:t>를 그냥 찾아서 삭제하게 되면</a:t>
+            </a:r>
+            <a:r>
+              <a:rPr lang="en-US" altLang="ko-KR" dirty="0">
+                <a:solidFill>
+                  <a:schemeClr val="bg1">
+                    <a:lumMod val="95000"/>
+                  </a:schemeClr>
+                </a:solidFill>
+              </a:rPr>
+              <a:t>, </a:t>
+            </a:r>
+            <a:r>
+              <a:rPr lang="ko-KR" altLang="en-US" dirty="0">
+                <a:solidFill>
+                  <a:schemeClr val="bg1">
+                    <a:lumMod val="95000"/>
+                  </a:schemeClr>
+                </a:solidFill>
+              </a:rPr>
+              <a:t>추후에 </a:t>
+            </a:r>
+            <a:r>
+              <a:rPr lang="en-US" altLang="ko-KR" dirty="0">
+                <a:solidFill>
+                  <a:schemeClr val="bg1">
+                    <a:lumMod val="95000"/>
+                  </a:schemeClr>
+                </a:solidFill>
+              </a:rPr>
+              <a:t>1234 1234 1234 3334</a:t>
+            </a:r>
+            <a:r>
+              <a:rPr lang="ko-KR" altLang="en-US" dirty="0">
+                <a:solidFill>
+                  <a:schemeClr val="bg1">
+                    <a:lumMod val="95000"/>
+                  </a:schemeClr>
+                </a:solidFill>
+              </a:rPr>
+              <a:t>를 찾았을 때</a:t>
+            </a:r>
+            <a:r>
+              <a:rPr lang="en-US" altLang="ko-KR" dirty="0">
+                <a:solidFill>
+                  <a:schemeClr val="bg1">
+                    <a:lumMod val="95000"/>
+                  </a:schemeClr>
+                </a:solidFill>
+              </a:rPr>
+              <a:t>, </a:t>
+            </a:r>
+            <a:r>
+              <a:rPr lang="ko-KR" altLang="en-US" dirty="0">
+                <a:solidFill>
+                  <a:schemeClr val="bg1">
+                    <a:lumMod val="95000"/>
+                  </a:schemeClr>
+                </a:solidFill>
+              </a:rPr>
+              <a:t>인덱스</a:t>
+            </a:r>
+            <a:r>
+              <a:rPr lang="en-US" altLang="ko-KR" dirty="0">
+                <a:solidFill>
+                  <a:schemeClr val="bg1">
+                    <a:lumMod val="95000"/>
+                  </a:schemeClr>
+                </a:solidFill>
+              </a:rPr>
+              <a:t>[3334]</a:t>
+            </a:r>
+            <a:r>
+              <a:rPr lang="ko-KR" altLang="en-US" dirty="0">
+                <a:solidFill>
+                  <a:schemeClr val="bg1">
+                    <a:lumMod val="95000"/>
+                  </a:schemeClr>
+                </a:solidFill>
+              </a:rPr>
+              <a:t>의 값이 비어 있기 때문에 값을 참조하지 못하게 됩니다</a:t>
+            </a:r>
+            <a:r>
+              <a:rPr lang="en-US" altLang="ko-KR" dirty="0">
+                <a:solidFill>
+                  <a:schemeClr val="bg1">
+                    <a:lumMod val="95000"/>
+                  </a:schemeClr>
+                </a:solidFill>
+              </a:rPr>
+              <a:t>. </a:t>
+            </a:r>
+            <a:r>
+              <a:rPr lang="ko-KR" altLang="en-US" dirty="0">
+                <a:solidFill>
+                  <a:schemeClr val="bg1">
+                    <a:lumMod val="95000"/>
+                  </a:schemeClr>
+                </a:solidFill>
+              </a:rPr>
+              <a:t>그래서 </a:t>
+            </a:r>
+            <a:r>
+              <a:rPr lang="en-US" altLang="ko-KR" dirty="0">
+                <a:solidFill>
+                  <a:schemeClr val="bg1">
+                    <a:lumMod val="95000"/>
+                  </a:schemeClr>
+                </a:solidFill>
+              </a:rPr>
+              <a:t>Open Addressing</a:t>
+            </a:r>
+            <a:r>
+              <a:rPr lang="ko-KR" altLang="en-US" dirty="0">
+                <a:solidFill>
+                  <a:schemeClr val="bg1">
+                    <a:lumMod val="95000"/>
+                  </a:schemeClr>
+                </a:solidFill>
+              </a:rPr>
+              <a:t>기법에서는 값을 지울 때 쓰레기 값을 넣어줘야 합니다</a:t>
+            </a:r>
+            <a:r>
+              <a:rPr lang="en-US" altLang="ko-KR" dirty="0">
+                <a:solidFill>
+                  <a:schemeClr val="bg1">
+                    <a:lumMod val="95000"/>
+                  </a:schemeClr>
+                </a:solidFill>
+              </a:rPr>
+              <a:t>. </a:t>
+            </a:r>
+          </a:p>
+        </p:txBody>
+      </p:sp>
+      <p:graphicFrame>
+        <p:nvGraphicFramePr>
+          <p:cNvPr id="5" name="표 5">
+            <a:extLst>
+              <a:ext uri="{FF2B5EF4-FFF2-40B4-BE49-F238E27FC236}">
+                <a16:creationId xmlns:a16="http://schemas.microsoft.com/office/drawing/2014/main" id="{3BBB7B66-1DC8-F5A4-826A-07130A70E383}"/>
+              </a:ext>
+            </a:extLst>
+          </p:cNvPr>
+          <p:cNvGraphicFramePr>
+            <a:graphicFrameLocks noGrp="1"/>
+          </p:cNvGraphicFramePr>
+          <p:nvPr/>
+        </p:nvGraphicFramePr>
+        <p:xfrm>
+          <a:off x="1644071" y="1469813"/>
+          <a:ext cx="8128000" cy="1833880"/>
+        </p:xfrm>
+        <a:graphic>
+          <a:graphicData uri="http://schemas.openxmlformats.org/drawingml/2006/table">
+            <a:tbl>
+              <a:tblPr firstRow="1" bandRow="1">
+                <a:tableStyleId>{5C22544A-7EE6-4342-B048-85BDC9FD1C3A}</a:tableStyleId>
+              </a:tblPr>
+              <a:tblGrid>
+                <a:gridCol w="812800">
+                  <a:extLst>
+                    <a:ext uri="{9D8B030D-6E8A-4147-A177-3AD203B41FA5}">
+                      <a16:colId xmlns:a16="http://schemas.microsoft.com/office/drawing/2014/main" val="2598344309"/>
+                    </a:ext>
+                  </a:extLst>
+                </a:gridCol>
+                <a:gridCol w="812800">
+                  <a:extLst>
+                    <a:ext uri="{9D8B030D-6E8A-4147-A177-3AD203B41FA5}">
+                      <a16:colId xmlns:a16="http://schemas.microsoft.com/office/drawing/2014/main" val="605485509"/>
+                    </a:ext>
+                  </a:extLst>
+                </a:gridCol>
+                <a:gridCol w="812800">
+                  <a:extLst>
+                    <a:ext uri="{9D8B030D-6E8A-4147-A177-3AD203B41FA5}">
+                      <a16:colId xmlns:a16="http://schemas.microsoft.com/office/drawing/2014/main" val="2722362735"/>
+                    </a:ext>
+                  </a:extLst>
+                </a:gridCol>
+                <a:gridCol w="812800">
+                  <a:extLst>
+                    <a:ext uri="{9D8B030D-6E8A-4147-A177-3AD203B41FA5}">
+                      <a16:colId xmlns:a16="http://schemas.microsoft.com/office/drawing/2014/main" val="83831864"/>
+                    </a:ext>
+                  </a:extLst>
+                </a:gridCol>
+                <a:gridCol w="812800">
+                  <a:extLst>
+                    <a:ext uri="{9D8B030D-6E8A-4147-A177-3AD203B41FA5}">
+                      <a16:colId xmlns:a16="http://schemas.microsoft.com/office/drawing/2014/main" val="2270492597"/>
+                    </a:ext>
+                  </a:extLst>
+                </a:gridCol>
+                <a:gridCol w="812800">
+                  <a:extLst>
+                    <a:ext uri="{9D8B030D-6E8A-4147-A177-3AD203B41FA5}">
+                      <a16:colId xmlns:a16="http://schemas.microsoft.com/office/drawing/2014/main" val="2835377339"/>
+                    </a:ext>
+                  </a:extLst>
+                </a:gridCol>
+                <a:gridCol w="812800">
+                  <a:extLst>
+                    <a:ext uri="{9D8B030D-6E8A-4147-A177-3AD203B41FA5}">
+                      <a16:colId xmlns:a16="http://schemas.microsoft.com/office/drawing/2014/main" val="3339377687"/>
+                    </a:ext>
+                  </a:extLst>
+                </a:gridCol>
+                <a:gridCol w="812800">
+                  <a:extLst>
+                    <a:ext uri="{9D8B030D-6E8A-4147-A177-3AD203B41FA5}">
+                      <a16:colId xmlns:a16="http://schemas.microsoft.com/office/drawing/2014/main" val="1522430985"/>
+                    </a:ext>
+                  </a:extLst>
+                </a:gridCol>
+                <a:gridCol w="812800">
+                  <a:extLst>
+                    <a:ext uri="{9D8B030D-6E8A-4147-A177-3AD203B41FA5}">
+                      <a16:colId xmlns:a16="http://schemas.microsoft.com/office/drawing/2014/main" val="768155208"/>
+                    </a:ext>
+                  </a:extLst>
+                </a:gridCol>
+                <a:gridCol w="812800">
+                  <a:extLst>
+                    <a:ext uri="{9D8B030D-6E8A-4147-A177-3AD203B41FA5}">
+                      <a16:colId xmlns:a16="http://schemas.microsoft.com/office/drawing/2014/main" val="3345680187"/>
+                    </a:ext>
+                  </a:extLst>
+                </a:gridCol>
+              </a:tblGrid>
+              <a:tr h="370840">
+                <a:tc>
+                  <a:txBody>
+                    <a:bodyPr/>
+                    <a:lstStyle/>
+                    <a:p>
+                      <a:pPr algn="ctr" latinLnBrk="1"/>
+                      <a:r>
+                        <a:rPr lang="en-US" altLang="ko-KR" dirty="0"/>
+                        <a:t>0000</a:t>
+                      </a:r>
+                      <a:endParaRPr lang="ko-KR" altLang="en-US" dirty="0"/>
+                    </a:p>
+                  </a:txBody>
+                  <a:tcPr/>
+                </a:tc>
+                <a:tc>
+                  <a:txBody>
+                    <a:bodyPr/>
+                    <a:lstStyle/>
+                    <a:p>
+                      <a:pPr algn="ctr" latinLnBrk="1"/>
+                      <a:r>
+                        <a:rPr lang="en-US" altLang="ko-KR" dirty="0"/>
+                        <a:t>0001</a:t>
+                      </a:r>
+                      <a:endParaRPr lang="ko-KR" altLang="en-US" dirty="0"/>
+                    </a:p>
+                  </a:txBody>
+                  <a:tcPr/>
+                </a:tc>
+                <a:tc>
+                  <a:txBody>
+                    <a:bodyPr/>
+                    <a:lstStyle/>
+                    <a:p>
+                      <a:pPr algn="ctr" latinLnBrk="1"/>
+                      <a:r>
+                        <a:rPr lang="en-US" altLang="ko-KR" dirty="0"/>
+                        <a:t>…</a:t>
+                      </a:r>
+                      <a:endParaRPr lang="ko-KR" altLang="en-US" dirty="0"/>
+                    </a:p>
+                  </a:txBody>
+                  <a:tcPr/>
+                </a:tc>
+                <a:tc>
+                  <a:txBody>
+                    <a:bodyPr/>
+                    <a:lstStyle/>
+                    <a:p>
+                      <a:pPr algn="ctr" latinLnBrk="1"/>
+                      <a:r>
+                        <a:rPr lang="en-US" altLang="ko-KR" dirty="0"/>
+                        <a:t>3333</a:t>
+                      </a:r>
+                      <a:endParaRPr lang="ko-KR" altLang="en-US" dirty="0"/>
+                    </a:p>
+                  </a:txBody>
+                  <a:tcPr/>
+                </a:tc>
+                <a:tc>
+                  <a:txBody>
+                    <a:bodyPr/>
+                    <a:lstStyle/>
+                    <a:p>
+                      <a:pPr algn="ctr" latinLnBrk="1"/>
+                      <a:r>
+                        <a:rPr lang="en-US" altLang="ko-KR" dirty="0"/>
+                        <a:t>3334</a:t>
+                      </a:r>
+                      <a:endParaRPr lang="ko-KR" altLang="en-US" dirty="0"/>
+                    </a:p>
+                  </a:txBody>
+                  <a:tcPr/>
+                </a:tc>
+                <a:tc>
+                  <a:txBody>
+                    <a:bodyPr/>
+                    <a:lstStyle/>
+                    <a:p>
+                      <a:pPr algn="ctr" latinLnBrk="1"/>
+                      <a:r>
+                        <a:rPr lang="en-US" altLang="ko-KR" dirty="0"/>
+                        <a:t>3335</a:t>
+                      </a:r>
+                      <a:endParaRPr lang="ko-KR" altLang="en-US" dirty="0"/>
+                    </a:p>
+                  </a:txBody>
+                  <a:tcPr/>
+                </a:tc>
+                <a:tc>
+                  <a:txBody>
+                    <a:bodyPr/>
+                    <a:lstStyle/>
+                    <a:p>
+                      <a:pPr algn="ctr" latinLnBrk="1"/>
+                      <a:r>
+                        <a:rPr lang="en-US" altLang="ko-KR" dirty="0"/>
+                        <a:t>3336</a:t>
+                      </a:r>
+                      <a:endParaRPr lang="ko-KR" altLang="en-US" dirty="0"/>
+                    </a:p>
+                  </a:txBody>
+                  <a:tcPr/>
+                </a:tc>
+                <a:tc>
+                  <a:txBody>
+                    <a:bodyPr/>
+                    <a:lstStyle/>
+                    <a:p>
+                      <a:pPr algn="ctr" latinLnBrk="1"/>
+                      <a:r>
+                        <a:rPr lang="en-US" altLang="ko-KR" dirty="0"/>
+                        <a:t>3337</a:t>
+                      </a:r>
+                      <a:endParaRPr lang="ko-KR" altLang="en-US" dirty="0"/>
+                    </a:p>
+                  </a:txBody>
+                  <a:tcPr/>
+                </a:tc>
+                <a:tc>
+                  <a:txBody>
+                    <a:bodyPr/>
+                    <a:lstStyle/>
+                    <a:p>
+                      <a:pPr algn="ctr" latinLnBrk="1"/>
+                      <a:r>
+                        <a:rPr lang="en-US" altLang="ko-KR" dirty="0"/>
+                        <a:t>…</a:t>
+                      </a:r>
+                      <a:endParaRPr lang="ko-KR" altLang="en-US" dirty="0"/>
+                    </a:p>
+                  </a:txBody>
+                  <a:tcPr/>
+                </a:tc>
+                <a:tc>
+                  <a:txBody>
+                    <a:bodyPr/>
+                    <a:lstStyle/>
+                    <a:p>
+                      <a:pPr algn="ctr" latinLnBrk="1"/>
+                      <a:r>
+                        <a:rPr lang="en-US" altLang="ko-KR" dirty="0"/>
+                        <a:t>9999</a:t>
+                      </a:r>
+                      <a:endParaRPr lang="ko-KR" altLang="en-US" dirty="0"/>
+                    </a:p>
+                  </a:txBody>
+                  <a:tcPr/>
+                </a:tc>
+                <a:extLst>
+                  <a:ext uri="{0D108BD9-81ED-4DB2-BD59-A6C34878D82A}">
+                    <a16:rowId xmlns:a16="http://schemas.microsoft.com/office/drawing/2014/main" val="1918671685"/>
+                  </a:ext>
+                </a:extLst>
+              </a:tr>
+              <a:tr h="370840">
+                <a:tc>
+                  <a:txBody>
+                    <a:bodyPr/>
+                    <a:lstStyle/>
+                    <a:p>
+                      <a:pPr algn="ctr" latinLnBrk="1"/>
+                      <a:endParaRPr lang="ko-KR" altLang="en-US"/>
+                    </a:p>
+                  </a:txBody>
+                  <a:tcPr/>
+                </a:tc>
+                <a:tc>
+                  <a:txBody>
+                    <a:bodyPr/>
+                    <a:lstStyle/>
+                    <a:p>
+                      <a:pPr algn="ctr" latinLnBrk="1"/>
+                      <a:endParaRPr lang="ko-KR" altLang="en-US"/>
+                    </a:p>
+                  </a:txBody>
+                  <a:tcPr/>
+                </a:tc>
+                <a:tc>
+                  <a:txBody>
+                    <a:bodyPr/>
+                    <a:lstStyle/>
+                    <a:p>
+                      <a:pPr algn="ctr" latinLnBrk="1"/>
+                      <a:endParaRPr lang="ko-KR" altLang="en-US"/>
+                    </a:p>
+                  </a:txBody>
+                  <a:tcPr/>
+                </a:tc>
+                <a:tc>
+                  <a:txBody>
+                    <a:bodyPr/>
+                    <a:lstStyle/>
+                    <a:p>
+                      <a:pPr algn="ctr" latinLnBrk="1"/>
+                      <a:r>
+                        <a:rPr lang="en-US" altLang="ko-KR" dirty="0"/>
+                        <a:t>0000 0000 0000 3333 Kim</a:t>
+                      </a:r>
+                      <a:endParaRPr lang="ko-KR" altLang="en-US" dirty="0"/>
+                    </a:p>
+                  </a:txBody>
+                  <a:tcPr/>
+                </a:tc>
+                <a:tc>
+                  <a:txBody>
+                    <a:bodyPr/>
+                    <a:lstStyle/>
+                    <a:p>
+                      <a:pPr algn="ctr" latinLnBrk="1"/>
+                      <a:r>
+                        <a:rPr lang="en-US" altLang="ko-KR" dirty="0"/>
+                        <a:t>1234 1234 1234 3333 kang </a:t>
+                      </a:r>
+                      <a:endParaRPr lang="ko-KR" altLang="en-US" dirty="0"/>
+                    </a:p>
+                  </a:txBody>
+                  <a:tcPr/>
+                </a:tc>
+                <a:tc>
+                  <a:txBody>
+                    <a:bodyPr/>
+                    <a:lstStyle/>
+                    <a:p>
+                      <a:pPr algn="ctr" latinLnBrk="1"/>
+                      <a:r>
+                        <a:rPr lang="en-US" altLang="ko-KR" dirty="0"/>
+                        <a:t>1234 1234 0000 3333 lee</a:t>
+                      </a:r>
+                      <a:endParaRPr lang="ko-KR" altLang="en-US" dirty="0"/>
+                    </a:p>
+                  </a:txBody>
+                  <a:tcPr/>
+                </a:tc>
+                <a:tc>
+                  <a:txBody>
+                    <a:bodyPr/>
+                    <a:lstStyle/>
+                    <a:p>
+                      <a:pPr algn="ctr" latinLnBrk="1"/>
+                      <a:r>
+                        <a:rPr lang="en-US" altLang="ko-KR" dirty="0"/>
+                        <a:t>1234 1234 1234 3334</a:t>
+                      </a:r>
+                      <a:endParaRPr lang="ko-KR" altLang="en-US" dirty="0"/>
+                    </a:p>
+                  </a:txBody>
+                  <a:tcPr/>
+                </a:tc>
+                <a:tc>
+                  <a:txBody>
+                    <a:bodyPr/>
+                    <a:lstStyle/>
+                    <a:p>
+                      <a:pPr algn="ctr" latinLnBrk="1"/>
+                      <a:endParaRPr lang="ko-KR" altLang="en-US"/>
+                    </a:p>
+                  </a:txBody>
+                  <a:tcPr/>
+                </a:tc>
+                <a:tc>
+                  <a:txBody>
+                    <a:bodyPr/>
+                    <a:lstStyle/>
+                    <a:p>
+                      <a:pPr algn="ctr" latinLnBrk="1"/>
+                      <a:endParaRPr lang="ko-KR" altLang="en-US"/>
+                    </a:p>
+                  </a:txBody>
+                  <a:tcPr/>
+                </a:tc>
+                <a:tc>
+                  <a:txBody>
+                    <a:bodyPr/>
+                    <a:lstStyle/>
+                    <a:p>
+                      <a:pPr algn="ctr" latinLnBrk="1"/>
+                      <a:endParaRPr lang="ko-KR" altLang="en-US" dirty="0"/>
+                    </a:p>
+                  </a:txBody>
+                  <a:tcPr/>
+                </a:tc>
+                <a:extLst>
+                  <a:ext uri="{0D108BD9-81ED-4DB2-BD59-A6C34878D82A}">
+                    <a16:rowId xmlns:a16="http://schemas.microsoft.com/office/drawing/2014/main" val="765872613"/>
+                  </a:ext>
+                </a:extLst>
+              </a:tr>
+            </a:tbl>
+          </a:graphicData>
+        </a:graphic>
+      </p:graphicFrame>
+      <p:sp>
+        <p:nvSpPr>
+          <p:cNvPr id="6" name="TextBox 5">
+            <a:extLst>
+              <a:ext uri="{FF2B5EF4-FFF2-40B4-BE49-F238E27FC236}">
+                <a16:creationId xmlns:a16="http://schemas.microsoft.com/office/drawing/2014/main" id="{DBC04F6B-55F5-2E98-D9DF-BC8173DDEC60}"/>
+              </a:ext>
+            </a:extLst>
+          </p:cNvPr>
+          <p:cNvSpPr txBox="1"/>
+          <p:nvPr/>
+        </p:nvSpPr>
+        <p:spPr>
+          <a:xfrm>
+            <a:off x="457227" y="514924"/>
+            <a:ext cx="10656277" cy="574966"/>
+          </a:xfrm>
+          <a:prstGeom prst="rect">
+            <a:avLst/>
+          </a:prstGeom>
+          <a:noFill/>
+        </p:spPr>
+        <p:txBody>
+          <a:bodyPr wrap="square" rtlCol="0">
+            <a:spAutoFit/>
+          </a:bodyPr>
+          <a:lstStyle/>
+          <a:p>
+            <a:pPr marL="285750" indent="-285750">
+              <a:lnSpc>
+                <a:spcPct val="150000"/>
+              </a:lnSpc>
+              <a:buFont typeface="Arial" panose="020B0604020202020204" pitchFamily="34" charset="0"/>
+              <a:buChar char="•"/>
+            </a:pPr>
+            <a:r>
+              <a:rPr lang="en-US" altLang="ko-KR" sz="2400" dirty="0">
+                <a:solidFill>
+                  <a:schemeClr val="bg1">
+                    <a:lumMod val="95000"/>
+                  </a:schemeClr>
+                </a:solidFill>
+              </a:rPr>
+              <a:t>Erase</a:t>
+            </a:r>
+            <a:endParaRPr lang="en-US" altLang="ko-KR" dirty="0">
+              <a:solidFill>
+                <a:schemeClr val="bg1">
+                  <a:lumMod val="95000"/>
+                </a:schemeClr>
+              </a:solidFill>
+            </a:endParaRPr>
+          </a:p>
+        </p:txBody>
+      </p:sp>
+      <p:sp>
+        <p:nvSpPr>
+          <p:cNvPr id="2" name="사각형: 둥근 모서리 1">
+            <a:extLst>
+              <a:ext uri="{FF2B5EF4-FFF2-40B4-BE49-F238E27FC236}">
+                <a16:creationId xmlns:a16="http://schemas.microsoft.com/office/drawing/2014/main" id="{2B7478A0-E62A-0835-AFC2-5F7A1C888F76}"/>
+              </a:ext>
+            </a:extLst>
+          </p:cNvPr>
+          <p:cNvSpPr/>
+          <p:nvPr/>
+        </p:nvSpPr>
+        <p:spPr>
+          <a:xfrm>
+            <a:off x="4922980" y="1801090"/>
+            <a:ext cx="738909" cy="1428711"/>
+          </a:xfrm>
+          <a:prstGeom prst="roundRect">
+            <a:avLst/>
+          </a:prstGeom>
+          <a:noFill/>
+          <a:ln>
+            <a:solidFill>
+              <a:srgbClr val="FF0000"/>
+            </a:solidFill>
+          </a:ln>
+        </p:spPr>
+        <p:style>
+          <a:lnRef idx="2">
+            <a:schemeClr val="accent1">
+              <a:shade val="50000"/>
+            </a:schemeClr>
+          </a:lnRef>
+          <a:fillRef idx="1">
+            <a:schemeClr val="accent1"/>
+          </a:fillRef>
+          <a:effectRef idx="0">
+            <a:schemeClr val="accent1"/>
+          </a:effectRef>
+          <a:fontRef idx="minor">
+            <a:schemeClr val="lt1"/>
+          </a:fontRef>
+        </p:style>
+        <p:txBody>
+          <a:bodyPr rtlCol="0" anchor="ctr"/>
+          <a:lstStyle/>
+          <a:p>
+            <a:pPr algn="ctr"/>
+            <a:endParaRPr lang="ko-KR" altLang="en-US"/>
+          </a:p>
+        </p:txBody>
+      </p:sp>
+    </p:spTree>
+    <p:extLst>
+      <p:ext uri="{BB962C8B-B14F-4D97-AF65-F5344CB8AC3E}">
+        <p14:creationId xmlns:p14="http://schemas.microsoft.com/office/powerpoint/2010/main" val="1207779053"/>
+      </p:ext>
+    </p:extLst>
+  </p:cSld>
+  <p:clrMapOvr>
+    <a:masterClrMapping/>
+  </p:clrMapOvr>
+</p:sld>
+</file>
+
+<file path=ppt/slides/slide17.xml><?xml version="1.0" encoding="utf-8"?>
+<p:sld xmlns:a="http://schemas.openxmlformats.org/drawingml/2006/main" xmlns:r="http://schemas.openxmlformats.org/officeDocument/2006/relationships" xmlns:p="http://schemas.openxmlformats.org/presentationml/2006/main">
+  <p:cSld>
+    <p:bg>
+      <p:bgPr>
+        <a:solidFill>
+          <a:schemeClr val="tx2">
+            <a:lumMod val="50000"/>
+          </a:schemeClr>
+        </a:solidFill>
+        <a:effectLst/>
+      </p:bgPr>
+    </p:bg>
+    <p:spTree>
+      <p:nvGrpSpPr>
+        <p:cNvPr id="1" name=""/>
+        <p:cNvGrpSpPr/>
+        <p:nvPr/>
+      </p:nvGrpSpPr>
+      <p:grpSpPr>
+        <a:xfrm>
+          <a:off x="0" y="0"/>
+          <a:ext cx="0" cy="0"/>
+          <a:chOff x="0" y="0"/>
+          <a:chExt cx="0" cy="0"/>
+        </a:xfrm>
+      </p:grpSpPr>
+      <p:sp>
+        <p:nvSpPr>
+          <p:cNvPr id="4" name="TextBox 3">
+            <a:extLst>
+              <a:ext uri="{FF2B5EF4-FFF2-40B4-BE49-F238E27FC236}">
+                <a16:creationId xmlns:a16="http://schemas.microsoft.com/office/drawing/2014/main" id="{12134F02-23BC-E363-5DAD-F1B26739269D}"/>
+              </a:ext>
+            </a:extLst>
+          </p:cNvPr>
+          <p:cNvSpPr txBox="1"/>
+          <p:nvPr/>
+        </p:nvSpPr>
+        <p:spPr>
+          <a:xfrm>
+            <a:off x="282815" y="1365289"/>
+            <a:ext cx="11005100" cy="1700787"/>
+          </a:xfrm>
+          <a:prstGeom prst="rect">
+            <a:avLst/>
+          </a:prstGeom>
+          <a:noFill/>
+        </p:spPr>
+        <p:txBody>
+          <a:bodyPr wrap="square" rtlCol="0">
+            <a:spAutoFit/>
+          </a:bodyPr>
+          <a:lstStyle/>
+          <a:p>
+            <a:pPr marL="742950" lvl="1" indent="-285750">
+              <a:lnSpc>
+                <a:spcPct val="150000"/>
+              </a:lnSpc>
+              <a:buFont typeface="Arial" panose="020B0604020202020204" pitchFamily="34" charset="0"/>
+              <a:buChar char="•"/>
+            </a:pPr>
+            <a:r>
+              <a:rPr lang="ko-KR" altLang="en-US" dirty="0">
+                <a:solidFill>
+                  <a:schemeClr val="bg1">
+                    <a:lumMod val="95000"/>
+                  </a:schemeClr>
+                </a:solidFill>
+              </a:rPr>
+              <a:t>앞서서 충돌이 일어났을 때 </a:t>
+            </a:r>
+            <a:r>
+              <a:rPr lang="en-US" altLang="ko-KR" dirty="0">
+                <a:solidFill>
+                  <a:schemeClr val="bg1">
+                    <a:lumMod val="95000"/>
+                  </a:schemeClr>
+                </a:solidFill>
+              </a:rPr>
+              <a:t>1</a:t>
+            </a:r>
+            <a:r>
+              <a:rPr lang="ko-KR" altLang="en-US" dirty="0" err="1">
+                <a:solidFill>
+                  <a:schemeClr val="bg1">
+                    <a:lumMod val="95000"/>
+                  </a:schemeClr>
+                </a:solidFill>
+              </a:rPr>
+              <a:t>칸씩</a:t>
+            </a:r>
+            <a:r>
+              <a:rPr lang="ko-KR" altLang="en-US" dirty="0">
+                <a:solidFill>
+                  <a:schemeClr val="bg1">
+                    <a:lumMod val="95000"/>
+                  </a:schemeClr>
+                </a:solidFill>
+              </a:rPr>
+              <a:t> 옆을 보는 방식을 소개했는데</a:t>
+            </a:r>
+            <a:r>
+              <a:rPr lang="en-US" altLang="ko-KR" dirty="0">
+                <a:solidFill>
+                  <a:schemeClr val="bg1">
+                    <a:lumMod val="95000"/>
+                  </a:schemeClr>
+                </a:solidFill>
+              </a:rPr>
+              <a:t>, </a:t>
+            </a:r>
+            <a:r>
+              <a:rPr lang="ko-KR" altLang="en-US" dirty="0">
+                <a:solidFill>
+                  <a:schemeClr val="bg1">
+                    <a:lumMod val="95000"/>
+                  </a:schemeClr>
+                </a:solidFill>
+              </a:rPr>
+              <a:t>이 방식을 </a:t>
+            </a:r>
+            <a:r>
+              <a:rPr lang="en-US" altLang="ko-KR" dirty="0">
+                <a:solidFill>
+                  <a:schemeClr val="bg1">
+                    <a:lumMod val="95000"/>
+                  </a:schemeClr>
+                </a:solidFill>
+              </a:rPr>
+              <a:t>Linear probing</a:t>
+            </a:r>
+            <a:r>
+              <a:rPr lang="ko-KR" altLang="en-US" dirty="0">
+                <a:solidFill>
+                  <a:schemeClr val="bg1">
+                    <a:lumMod val="95000"/>
+                  </a:schemeClr>
+                </a:solidFill>
+              </a:rPr>
+              <a:t>이라고 합니다</a:t>
+            </a:r>
+            <a:r>
+              <a:rPr lang="en-US" altLang="ko-KR" dirty="0">
+                <a:solidFill>
+                  <a:schemeClr val="bg1">
+                    <a:lumMod val="95000"/>
+                  </a:schemeClr>
+                </a:solidFill>
+              </a:rPr>
+              <a:t>. </a:t>
+            </a:r>
+            <a:r>
+              <a:rPr lang="ko-KR" altLang="en-US" dirty="0">
+                <a:solidFill>
+                  <a:schemeClr val="bg1">
+                    <a:lumMod val="95000"/>
+                  </a:schemeClr>
+                </a:solidFill>
+              </a:rPr>
+              <a:t>이 방식은 구현이 간단하고 </a:t>
+            </a:r>
+            <a:r>
+              <a:rPr lang="en-US" altLang="ko-KR" dirty="0">
+                <a:solidFill>
+                  <a:schemeClr val="bg1">
+                    <a:lumMod val="95000"/>
+                  </a:schemeClr>
+                </a:solidFill>
+              </a:rPr>
+              <a:t>Cache hit rate</a:t>
+            </a:r>
+            <a:r>
+              <a:rPr lang="ko-KR" altLang="en-US" dirty="0">
+                <a:solidFill>
+                  <a:schemeClr val="bg1">
+                    <a:lumMod val="95000"/>
+                  </a:schemeClr>
+                </a:solidFill>
+              </a:rPr>
+              <a:t>가 높습니다</a:t>
+            </a:r>
+            <a:r>
+              <a:rPr lang="en-US" altLang="ko-KR" dirty="0">
+                <a:solidFill>
+                  <a:schemeClr val="bg1">
+                    <a:lumMod val="95000"/>
+                  </a:schemeClr>
+                </a:solidFill>
+              </a:rPr>
+              <a:t>. </a:t>
+            </a:r>
+            <a:r>
+              <a:rPr lang="ko-KR" altLang="en-US" dirty="0">
+                <a:solidFill>
+                  <a:schemeClr val="bg1">
+                    <a:lumMod val="95000"/>
+                  </a:schemeClr>
+                </a:solidFill>
+              </a:rPr>
+              <a:t>하지만 단점으로는 </a:t>
+            </a:r>
+            <a:r>
+              <a:rPr lang="en-US" altLang="ko-KR" dirty="0">
+                <a:solidFill>
+                  <a:schemeClr val="bg1">
+                    <a:lumMod val="95000"/>
+                  </a:schemeClr>
+                </a:solidFill>
+              </a:rPr>
+              <a:t>Clustering</a:t>
+            </a:r>
+            <a:r>
+              <a:rPr lang="ko-KR" altLang="en-US" dirty="0">
+                <a:solidFill>
+                  <a:schemeClr val="bg1">
+                    <a:lumMod val="95000"/>
+                  </a:schemeClr>
+                </a:solidFill>
+              </a:rPr>
+              <a:t>이 높습니다</a:t>
+            </a:r>
+            <a:r>
+              <a:rPr lang="en-US" altLang="ko-KR" dirty="0">
+                <a:solidFill>
+                  <a:schemeClr val="bg1">
+                    <a:lumMod val="95000"/>
+                  </a:schemeClr>
+                </a:solidFill>
+              </a:rPr>
+              <a:t>. 1</a:t>
+            </a:r>
+            <a:r>
+              <a:rPr lang="ko-KR" altLang="en-US" dirty="0">
+                <a:solidFill>
+                  <a:schemeClr val="bg1">
+                    <a:lumMod val="95000"/>
+                  </a:schemeClr>
+                </a:solidFill>
+              </a:rPr>
+              <a:t>개의 중복 키가 발생하면</a:t>
+            </a:r>
+            <a:r>
+              <a:rPr lang="en-US" altLang="ko-KR" dirty="0">
+                <a:solidFill>
+                  <a:schemeClr val="bg1">
+                    <a:lumMod val="95000"/>
+                  </a:schemeClr>
+                </a:solidFill>
+              </a:rPr>
+              <a:t>, </a:t>
+            </a:r>
+            <a:r>
+              <a:rPr lang="ko-KR" altLang="en-US" dirty="0">
+                <a:solidFill>
+                  <a:schemeClr val="bg1">
+                    <a:lumMod val="95000"/>
+                  </a:schemeClr>
+                </a:solidFill>
+              </a:rPr>
+              <a:t>나머지 </a:t>
+            </a:r>
+            <a:r>
+              <a:rPr lang="en-US" altLang="ko-KR" dirty="0">
+                <a:solidFill>
+                  <a:schemeClr val="bg1">
+                    <a:lumMod val="95000"/>
+                  </a:schemeClr>
+                </a:solidFill>
+              </a:rPr>
+              <a:t>Hash</a:t>
+            </a:r>
+            <a:r>
+              <a:rPr lang="ko-KR" altLang="en-US" dirty="0">
+                <a:solidFill>
+                  <a:schemeClr val="bg1">
+                    <a:lumMod val="95000"/>
+                  </a:schemeClr>
+                </a:solidFill>
+              </a:rPr>
+              <a:t>함수가 잘 작동해도 데이터가 일정 구간에 뭉치게 되면서 성능저하가 일어나는 것입니다</a:t>
+            </a:r>
+            <a:r>
+              <a:rPr lang="en-US" altLang="ko-KR" dirty="0">
+                <a:solidFill>
+                  <a:schemeClr val="bg1">
+                    <a:lumMod val="95000"/>
+                  </a:schemeClr>
+                </a:solidFill>
+              </a:rPr>
+              <a:t>.</a:t>
+            </a:r>
+          </a:p>
+        </p:txBody>
+      </p:sp>
+      <p:sp>
+        <p:nvSpPr>
+          <p:cNvPr id="6" name="TextBox 5">
+            <a:extLst>
+              <a:ext uri="{FF2B5EF4-FFF2-40B4-BE49-F238E27FC236}">
+                <a16:creationId xmlns:a16="http://schemas.microsoft.com/office/drawing/2014/main" id="{DBC04F6B-55F5-2E98-D9DF-BC8173DDEC60}"/>
+              </a:ext>
+            </a:extLst>
+          </p:cNvPr>
+          <p:cNvSpPr txBox="1"/>
+          <p:nvPr/>
+        </p:nvSpPr>
+        <p:spPr>
+          <a:xfrm>
+            <a:off x="457227" y="514924"/>
+            <a:ext cx="10656277" cy="574966"/>
+          </a:xfrm>
+          <a:prstGeom prst="rect">
+            <a:avLst/>
+          </a:prstGeom>
+          <a:noFill/>
+        </p:spPr>
+        <p:txBody>
+          <a:bodyPr wrap="square" rtlCol="0">
+            <a:spAutoFit/>
+          </a:bodyPr>
+          <a:lstStyle/>
+          <a:p>
+            <a:pPr marL="285750" indent="-285750">
+              <a:lnSpc>
+                <a:spcPct val="150000"/>
+              </a:lnSpc>
+              <a:buFont typeface="Arial" panose="020B0604020202020204" pitchFamily="34" charset="0"/>
+              <a:buChar char="•"/>
+            </a:pPr>
+            <a:r>
+              <a:rPr lang="en-US" altLang="ko-KR" sz="2400" dirty="0">
+                <a:solidFill>
+                  <a:schemeClr val="bg1">
+                    <a:lumMod val="95000"/>
+                  </a:schemeClr>
+                </a:solidFill>
+              </a:rPr>
+              <a:t>Linear Probing</a:t>
+            </a:r>
+            <a:endParaRPr lang="en-US" altLang="ko-KR" dirty="0">
+              <a:solidFill>
+                <a:schemeClr val="bg1">
+                  <a:lumMod val="95000"/>
+                </a:schemeClr>
+              </a:solidFill>
+            </a:endParaRPr>
+          </a:p>
+        </p:txBody>
+      </p:sp>
+      <p:sp>
+        <p:nvSpPr>
+          <p:cNvPr id="7" name="TextBox 6">
+            <a:extLst>
+              <a:ext uri="{FF2B5EF4-FFF2-40B4-BE49-F238E27FC236}">
+                <a16:creationId xmlns:a16="http://schemas.microsoft.com/office/drawing/2014/main" id="{BEC6FD30-98E2-A148-E554-422F3B2E56D5}"/>
+              </a:ext>
+            </a:extLst>
+          </p:cNvPr>
+          <p:cNvSpPr txBox="1"/>
+          <p:nvPr/>
+        </p:nvSpPr>
+        <p:spPr>
+          <a:xfrm>
+            <a:off x="457226" y="3429000"/>
+            <a:ext cx="10656277" cy="574966"/>
+          </a:xfrm>
+          <a:prstGeom prst="rect">
+            <a:avLst/>
+          </a:prstGeom>
+          <a:noFill/>
+        </p:spPr>
+        <p:txBody>
+          <a:bodyPr wrap="square" rtlCol="0">
+            <a:spAutoFit/>
+          </a:bodyPr>
+          <a:lstStyle/>
+          <a:p>
+            <a:pPr marL="285750" indent="-285750">
+              <a:lnSpc>
+                <a:spcPct val="150000"/>
+              </a:lnSpc>
+              <a:buFont typeface="Arial" panose="020B0604020202020204" pitchFamily="34" charset="0"/>
+              <a:buChar char="•"/>
+            </a:pPr>
+            <a:r>
+              <a:rPr lang="ko-KR" altLang="en-US" sz="2400" dirty="0">
+                <a:solidFill>
+                  <a:schemeClr val="bg1">
+                    <a:lumMod val="95000"/>
+                  </a:schemeClr>
+                </a:solidFill>
+              </a:rPr>
+              <a:t>마치며</a:t>
+            </a:r>
+            <a:endParaRPr lang="en-US" altLang="ko-KR" sz="2400" dirty="0">
+              <a:solidFill>
+                <a:schemeClr val="bg1">
+                  <a:lumMod val="95000"/>
+                </a:schemeClr>
+              </a:solidFill>
+            </a:endParaRPr>
+          </a:p>
+        </p:txBody>
+      </p:sp>
+      <p:sp>
+        <p:nvSpPr>
+          <p:cNvPr id="8" name="TextBox 7">
+            <a:extLst>
+              <a:ext uri="{FF2B5EF4-FFF2-40B4-BE49-F238E27FC236}">
+                <a16:creationId xmlns:a16="http://schemas.microsoft.com/office/drawing/2014/main" id="{83BC18B9-FDF7-9936-8AA3-82E5F455E479}"/>
+              </a:ext>
+            </a:extLst>
+          </p:cNvPr>
+          <p:cNvSpPr txBox="1"/>
+          <p:nvPr/>
+        </p:nvSpPr>
+        <p:spPr>
+          <a:xfrm>
+            <a:off x="282814" y="4140816"/>
+            <a:ext cx="11005100" cy="2116285"/>
+          </a:xfrm>
+          <a:prstGeom prst="rect">
+            <a:avLst/>
+          </a:prstGeom>
+          <a:noFill/>
+        </p:spPr>
+        <p:txBody>
+          <a:bodyPr wrap="square" rtlCol="0">
+            <a:spAutoFit/>
+          </a:bodyPr>
+          <a:lstStyle/>
+          <a:p>
+            <a:pPr marL="742950" lvl="1" indent="-285750">
+              <a:lnSpc>
+                <a:spcPct val="150000"/>
+              </a:lnSpc>
+              <a:buFont typeface="Arial" panose="020B0604020202020204" pitchFamily="34" charset="0"/>
+              <a:buChar char="•"/>
+            </a:pPr>
+            <a:r>
+              <a:rPr lang="ko-KR" altLang="en-US" dirty="0">
+                <a:solidFill>
+                  <a:schemeClr val="bg1">
+                    <a:lumMod val="95000"/>
+                  </a:schemeClr>
+                </a:solidFill>
+              </a:rPr>
+              <a:t>해시 자료구조는 방금 소개한 것 외에 </a:t>
+            </a:r>
+            <a:r>
+              <a:rPr lang="en-US" altLang="ko-KR" dirty="0">
+                <a:solidFill>
+                  <a:schemeClr val="bg1">
+                    <a:lumMod val="95000"/>
+                  </a:schemeClr>
+                </a:solidFill>
+              </a:rPr>
+              <a:t>Quadratic Probing, Double Hashing </a:t>
+            </a:r>
+            <a:r>
+              <a:rPr lang="ko-KR" altLang="en-US" dirty="0">
+                <a:solidFill>
+                  <a:schemeClr val="bg1">
+                    <a:lumMod val="95000"/>
+                  </a:schemeClr>
+                </a:solidFill>
+              </a:rPr>
+              <a:t>등이 더 존재합니다</a:t>
+            </a:r>
+            <a:r>
+              <a:rPr lang="en-US" altLang="ko-KR" dirty="0">
+                <a:solidFill>
+                  <a:schemeClr val="bg1">
+                    <a:lumMod val="95000"/>
+                  </a:schemeClr>
+                </a:solidFill>
+              </a:rPr>
+              <a:t>.</a:t>
+            </a:r>
+          </a:p>
+          <a:p>
+            <a:pPr marL="742950" lvl="1" indent="-285750">
+              <a:lnSpc>
+                <a:spcPct val="150000"/>
+              </a:lnSpc>
+              <a:buFont typeface="Arial" panose="020B0604020202020204" pitchFamily="34" charset="0"/>
+              <a:buChar char="•"/>
+            </a:pPr>
+            <a:r>
+              <a:rPr lang="en-US" altLang="ko-KR" dirty="0">
+                <a:solidFill>
+                  <a:schemeClr val="bg1">
+                    <a:lumMod val="95000"/>
+                  </a:schemeClr>
+                </a:solidFill>
+              </a:rPr>
+              <a:t>Load Factor = </a:t>
+            </a:r>
+            <a:r>
+              <a:rPr lang="ko-KR" altLang="en-US" dirty="0">
+                <a:solidFill>
+                  <a:schemeClr val="bg1">
+                    <a:lumMod val="95000"/>
+                  </a:schemeClr>
+                </a:solidFill>
+              </a:rPr>
+              <a:t>원소의 개수 </a:t>
+            </a:r>
+            <a:r>
+              <a:rPr lang="en-US" altLang="ko-KR" dirty="0">
+                <a:solidFill>
+                  <a:schemeClr val="bg1">
+                    <a:lumMod val="95000"/>
+                  </a:schemeClr>
+                </a:solidFill>
+              </a:rPr>
+              <a:t>/ </a:t>
+            </a:r>
+            <a:r>
+              <a:rPr lang="ko-KR" altLang="en-US" dirty="0">
+                <a:solidFill>
+                  <a:schemeClr val="bg1">
+                    <a:lumMod val="95000"/>
+                  </a:schemeClr>
+                </a:solidFill>
+              </a:rPr>
+              <a:t>테이블의 크기</a:t>
+            </a:r>
+            <a:endParaRPr lang="en-US" altLang="ko-KR" dirty="0">
+              <a:solidFill>
+                <a:schemeClr val="bg1">
+                  <a:lumMod val="95000"/>
+                </a:schemeClr>
+              </a:solidFill>
+            </a:endParaRPr>
+          </a:p>
+          <a:p>
+            <a:pPr marL="742950" lvl="1" indent="-285750">
+              <a:lnSpc>
+                <a:spcPct val="150000"/>
+              </a:lnSpc>
+              <a:buFont typeface="Arial" panose="020B0604020202020204" pitchFamily="34" charset="0"/>
+              <a:buChar char="•"/>
+            </a:pPr>
+            <a:r>
+              <a:rPr lang="en-US" altLang="ko-KR" dirty="0">
+                <a:solidFill>
+                  <a:schemeClr val="bg1">
+                    <a:lumMod val="95000"/>
+                  </a:schemeClr>
+                </a:solidFill>
+              </a:rPr>
+              <a:t>Load Factor &lt;= 1(chaining), Load factor &lt;= 0.75(Open Addressing)</a:t>
+            </a:r>
+          </a:p>
+          <a:p>
+            <a:pPr marL="742950" lvl="1" indent="-285750">
+              <a:lnSpc>
+                <a:spcPct val="150000"/>
+              </a:lnSpc>
+              <a:buFont typeface="Arial" panose="020B0604020202020204" pitchFamily="34" charset="0"/>
+              <a:buChar char="•"/>
+            </a:pPr>
+            <a:r>
+              <a:rPr lang="ko-KR" altLang="en-US" dirty="0">
+                <a:solidFill>
+                  <a:schemeClr val="bg1">
+                    <a:lumMod val="95000"/>
+                  </a:schemeClr>
+                </a:solidFill>
+              </a:rPr>
+              <a:t>해시 함수 </a:t>
+            </a:r>
+            <a:r>
+              <a:rPr lang="en-US" altLang="ko-KR" dirty="0">
+                <a:solidFill>
+                  <a:schemeClr val="bg1">
+                    <a:lumMod val="95000"/>
+                  </a:schemeClr>
+                </a:solidFill>
+              </a:rPr>
+              <a:t>(M + x % M) = x</a:t>
+            </a:r>
+            <a:r>
+              <a:rPr lang="ko-KR" altLang="en-US" dirty="0">
+                <a:solidFill>
+                  <a:schemeClr val="bg1">
+                    <a:lumMod val="95000"/>
+                  </a:schemeClr>
+                </a:solidFill>
+              </a:rPr>
+              <a:t> </a:t>
+            </a:r>
+            <a:r>
+              <a:rPr lang="en-US" altLang="ko-KR" dirty="0">
+                <a:solidFill>
+                  <a:schemeClr val="bg1">
+                    <a:lumMod val="95000"/>
+                  </a:schemeClr>
+                </a:solidFill>
+              </a:rPr>
+              <a:t>%</a:t>
+            </a:r>
+            <a:r>
+              <a:rPr lang="ko-KR" altLang="en-US" dirty="0">
+                <a:solidFill>
+                  <a:schemeClr val="bg1">
+                    <a:lumMod val="95000"/>
+                  </a:schemeClr>
+                </a:solidFill>
+              </a:rPr>
+              <a:t> </a:t>
+            </a:r>
+            <a:r>
+              <a:rPr lang="en-US" altLang="ko-KR" dirty="0">
+                <a:solidFill>
+                  <a:schemeClr val="bg1">
+                    <a:lumMod val="95000"/>
+                  </a:schemeClr>
+                </a:solidFill>
+              </a:rPr>
+              <a:t>M</a:t>
+            </a:r>
+          </a:p>
+          <a:p>
+            <a:pPr marL="742950" lvl="1" indent="-285750">
+              <a:lnSpc>
+                <a:spcPct val="150000"/>
+              </a:lnSpc>
+              <a:buFont typeface="Arial" panose="020B0604020202020204" pitchFamily="34" charset="0"/>
+              <a:buChar char="•"/>
+            </a:pPr>
+            <a:r>
+              <a:rPr lang="ko-KR" altLang="en-US" dirty="0">
+                <a:solidFill>
+                  <a:schemeClr val="bg1">
+                    <a:lumMod val="95000"/>
+                  </a:schemeClr>
+                </a:solidFill>
+              </a:rPr>
+              <a:t>문자열에 관한 해시 함수</a:t>
+            </a:r>
+            <a:r>
+              <a:rPr lang="en-US" altLang="ko-KR" dirty="0">
+                <a:solidFill>
+                  <a:schemeClr val="bg1">
+                    <a:lumMod val="95000"/>
+                  </a:schemeClr>
+                </a:solidFill>
+              </a:rPr>
+              <a:t>.</a:t>
+            </a:r>
+          </a:p>
+        </p:txBody>
+      </p:sp>
+    </p:spTree>
+    <p:extLst>
+      <p:ext uri="{BB962C8B-B14F-4D97-AF65-F5344CB8AC3E}">
+        <p14:creationId xmlns:p14="http://schemas.microsoft.com/office/powerpoint/2010/main" val="1681219056"/>
       </p:ext>
     </p:extLst>
   </p:cSld>
@@ -4686,7 +11088,7 @@
           <p:cNvPr id="2" name="표 2">
             <a:extLst>
               <a:ext uri="{FF2B5EF4-FFF2-40B4-BE49-F238E27FC236}">
-                <a16:creationId xmlns:a16="http://schemas.microsoft.com/office/drawing/2014/main" xmlns="" id="{19C292D8-0FED-47E0-A5A7-716F7AB5472C}"/>
+                <a16:creationId xmlns:a16="http://schemas.microsoft.com/office/drawing/2014/main" id="{19C292D8-0FED-47E0-A5A7-716F7AB5472C}"/>
               </a:ext>
             </a:extLst>
           </p:cNvPr>
@@ -4715,14 +11117,14 @@
                 <a:gridCol w="4064000">
                   <a:extLst>
                     <a:ext uri="{9D8B030D-6E8A-4147-A177-3AD203B41FA5}">
-                      <a16:colId xmlns:a16="http://schemas.microsoft.com/office/drawing/2014/main" xmlns="" val="325052850"/>
+                      <a16:colId xmlns:a16="http://schemas.microsoft.com/office/drawing/2014/main" val="325052850"/>
                     </a:ext>
                   </a:extLst>
                 </a:gridCol>
                 <a:gridCol w="4064000">
                   <a:extLst>
                     <a:ext uri="{9D8B030D-6E8A-4147-A177-3AD203B41FA5}">
-                      <a16:colId xmlns:a16="http://schemas.microsoft.com/office/drawing/2014/main" xmlns="" val="596348643"/>
+                      <a16:colId xmlns:a16="http://schemas.microsoft.com/office/drawing/2014/main" val="596348643"/>
                     </a:ext>
                   </a:extLst>
                 </a:gridCol>
@@ -4788,7 +11190,7 @@
                 </a:tc>
                 <a:extLst>
                   <a:ext uri="{0D108BD9-81ED-4DB2-BD59-A6C34878D82A}">
-                    <a16:rowId xmlns:a16="http://schemas.microsoft.com/office/drawing/2014/main" xmlns="" val="3470215107"/>
+                    <a16:rowId xmlns:a16="http://schemas.microsoft.com/office/drawing/2014/main" val="3470215107"/>
                   </a:ext>
                 </a:extLst>
               </a:tr>
@@ -4853,7 +11255,7 @@
                 </a:tc>
                 <a:extLst>
                   <a:ext uri="{0D108BD9-81ED-4DB2-BD59-A6C34878D82A}">
-                    <a16:rowId xmlns:a16="http://schemas.microsoft.com/office/drawing/2014/main" xmlns="" val="1631254270"/>
+                    <a16:rowId xmlns:a16="http://schemas.microsoft.com/office/drawing/2014/main" val="1631254270"/>
                   </a:ext>
                 </a:extLst>
               </a:tr>
@@ -4918,7 +11320,7 @@
                 </a:tc>
                 <a:extLst>
                   <a:ext uri="{0D108BD9-81ED-4DB2-BD59-A6C34878D82A}">
-                    <a16:rowId xmlns:a16="http://schemas.microsoft.com/office/drawing/2014/main" xmlns="" val="3533667079"/>
+                    <a16:rowId xmlns:a16="http://schemas.microsoft.com/office/drawing/2014/main" val="3533667079"/>
                   </a:ext>
                 </a:extLst>
               </a:tr>
@@ -4983,7 +11385,7 @@
                 </a:tc>
                 <a:extLst>
                   <a:ext uri="{0D108BD9-81ED-4DB2-BD59-A6C34878D82A}">
-                    <a16:rowId xmlns:a16="http://schemas.microsoft.com/office/drawing/2014/main" xmlns="" val="3374114440"/>
+                    <a16:rowId xmlns:a16="http://schemas.microsoft.com/office/drawing/2014/main" val="3374114440"/>
                   </a:ext>
                 </a:extLst>
               </a:tr>
@@ -5048,7 +11450,7 @@
                 </a:tc>
                 <a:extLst>
                   <a:ext uri="{0D108BD9-81ED-4DB2-BD59-A6C34878D82A}">
-                    <a16:rowId xmlns:a16="http://schemas.microsoft.com/office/drawing/2014/main" xmlns="" val="1264951021"/>
+                    <a16:rowId xmlns:a16="http://schemas.microsoft.com/office/drawing/2014/main" val="1264951021"/>
                   </a:ext>
                 </a:extLst>
               </a:tr>
@@ -5113,7 +11515,7 @@
                 </a:tc>
                 <a:extLst>
                   <a:ext uri="{0D108BD9-81ED-4DB2-BD59-A6C34878D82A}">
-                    <a16:rowId xmlns:a16="http://schemas.microsoft.com/office/drawing/2014/main" xmlns="" val="12302827"/>
+                    <a16:rowId xmlns:a16="http://schemas.microsoft.com/office/drawing/2014/main" val="12302827"/>
                   </a:ext>
                 </a:extLst>
               </a:tr>
@@ -5126,7 +11528,7 @@
           <p:cNvPr id="11" name="TextBox 10">
             <a:extLst>
               <a:ext uri="{FF2B5EF4-FFF2-40B4-BE49-F238E27FC236}">
-                <a16:creationId xmlns:a16="http://schemas.microsoft.com/office/drawing/2014/main" xmlns="" id="{4C796890-5A98-43B2-B6CB-3A5419E9BC89}"/>
+                <a16:creationId xmlns:a16="http://schemas.microsoft.com/office/drawing/2014/main" id="{4C796890-5A98-43B2-B6CB-3A5419E9BC89}"/>
               </a:ext>
             </a:extLst>
           </p:cNvPr>
@@ -5281,7 +11683,7 @@
           <p:cNvPr id="2" name="표 2">
             <a:extLst>
               <a:ext uri="{FF2B5EF4-FFF2-40B4-BE49-F238E27FC236}">
-                <a16:creationId xmlns:a16="http://schemas.microsoft.com/office/drawing/2014/main" xmlns="" id="{19C292D8-0FED-47E0-A5A7-716F7AB5472C}"/>
+                <a16:creationId xmlns:a16="http://schemas.microsoft.com/office/drawing/2014/main" id="{19C292D8-0FED-47E0-A5A7-716F7AB5472C}"/>
               </a:ext>
             </a:extLst>
           </p:cNvPr>
@@ -5310,14 +11712,14 @@
                 <a:gridCol w="4064000">
                   <a:extLst>
                     <a:ext uri="{9D8B030D-6E8A-4147-A177-3AD203B41FA5}">
-                      <a16:colId xmlns:a16="http://schemas.microsoft.com/office/drawing/2014/main" xmlns="" val="325052850"/>
+                      <a16:colId xmlns:a16="http://schemas.microsoft.com/office/drawing/2014/main" val="325052850"/>
                     </a:ext>
                   </a:extLst>
                 </a:gridCol>
                 <a:gridCol w="4064000">
                   <a:extLst>
                     <a:ext uri="{9D8B030D-6E8A-4147-A177-3AD203B41FA5}">
-                      <a16:colId xmlns:a16="http://schemas.microsoft.com/office/drawing/2014/main" xmlns="" val="596348643"/>
+                      <a16:colId xmlns:a16="http://schemas.microsoft.com/office/drawing/2014/main" val="596348643"/>
                     </a:ext>
                   </a:extLst>
                 </a:gridCol>
@@ -5383,7 +11785,7 @@
                 </a:tc>
                 <a:extLst>
                   <a:ext uri="{0D108BD9-81ED-4DB2-BD59-A6C34878D82A}">
-                    <a16:rowId xmlns:a16="http://schemas.microsoft.com/office/drawing/2014/main" xmlns="" val="3470215107"/>
+                    <a16:rowId xmlns:a16="http://schemas.microsoft.com/office/drawing/2014/main" val="3470215107"/>
                   </a:ext>
                 </a:extLst>
               </a:tr>
@@ -5438,7 +11840,7 @@
                 </a:tc>
                 <a:extLst>
                   <a:ext uri="{0D108BD9-81ED-4DB2-BD59-A6C34878D82A}">
-                    <a16:rowId xmlns:a16="http://schemas.microsoft.com/office/drawing/2014/main" xmlns="" val="1631254270"/>
+                    <a16:rowId xmlns:a16="http://schemas.microsoft.com/office/drawing/2014/main" val="1631254270"/>
                   </a:ext>
                 </a:extLst>
               </a:tr>
@@ -5525,7 +11927,7 @@
                 </a:tc>
                 <a:extLst>
                   <a:ext uri="{0D108BD9-81ED-4DB2-BD59-A6C34878D82A}">
-                    <a16:rowId xmlns:a16="http://schemas.microsoft.com/office/drawing/2014/main" xmlns="" val="3533667079"/>
+                    <a16:rowId xmlns:a16="http://schemas.microsoft.com/office/drawing/2014/main" val="3533667079"/>
                   </a:ext>
                 </a:extLst>
               </a:tr>
@@ -5596,7 +11998,7 @@
                 </a:tc>
                 <a:extLst>
                   <a:ext uri="{0D108BD9-81ED-4DB2-BD59-A6C34878D82A}">
-                    <a16:rowId xmlns:a16="http://schemas.microsoft.com/office/drawing/2014/main" xmlns="" val="3374114440"/>
+                    <a16:rowId xmlns:a16="http://schemas.microsoft.com/office/drawing/2014/main" val="3374114440"/>
                   </a:ext>
                 </a:extLst>
               </a:tr>
@@ -5667,7 +12069,7 @@
                 </a:tc>
                 <a:extLst>
                   <a:ext uri="{0D108BD9-81ED-4DB2-BD59-A6C34878D82A}">
-                    <a16:rowId xmlns:a16="http://schemas.microsoft.com/office/drawing/2014/main" xmlns="" val="1264951021"/>
+                    <a16:rowId xmlns:a16="http://schemas.microsoft.com/office/drawing/2014/main" val="1264951021"/>
                   </a:ext>
                 </a:extLst>
               </a:tr>
@@ -5722,7 +12124,7 @@
                 </a:tc>
                 <a:extLst>
                   <a:ext uri="{0D108BD9-81ED-4DB2-BD59-A6C34878D82A}">
-                    <a16:rowId xmlns:a16="http://schemas.microsoft.com/office/drawing/2014/main" xmlns="" val="12302827"/>
+                    <a16:rowId xmlns:a16="http://schemas.microsoft.com/office/drawing/2014/main" val="12302827"/>
                   </a:ext>
                 </a:extLst>
               </a:tr>
@@ -5735,7 +12137,7 @@
           <p:cNvPr id="11" name="TextBox 10">
             <a:extLst>
               <a:ext uri="{FF2B5EF4-FFF2-40B4-BE49-F238E27FC236}">
-                <a16:creationId xmlns:a16="http://schemas.microsoft.com/office/drawing/2014/main" xmlns="" id="{4C796890-5A98-43B2-B6CB-3A5419E9BC89}"/>
+                <a16:creationId xmlns:a16="http://schemas.microsoft.com/office/drawing/2014/main" id="{4C796890-5A98-43B2-B6CB-3A5419E9BC89}"/>
               </a:ext>
             </a:extLst>
           </p:cNvPr>
@@ -5890,7 +12292,7 @@
           <p:cNvPr id="2" name="표 2">
             <a:extLst>
               <a:ext uri="{FF2B5EF4-FFF2-40B4-BE49-F238E27FC236}">
-                <a16:creationId xmlns:a16="http://schemas.microsoft.com/office/drawing/2014/main" xmlns="" id="{19C292D8-0FED-47E0-A5A7-716F7AB5472C}"/>
+                <a16:creationId xmlns:a16="http://schemas.microsoft.com/office/drawing/2014/main" id="{19C292D8-0FED-47E0-A5A7-716F7AB5472C}"/>
               </a:ext>
             </a:extLst>
           </p:cNvPr>
@@ -5919,14 +12321,14 @@
                 <a:gridCol w="4064000">
                   <a:extLst>
                     <a:ext uri="{9D8B030D-6E8A-4147-A177-3AD203B41FA5}">
-                      <a16:colId xmlns:a16="http://schemas.microsoft.com/office/drawing/2014/main" xmlns="" val="325052850"/>
+                      <a16:colId xmlns:a16="http://schemas.microsoft.com/office/drawing/2014/main" val="325052850"/>
                     </a:ext>
                   </a:extLst>
                 </a:gridCol>
                 <a:gridCol w="4064000">
                   <a:extLst>
                     <a:ext uri="{9D8B030D-6E8A-4147-A177-3AD203B41FA5}">
-                      <a16:colId xmlns:a16="http://schemas.microsoft.com/office/drawing/2014/main" xmlns="" val="596348643"/>
+                      <a16:colId xmlns:a16="http://schemas.microsoft.com/office/drawing/2014/main" val="596348643"/>
                     </a:ext>
                   </a:extLst>
                 </a:gridCol>
@@ -5992,7 +12394,7 @@
                 </a:tc>
                 <a:extLst>
                   <a:ext uri="{0D108BD9-81ED-4DB2-BD59-A6C34878D82A}">
-                    <a16:rowId xmlns:a16="http://schemas.microsoft.com/office/drawing/2014/main" xmlns="" val="3470215107"/>
+                    <a16:rowId xmlns:a16="http://schemas.microsoft.com/office/drawing/2014/main" val="3470215107"/>
                   </a:ext>
                 </a:extLst>
               </a:tr>
@@ -6058,7 +12460,7 @@
                 </a:tc>
                 <a:extLst>
                   <a:ext uri="{0D108BD9-81ED-4DB2-BD59-A6C34878D82A}">
-                    <a16:rowId xmlns:a16="http://schemas.microsoft.com/office/drawing/2014/main" xmlns="" val="1631254270"/>
+                    <a16:rowId xmlns:a16="http://schemas.microsoft.com/office/drawing/2014/main" val="1631254270"/>
                   </a:ext>
                 </a:extLst>
               </a:tr>
@@ -6163,7 +12565,7 @@
                 </a:tc>
                 <a:extLst>
                   <a:ext uri="{0D108BD9-81ED-4DB2-BD59-A6C34878D82A}">
-                    <a16:rowId xmlns:a16="http://schemas.microsoft.com/office/drawing/2014/main" xmlns="" val="3533667079"/>
+                    <a16:rowId xmlns:a16="http://schemas.microsoft.com/office/drawing/2014/main" val="3533667079"/>
                   </a:ext>
                 </a:extLst>
               </a:tr>
@@ -6245,7 +12647,7 @@
                 </a:tc>
                 <a:extLst>
                   <a:ext uri="{0D108BD9-81ED-4DB2-BD59-A6C34878D82A}">
-                    <a16:rowId xmlns:a16="http://schemas.microsoft.com/office/drawing/2014/main" xmlns="" val="3374114440"/>
+                    <a16:rowId xmlns:a16="http://schemas.microsoft.com/office/drawing/2014/main" val="3374114440"/>
                   </a:ext>
                 </a:extLst>
               </a:tr>
@@ -6334,7 +12736,7 @@
                 </a:tc>
                 <a:extLst>
                   <a:ext uri="{0D108BD9-81ED-4DB2-BD59-A6C34878D82A}">
-                    <a16:rowId xmlns:a16="http://schemas.microsoft.com/office/drawing/2014/main" xmlns="" val="1264951021"/>
+                    <a16:rowId xmlns:a16="http://schemas.microsoft.com/office/drawing/2014/main" val="1264951021"/>
                   </a:ext>
                 </a:extLst>
               </a:tr>
@@ -6407,7 +12809,7 @@
                 </a:tc>
                 <a:extLst>
                   <a:ext uri="{0D108BD9-81ED-4DB2-BD59-A6C34878D82A}">
-                    <a16:rowId xmlns:a16="http://schemas.microsoft.com/office/drawing/2014/main" xmlns="" val="12302827"/>
+                    <a16:rowId xmlns:a16="http://schemas.microsoft.com/office/drawing/2014/main" val="12302827"/>
                   </a:ext>
                 </a:extLst>
               </a:tr>
@@ -6420,7 +12822,7 @@
           <p:cNvPr id="11" name="TextBox 10">
             <a:extLst>
               <a:ext uri="{FF2B5EF4-FFF2-40B4-BE49-F238E27FC236}">
-                <a16:creationId xmlns:a16="http://schemas.microsoft.com/office/drawing/2014/main" xmlns="" id="{4C796890-5A98-43B2-B6CB-3A5419E9BC89}"/>
+                <a16:creationId xmlns:a16="http://schemas.microsoft.com/office/drawing/2014/main" id="{4C796890-5A98-43B2-B6CB-3A5419E9BC89}"/>
               </a:ext>
             </a:extLst>
           </p:cNvPr>
@@ -6678,7 +13080,7 @@
           <p:cNvPr id="2" name="표 2">
             <a:extLst>
               <a:ext uri="{FF2B5EF4-FFF2-40B4-BE49-F238E27FC236}">
-                <a16:creationId xmlns:a16="http://schemas.microsoft.com/office/drawing/2014/main" xmlns="" id="{19C292D8-0FED-47E0-A5A7-716F7AB5472C}"/>
+                <a16:creationId xmlns:a16="http://schemas.microsoft.com/office/drawing/2014/main" id="{19C292D8-0FED-47E0-A5A7-716F7AB5472C}"/>
               </a:ext>
             </a:extLst>
           </p:cNvPr>
@@ -6707,14 +13109,14 @@
                 <a:gridCol w="4064000">
                   <a:extLst>
                     <a:ext uri="{9D8B030D-6E8A-4147-A177-3AD203B41FA5}">
-                      <a16:colId xmlns:a16="http://schemas.microsoft.com/office/drawing/2014/main" xmlns="" val="325052850"/>
+                      <a16:colId xmlns:a16="http://schemas.microsoft.com/office/drawing/2014/main" val="325052850"/>
                     </a:ext>
                   </a:extLst>
                 </a:gridCol>
                 <a:gridCol w="4064000">
                   <a:extLst>
                     <a:ext uri="{9D8B030D-6E8A-4147-A177-3AD203B41FA5}">
-                      <a16:colId xmlns:a16="http://schemas.microsoft.com/office/drawing/2014/main" xmlns="" val="596348643"/>
+                      <a16:colId xmlns:a16="http://schemas.microsoft.com/office/drawing/2014/main" val="596348643"/>
                     </a:ext>
                   </a:extLst>
                 </a:gridCol>
@@ -6772,7 +13174,7 @@
                 </a:tc>
                 <a:extLst>
                   <a:ext uri="{0D108BD9-81ED-4DB2-BD59-A6C34878D82A}">
-                    <a16:rowId xmlns:a16="http://schemas.microsoft.com/office/drawing/2014/main" xmlns="" val="3470215107"/>
+                    <a16:rowId xmlns:a16="http://schemas.microsoft.com/office/drawing/2014/main" val="3470215107"/>
                   </a:ext>
                 </a:extLst>
               </a:tr>
@@ -6821,7 +13223,7 @@
                     <a:p>
                       <a:pPr algn="ctr" latinLnBrk="1"/>
                       <a:r>
-                        <a:rPr lang="en-US" altLang="ko-KR" sz="2000" dirty="0" smtClean="0">
+                        <a:rPr lang="en-US" altLang="ko-KR" sz="2000" dirty="0">
                           <a:solidFill>
                             <a:schemeClr val="bg1">
                               <a:lumMod val="95000"/>
@@ -6830,13 +13232,6 @@
                         </a:rPr>
                         <a:t>Park</a:t>
                       </a:r>
-                      <a:endParaRPr lang="en-US" altLang="ko-KR" sz="2000" dirty="0">
-                        <a:solidFill>
-                          <a:schemeClr val="bg1">
-                            <a:lumMod val="95000"/>
-                          </a:schemeClr>
-                        </a:solidFill>
-                      </a:endParaRPr>
                     </a:p>
                   </a:txBody>
                   <a:tcPr anchor="ctr">
@@ -6845,7 +13240,7 @@
                 </a:tc>
                 <a:extLst>
                   <a:ext uri="{0D108BD9-81ED-4DB2-BD59-A6C34878D82A}">
-                    <a16:rowId xmlns:a16="http://schemas.microsoft.com/office/drawing/2014/main" xmlns="" val="1631254270"/>
+                    <a16:rowId xmlns:a16="http://schemas.microsoft.com/office/drawing/2014/main" val="1631254270"/>
                   </a:ext>
                 </a:extLst>
               </a:tr>
@@ -6926,7 +13321,7 @@
                         <a:defRPr/>
                       </a:pPr>
                       <a:r>
-                        <a:rPr lang="en-US" altLang="ko-KR" sz="2000" dirty="0" smtClean="0">
+                        <a:rPr lang="en-US" altLang="ko-KR" sz="2000" dirty="0">
                           <a:solidFill>
                             <a:schemeClr val="bg1">
                               <a:lumMod val="95000"/>
@@ -6950,7 +13345,7 @@
                 </a:tc>
                 <a:extLst>
                   <a:ext uri="{0D108BD9-81ED-4DB2-BD59-A6C34878D82A}">
-                    <a16:rowId xmlns:a16="http://schemas.microsoft.com/office/drawing/2014/main" xmlns="" val="3533667079"/>
+                    <a16:rowId xmlns:a16="http://schemas.microsoft.com/office/drawing/2014/main" val="3533667079"/>
                   </a:ext>
                 </a:extLst>
               </a:tr>
@@ -7032,7 +13427,7 @@
                 </a:tc>
                 <a:extLst>
                   <a:ext uri="{0D108BD9-81ED-4DB2-BD59-A6C34878D82A}">
-                    <a16:rowId xmlns:a16="http://schemas.microsoft.com/office/drawing/2014/main" xmlns="" val="3374114440"/>
+                    <a16:rowId xmlns:a16="http://schemas.microsoft.com/office/drawing/2014/main" val="3374114440"/>
                   </a:ext>
                 </a:extLst>
               </a:tr>
@@ -7121,7 +13516,7 @@
                 </a:tc>
                 <a:extLst>
                   <a:ext uri="{0D108BD9-81ED-4DB2-BD59-A6C34878D82A}">
-                    <a16:rowId xmlns:a16="http://schemas.microsoft.com/office/drawing/2014/main" xmlns="" val="1264951021"/>
+                    <a16:rowId xmlns:a16="http://schemas.microsoft.com/office/drawing/2014/main" val="1264951021"/>
                   </a:ext>
                 </a:extLst>
               </a:tr>
@@ -7194,7 +13589,7 @@
                 </a:tc>
                 <a:extLst>
                   <a:ext uri="{0D108BD9-81ED-4DB2-BD59-A6C34878D82A}">
-                    <a16:rowId xmlns:a16="http://schemas.microsoft.com/office/drawing/2014/main" xmlns="" val="12302827"/>
+                    <a16:rowId xmlns:a16="http://schemas.microsoft.com/office/drawing/2014/main" val="12302827"/>
                   </a:ext>
                 </a:extLst>
               </a:tr>
@@ -7207,7 +13602,7 @@
           <p:cNvPr id="11" name="TextBox 10">
             <a:extLst>
               <a:ext uri="{FF2B5EF4-FFF2-40B4-BE49-F238E27FC236}">
-                <a16:creationId xmlns:a16="http://schemas.microsoft.com/office/drawing/2014/main" xmlns="" id="{4C796890-5A98-43B2-B6CB-3A5419E9BC89}"/>
+                <a16:creationId xmlns:a16="http://schemas.microsoft.com/office/drawing/2014/main" id="{4C796890-5A98-43B2-B6CB-3A5419E9BC89}"/>
               </a:ext>
             </a:extLst>
           </p:cNvPr>
@@ -7402,7 +13797,7 @@
           <p:cNvPr id="11" name="TextBox 10">
             <a:extLst>
               <a:ext uri="{FF2B5EF4-FFF2-40B4-BE49-F238E27FC236}">
-                <a16:creationId xmlns:a16="http://schemas.microsoft.com/office/drawing/2014/main" xmlns="" id="{4C796890-5A98-43B2-B6CB-3A5419E9BC89}"/>
+                <a16:creationId xmlns:a16="http://schemas.microsoft.com/office/drawing/2014/main" id="{4C796890-5A98-43B2-B6CB-3A5419E9BC89}"/>
               </a:ext>
             </a:extLst>
           </p:cNvPr>
@@ -7412,7 +13807,7 @@
         <p:spPr>
           <a:xfrm>
             <a:off x="543271" y="619307"/>
-            <a:ext cx="10656277" cy="2585323"/>
+            <a:ext cx="10656277" cy="3416320"/>
           </a:xfrm>
           <a:prstGeom prst="rect">
             <a:avLst/>
@@ -7505,6 +13900,9 @@
           </a:p>
           <a:p>
             <a:pPr marL="285750" indent="-285750">
+              <a:lnSpc>
+                <a:spcPct val="150000"/>
+              </a:lnSpc>
               <a:buFont typeface="Arial" panose="020B0604020202020204" pitchFamily="34" charset="0"/>
               <a:buChar char="•"/>
             </a:pPr>
@@ -7631,6 +14029,9 @@
           </a:p>
           <a:p>
             <a:pPr marL="742950" lvl="1" indent="-285750">
+              <a:lnSpc>
+                <a:spcPct val="150000"/>
+              </a:lnSpc>
               <a:buFont typeface="Arial" panose="020B0604020202020204" pitchFamily="34" charset="0"/>
               <a:buChar char="•"/>
             </a:pPr>
@@ -7677,6 +14078,9 @@
           </a:p>
           <a:p>
             <a:pPr marL="1200150" lvl="2" indent="-285750">
+              <a:lnSpc>
+                <a:spcPct val="150000"/>
+              </a:lnSpc>
               <a:buFont typeface="Arial" panose="020B0604020202020204" pitchFamily="34" charset="0"/>
               <a:buChar char="•"/>
             </a:pPr>
@@ -7899,14 +14303,14 @@
           <a:chExt cx="0" cy="0"/>
         </a:xfrm>
       </p:grpSpPr>
-      <mc:AlternateContent xmlns:mc="http://schemas.openxmlformats.org/markup-compatibility/2006" xmlns:a14="http://schemas.microsoft.com/office/drawing/2010/main">
-        <mc:Choice Requires="a14">
+      <mc:AlternateContent xmlns:mc="http://schemas.openxmlformats.org/markup-compatibility/2006">
+        <mc:Choice xmlns:a14="http://schemas.microsoft.com/office/drawing/2010/main" Requires="a14">
           <p:sp>
             <p:nvSpPr>
               <p:cNvPr id="11" name="TextBox 10">
                 <a:extLst>
                   <a:ext uri="{FF2B5EF4-FFF2-40B4-BE49-F238E27FC236}">
-                    <a16:creationId xmlns:a16="http://schemas.microsoft.com/office/drawing/2014/main" xmlns="" id="{4C796890-5A98-43B2-B6CB-3A5419E9BC89}"/>
+                    <a16:creationId xmlns:a16="http://schemas.microsoft.com/office/drawing/2014/main" id="{4C796890-5A98-43B2-B6CB-3A5419E9BC89}"/>
                   </a:ext>
                 </a:extLst>
               </p:cNvPr>
@@ -7915,8 +14319,8 @@
             </p:nvSpPr>
             <p:spPr>
               <a:xfrm>
-                <a:off x="543271" y="619307"/>
-                <a:ext cx="10656277" cy="4431983"/>
+                <a:off x="534034" y="413485"/>
+                <a:ext cx="10656277" cy="6225102"/>
               </a:xfrm>
               <a:prstGeom prst="rect">
                 <a:avLst/>
@@ -7930,6 +14334,9 @@
               <a:lstStyle/>
               <a:p>
                 <a:pPr marL="285750" indent="-285750">
+                  <a:lnSpc>
+                    <a:spcPct val="150000"/>
+                  </a:lnSpc>
                   <a:buFont typeface="Arial" panose="020B0604020202020204" pitchFamily="34" charset="0"/>
                   <a:buChar char="•"/>
                 </a:pPr>
@@ -7969,6 +14376,9 @@
               </a:p>
               <a:p>
                 <a:pPr marL="742950" lvl="1" indent="-285750">
+                  <a:lnSpc>
+                    <a:spcPct val="150000"/>
+                  </a:lnSpc>
                   <a:buFont typeface="Arial" panose="020B0604020202020204" pitchFamily="34" charset="0"/>
                   <a:buChar char="•"/>
                 </a:pPr>
@@ -8035,6 +14445,9 @@
               </a:p>
               <a:p>
                 <a:pPr marL="742950" lvl="1" indent="-285750">
+                  <a:lnSpc>
+                    <a:spcPct val="150000"/>
+                  </a:lnSpc>
                   <a:buFont typeface="Arial" panose="020B0604020202020204" pitchFamily="34" charset="0"/>
                   <a:buChar char="•"/>
                 </a:pPr>
@@ -8161,6 +14574,9 @@
               </a:p>
               <a:p>
                 <a:pPr marL="742950" lvl="1" indent="-285750">
+                  <a:lnSpc>
+                    <a:spcPct val="150000"/>
+                  </a:lnSpc>
                   <a:buFont typeface="Arial" panose="020B0604020202020204" pitchFamily="34" charset="0"/>
                   <a:buChar char="•"/>
                 </a:pPr>
@@ -8225,7 +14641,7 @@
                                 <a:lumMod val="95000"/>
                               </a:schemeClr>
                             </a:solidFill>
-                            <a:latin typeface="Cambria Math"/>
+                            <a:latin typeface="Cambria Math" panose="02040503050406030204" pitchFamily="18" charset="0"/>
                           </a:rPr>
                         </m:ctrlPr>
                       </m:sSupPr>
@@ -8341,6 +14757,9 @@
               </a:p>
               <a:p>
                 <a:pPr marL="742950" lvl="1" indent="-285750">
+                  <a:lnSpc>
+                    <a:spcPct val="150000"/>
+                  </a:lnSpc>
                   <a:buFont typeface="Arial" panose="020B0604020202020204" pitchFamily="34" charset="0"/>
                   <a:buChar char="•"/>
                 </a:pPr>
@@ -8354,6 +14773,9 @@
               </a:p>
               <a:p>
                 <a:pPr marL="742950" lvl="1" indent="-285750">
+                  <a:lnSpc>
+                    <a:spcPct val="150000"/>
+                  </a:lnSpc>
                   <a:buFont typeface="Arial" panose="020B0604020202020204" pitchFamily="34" charset="0"/>
                   <a:buChar char="•"/>
                 </a:pPr>
@@ -8466,6 +14888,9 @@
               </a:p>
               <a:p>
                 <a:pPr marL="742950" lvl="1" indent="-285750">
+                  <a:lnSpc>
+                    <a:spcPct val="150000"/>
+                  </a:lnSpc>
                   <a:buFont typeface="Arial" panose="020B0604020202020204" pitchFamily="34" charset="0"/>
                   <a:buChar char="•"/>
                 </a:pPr>
@@ -8603,7 +15028,7 @@
             </p:txBody>
           </p:sp>
         </mc:Choice>
-        <mc:Fallback xmlns="">
+        <mc:Fallback>
           <p:sp>
             <p:nvSpPr>
               <p:cNvPr id="11" name="TextBox 10">
@@ -8620,8 +15045,8 @@
             </p:nvSpPr>
             <p:spPr>
               <a:xfrm>
-                <a:off x="543271" y="619307"/>
-                <a:ext cx="10656277" cy="4431983"/>
+                <a:off x="534034" y="413485"/>
+                <a:ext cx="10656277" cy="6225102"/>
               </a:xfrm>
               <a:prstGeom prst="rect">
                 <a:avLst/>
@@ -8629,7 +15054,7 @@
               <a:blipFill>
                 <a:blip r:embed="rId2"/>
                 <a:stretch>
-                  <a:fillRect l="-744" t="-1100" r="-515" b="-1238"/>
+                  <a:fillRect l="-801" r="-458"/>
                 </a:stretch>
               </a:blipFill>
             </p:spPr>
@@ -8693,7 +15118,7 @@
           <p:cNvPr id="5" name="TextBox 4">
             <a:extLst>
               <a:ext uri="{FF2B5EF4-FFF2-40B4-BE49-F238E27FC236}">
-                <a16:creationId xmlns:a16="http://schemas.microsoft.com/office/drawing/2014/main" xmlns="" id="{6AB028A2-68AB-4D27-B916-1465B478BA6D}"/>
+                <a16:creationId xmlns:a16="http://schemas.microsoft.com/office/drawing/2014/main" id="{6AB028A2-68AB-4D27-B916-1465B478BA6D}"/>
               </a:ext>
             </a:extLst>
           </p:cNvPr>
@@ -8745,7 +15170,7 @@
           <p:cNvPr id="6" name="직선 화살표 연결선 5">
             <a:extLst>
               <a:ext uri="{FF2B5EF4-FFF2-40B4-BE49-F238E27FC236}">
-                <a16:creationId xmlns:a16="http://schemas.microsoft.com/office/drawing/2014/main" xmlns="" id="{4395CF84-CC55-42F4-92AA-DD15C7586EF3}"/>
+                <a16:creationId xmlns:a16="http://schemas.microsoft.com/office/drawing/2014/main" id="{4395CF84-CC55-42F4-92AA-DD15C7586EF3}"/>
               </a:ext>
             </a:extLst>
           </p:cNvPr>
@@ -8786,7 +15211,7 @@
           <p:cNvPr id="8" name="TextBox 7">
             <a:extLst>
               <a:ext uri="{FF2B5EF4-FFF2-40B4-BE49-F238E27FC236}">
-                <a16:creationId xmlns:a16="http://schemas.microsoft.com/office/drawing/2014/main" xmlns="" id="{993C4FAB-12D8-44A3-B3A5-F6586F8E1A4C}"/>
+                <a16:creationId xmlns:a16="http://schemas.microsoft.com/office/drawing/2014/main" id="{993C4FAB-12D8-44A3-B3A5-F6586F8E1A4C}"/>
               </a:ext>
             </a:extLst>
           </p:cNvPr>
@@ -8830,7 +15255,7 @@
           <p:cNvPr id="9" name="직선 화살표 연결선 8">
             <a:extLst>
               <a:ext uri="{FF2B5EF4-FFF2-40B4-BE49-F238E27FC236}">
-                <a16:creationId xmlns:a16="http://schemas.microsoft.com/office/drawing/2014/main" xmlns="" id="{9FF2416B-1FBC-4AD5-9D56-B2043483ED4E}"/>
+                <a16:creationId xmlns:a16="http://schemas.microsoft.com/office/drawing/2014/main" id="{9FF2416B-1FBC-4AD5-9D56-B2043483ED4E}"/>
               </a:ext>
             </a:extLst>
           </p:cNvPr>
@@ -8869,7 +15294,7 @@
           <p:cNvPr id="10" name="TextBox 9">
             <a:extLst>
               <a:ext uri="{FF2B5EF4-FFF2-40B4-BE49-F238E27FC236}">
-                <a16:creationId xmlns:a16="http://schemas.microsoft.com/office/drawing/2014/main" xmlns="" id="{CAA4CD3D-8674-49E4-8352-CAEE5920B1C5}"/>
+                <a16:creationId xmlns:a16="http://schemas.microsoft.com/office/drawing/2014/main" id="{CAA4CD3D-8674-49E4-8352-CAEE5920B1C5}"/>
               </a:ext>
             </a:extLst>
           </p:cNvPr>
@@ -8929,7 +15354,7 @@
           <p:cNvPr id="12" name="TextBox 11">
             <a:extLst>
               <a:ext uri="{FF2B5EF4-FFF2-40B4-BE49-F238E27FC236}">
-                <a16:creationId xmlns:a16="http://schemas.microsoft.com/office/drawing/2014/main" xmlns="" id="{135E210C-72BF-4DB2-BAF2-0F829620A28A}"/>
+                <a16:creationId xmlns:a16="http://schemas.microsoft.com/office/drawing/2014/main" id="{135E210C-72BF-4DB2-BAF2-0F829620A28A}"/>
               </a:ext>
             </a:extLst>
           </p:cNvPr>
@@ -9143,7 +15568,7 @@
           <p:cNvPr id="12" name="TextBox 11">
             <a:extLst>
               <a:ext uri="{FF2B5EF4-FFF2-40B4-BE49-F238E27FC236}">
-                <a16:creationId xmlns:a16="http://schemas.microsoft.com/office/drawing/2014/main" xmlns="" id="{135E210C-72BF-4DB2-BAF2-0F829620A28A}"/>
+                <a16:creationId xmlns:a16="http://schemas.microsoft.com/office/drawing/2014/main" id="{135E210C-72BF-4DB2-BAF2-0F829620A28A}"/>
               </a:ext>
             </a:extLst>
           </p:cNvPr>
@@ -9153,7 +15578,7 @@
         <p:spPr>
           <a:xfrm>
             <a:off x="623482" y="614662"/>
-            <a:ext cx="10656277" cy="1384995"/>
+            <a:ext cx="10656277" cy="1846659"/>
           </a:xfrm>
           <a:prstGeom prst="rect">
             <a:avLst/>
@@ -9178,21 +15603,8 @@
                   </a:schemeClr>
                 </a:solidFill>
               </a:rPr>
-              <a:t>충돌 회피</a:t>
-            </a:r>
-            <a:endParaRPr lang="en-US" altLang="ko-KR" sz="2400" dirty="0">
-              <a:solidFill>
-                <a:schemeClr val="bg1">
-                  <a:lumMod val="95000"/>
-                </a:schemeClr>
-              </a:solidFill>
-            </a:endParaRPr>
-          </a:p>
-          <a:p>
-            <a:pPr marL="285750" indent="-285750">
-              <a:buFont typeface="Arial" panose="020B0604020202020204" pitchFamily="34" charset="0"/>
-              <a:buChar char="•"/>
-            </a:pPr>
+              <a:t>충돌</a:t>
+            </a:r>
             <a:endParaRPr lang="en-US" altLang="ko-KR" sz="2400" dirty="0">
               <a:solidFill>
                 <a:schemeClr val="bg1">
@@ -9207,6 +15619,26 @@
               <a:buChar char="•"/>
             </a:pPr>
             <a:r>
+              <a:rPr lang="ko-KR" altLang="en-US" dirty="0" err="1">
+                <a:solidFill>
+                  <a:schemeClr val="bg1">
+                    <a:lumMod val="95000"/>
+                  </a:schemeClr>
+                </a:solidFill>
+              </a:rPr>
+              <a:t>여기까지만</a:t>
+            </a:r>
+            <a:r>
+              <a:rPr lang="ko-KR" altLang="en-US" dirty="0">
+                <a:solidFill>
+                  <a:schemeClr val="bg1">
+                    <a:lumMod val="95000"/>
+                  </a:schemeClr>
+                </a:solidFill>
+              </a:rPr>
+              <a:t> 보면 </a:t>
+            </a:r>
+            <a:r>
               <a:rPr lang="en-US" altLang="ko-KR" dirty="0">
                 <a:solidFill>
                   <a:schemeClr val="bg1">
@@ -9214,18 +15646,114 @@
                   </a:schemeClr>
                 </a:solidFill>
               </a:rPr>
-              <a:t>Chaining </a:t>
-            </a:r>
-            <a:r>
-              <a:rPr lang="ko-KR" altLang="en-US" dirty="0">
-                <a:solidFill>
-                  <a:schemeClr val="bg1">
-                    <a:lumMod val="95000"/>
-                  </a:schemeClr>
-                </a:solidFill>
-              </a:rPr>
-              <a:t>기법</a:t>
-            </a:r>
+              <a:t>Hash</a:t>
+            </a:r>
+            <a:r>
+              <a:rPr lang="ko-KR" altLang="en-US" dirty="0">
+                <a:solidFill>
+                  <a:schemeClr val="bg1">
+                    <a:lumMod val="95000"/>
+                  </a:schemeClr>
+                </a:solidFill>
+              </a:rPr>
+              <a:t>는 그냥 키를 해시 함수에 넣어서 적당한 범위의 정수로 바꾸고 그걸 배열의 인덱스로 이용해 해시 테이블에서 값을 잘 처리해주면 끝인 것 같아 보입니다</a:t>
+            </a:r>
+            <a:r>
+              <a:rPr lang="en-US" altLang="ko-KR" dirty="0">
+                <a:solidFill>
+                  <a:schemeClr val="bg1">
+                    <a:lumMod val="95000"/>
+                  </a:schemeClr>
+                </a:solidFill>
+              </a:rPr>
+              <a:t>. </a:t>
+            </a:r>
+            <a:r>
+              <a:rPr lang="ko-KR" altLang="en-US" dirty="0">
+                <a:solidFill>
+                  <a:schemeClr val="bg1">
+                    <a:lumMod val="95000"/>
+                  </a:schemeClr>
+                </a:solidFill>
+              </a:rPr>
+              <a:t>그러나</a:t>
+            </a:r>
+            <a:r>
+              <a:rPr lang="en-US" altLang="ko-KR" dirty="0">
+                <a:solidFill>
+                  <a:schemeClr val="bg1">
+                    <a:lumMod val="95000"/>
+                  </a:schemeClr>
+                </a:solidFill>
+              </a:rPr>
+              <a:t>, </a:t>
+            </a:r>
+            <a:r>
+              <a:rPr lang="ko-KR" altLang="en-US" dirty="0">
+                <a:solidFill>
+                  <a:schemeClr val="bg1">
+                    <a:lumMod val="95000"/>
+                  </a:schemeClr>
+                </a:solidFill>
+              </a:rPr>
+              <a:t>충돌이라는 큰 리스크가 있고</a:t>
+            </a:r>
+            <a:r>
+              <a:rPr lang="en-US" altLang="ko-KR" dirty="0">
+                <a:solidFill>
+                  <a:schemeClr val="bg1">
+                    <a:lumMod val="95000"/>
+                  </a:schemeClr>
+                </a:solidFill>
+              </a:rPr>
+              <a:t>, </a:t>
+            </a:r>
+            <a:r>
+              <a:rPr lang="ko-KR" altLang="en-US" dirty="0">
+                <a:solidFill>
+                  <a:schemeClr val="bg1">
+                    <a:lumMod val="95000"/>
+                  </a:schemeClr>
+                </a:solidFill>
+              </a:rPr>
+              <a:t>이를 잘 </a:t>
+            </a:r>
+            <a:r>
+              <a:rPr lang="ko-KR" altLang="en-US" dirty="0" err="1">
+                <a:solidFill>
+                  <a:schemeClr val="bg1">
+                    <a:lumMod val="95000"/>
+                  </a:schemeClr>
+                </a:solidFill>
+              </a:rPr>
+              <a:t>처리하는게</a:t>
+            </a:r>
+            <a:r>
+              <a:rPr lang="ko-KR" altLang="en-US" dirty="0">
+                <a:solidFill>
+                  <a:schemeClr val="bg1">
+                    <a:lumMod val="95000"/>
+                  </a:schemeClr>
+                </a:solidFill>
+              </a:rPr>
+              <a:t> 해시의 성능의 지표가 됩니다</a:t>
+            </a:r>
+            <a:r>
+              <a:rPr lang="en-US" altLang="ko-KR" dirty="0">
+                <a:solidFill>
+                  <a:schemeClr val="bg1">
+                    <a:lumMod val="95000"/>
+                  </a:schemeClr>
+                </a:solidFill>
+              </a:rPr>
+              <a:t>. </a:t>
+            </a:r>
+          </a:p>
+          <a:p>
+            <a:pPr marL="742950" lvl="1" indent="-285750">
+              <a:buFont typeface="Arial" panose="020B0604020202020204" pitchFamily="34" charset="0"/>
+              <a:buChar char="•"/>
+            </a:pPr>
             <a:endParaRPr lang="en-US" altLang="ko-KR" dirty="0">
               <a:solidFill>
                 <a:schemeClr val="bg1">
@@ -9240,24 +15768,14 @@
               <a:buChar char="•"/>
             </a:pPr>
             <a:r>
-              <a:rPr lang="en-US" altLang="ko-KR" dirty="0">
-                <a:solidFill>
-                  <a:schemeClr val="bg1">
-                    <a:lumMod val="95000"/>
-                  </a:schemeClr>
-                </a:solidFill>
-              </a:rPr>
-              <a:t>Open Addressing </a:t>
-            </a:r>
-            <a:r>
-              <a:rPr lang="ko-KR" altLang="en-US" dirty="0">
-                <a:solidFill>
-                  <a:schemeClr val="bg1">
-                    <a:lumMod val="95000"/>
-                  </a:schemeClr>
-                </a:solidFill>
-              </a:rPr>
-              <a:t>기법</a:t>
+              <a:rPr lang="ko-KR" altLang="en-US" dirty="0">
+                <a:solidFill>
+                  <a:schemeClr val="bg1">
+                    <a:lumMod val="95000"/>
+                  </a:schemeClr>
+                </a:solidFill>
+              </a:rPr>
+              <a:t>충돌이란</a:t>
             </a:r>
             <a:endParaRPr lang="en-US" altLang="ko-KR" dirty="0">
               <a:solidFill>
@@ -9266,6 +15784,430 @@
                 </a:schemeClr>
               </a:solidFill>
             </a:endParaRPr>
+          </a:p>
+        </p:txBody>
+      </p:sp>
+      <p:graphicFrame>
+        <p:nvGraphicFramePr>
+          <p:cNvPr id="3" name="표 2">
+            <a:extLst>
+              <a:ext uri="{FF2B5EF4-FFF2-40B4-BE49-F238E27FC236}">
+                <a16:creationId xmlns:a16="http://schemas.microsoft.com/office/drawing/2014/main" id="{C839CA89-1F49-D04B-E6E6-C9757B6CBD53}"/>
+              </a:ext>
+            </a:extLst>
+          </p:cNvPr>
+          <p:cNvGraphicFramePr>
+            <a:graphicFrameLocks noGrp="1"/>
+          </p:cNvGraphicFramePr>
+          <p:nvPr>
+            <p:extLst>
+              <p:ext uri="{D42A27DB-BD31-4B8C-83A1-F6EECF244321}">
+                <p14:modId xmlns:p14="http://schemas.microsoft.com/office/powerpoint/2010/main" val="250715052"/>
+              </p:ext>
+            </p:extLst>
+          </p:nvPr>
+        </p:nvGraphicFramePr>
+        <p:xfrm>
+          <a:off x="1563862" y="2664521"/>
+          <a:ext cx="8128000" cy="2131162"/>
+        </p:xfrm>
+        <a:graphic>
+          <a:graphicData uri="http://schemas.openxmlformats.org/drawingml/2006/table">
+            <a:tbl>
+              <a:tblPr firstRow="1" bandRow="1">
+                <a:tableStyleId>{5C22544A-7EE6-4342-B048-85BDC9FD1C3A}</a:tableStyleId>
+              </a:tblPr>
+              <a:tblGrid>
+                <a:gridCol w="4064000">
+                  <a:extLst>
+                    <a:ext uri="{9D8B030D-6E8A-4147-A177-3AD203B41FA5}">
+                      <a16:colId xmlns:a16="http://schemas.microsoft.com/office/drawing/2014/main" val="325052850"/>
+                    </a:ext>
+                  </a:extLst>
+                </a:gridCol>
+                <a:gridCol w="4064000">
+                  <a:extLst>
+                    <a:ext uri="{9D8B030D-6E8A-4147-A177-3AD203B41FA5}">
+                      <a16:colId xmlns:a16="http://schemas.microsoft.com/office/drawing/2014/main" val="596348643"/>
+                    </a:ext>
+                  </a:extLst>
+                </a:gridCol>
+              </a:tblGrid>
+              <a:tr h="703870">
+                <a:tc>
+                  <a:txBody>
+                    <a:bodyPr/>
+                    <a:lstStyle/>
+                    <a:p>
+                      <a:pPr algn="ctr" latinLnBrk="1"/>
+                      <a:r>
+                        <a:rPr lang="en-US" altLang="ko-KR" sz="2000" dirty="0">
+                          <a:solidFill>
+                            <a:srgbClr val="FF0000"/>
+                          </a:solidFill>
+                        </a:rPr>
+                        <a:t>Key</a:t>
+                      </a:r>
+                      <a:endParaRPr lang="ko-KR" altLang="en-US" sz="2000" dirty="0">
+                        <a:solidFill>
+                          <a:srgbClr val="FF0000"/>
+                        </a:solidFill>
+                      </a:endParaRPr>
+                    </a:p>
+                  </a:txBody>
+                  <a:tcPr anchor="ctr">
+                    <a:noFill/>
+                  </a:tcPr>
+                </a:tc>
+                <a:tc>
+                  <a:txBody>
+                    <a:bodyPr/>
+                    <a:lstStyle/>
+                    <a:p>
+                      <a:pPr algn="ctr" latinLnBrk="1"/>
+                      <a:r>
+                        <a:rPr lang="en-US" altLang="ko-KR" sz="2000" dirty="0">
+                          <a:solidFill>
+                            <a:srgbClr val="FF0000"/>
+                          </a:solidFill>
+                        </a:rPr>
+                        <a:t>value</a:t>
+                      </a:r>
+                      <a:endParaRPr lang="ko-KR" altLang="en-US" sz="2000" dirty="0">
+                        <a:solidFill>
+                          <a:srgbClr val="FF0000"/>
+                        </a:solidFill>
+                      </a:endParaRPr>
+                    </a:p>
+                  </a:txBody>
+                  <a:tcPr anchor="ctr">
+                    <a:noFill/>
+                  </a:tcPr>
+                </a:tc>
+                <a:extLst>
+                  <a:ext uri="{0D108BD9-81ED-4DB2-BD59-A6C34878D82A}">
+                    <a16:rowId xmlns:a16="http://schemas.microsoft.com/office/drawing/2014/main" val="3470215107"/>
+                  </a:ext>
+                </a:extLst>
+              </a:tr>
+              <a:tr h="713646">
+                <a:tc>
+                  <a:txBody>
+                    <a:bodyPr/>
+                    <a:lstStyle/>
+                    <a:p>
+                      <a:pPr algn="ctr" latinLnBrk="1"/>
+                      <a:r>
+                        <a:rPr lang="en-US" altLang="ko-KR" sz="2000" dirty="0">
+                          <a:solidFill>
+                            <a:schemeClr val="bg1">
+                              <a:lumMod val="95000"/>
+                            </a:schemeClr>
+                          </a:solidFill>
+                        </a:rPr>
+                        <a:t>0000 0000 0000 5135</a:t>
+                      </a:r>
+                      <a:endParaRPr lang="ko-KR" altLang="en-US" sz="2000" dirty="0">
+                        <a:solidFill>
+                          <a:schemeClr val="bg1">
+                            <a:lumMod val="95000"/>
+                          </a:schemeClr>
+                        </a:solidFill>
+                      </a:endParaRPr>
+                    </a:p>
+                  </a:txBody>
+                  <a:tcPr anchor="ctr">
+                    <a:noFill/>
+                  </a:tcPr>
+                </a:tc>
+                <a:tc>
+                  <a:txBody>
+                    <a:bodyPr/>
+                    <a:lstStyle/>
+                    <a:p>
+                      <a:pPr algn="ctr" latinLnBrk="1"/>
+                      <a:r>
+                        <a:rPr lang="en-US" altLang="ko-KR" sz="2000" dirty="0" err="1">
+                          <a:solidFill>
+                            <a:schemeClr val="bg1">
+                              <a:lumMod val="95000"/>
+                            </a:schemeClr>
+                          </a:solidFill>
+                        </a:rPr>
+                        <a:t>kim</a:t>
+                      </a:r>
+                      <a:endParaRPr lang="en-US" altLang="ko-KR" sz="2000" dirty="0">
+                        <a:solidFill>
+                          <a:schemeClr val="bg1">
+                            <a:lumMod val="95000"/>
+                          </a:schemeClr>
+                        </a:solidFill>
+                      </a:endParaRPr>
+                    </a:p>
+                  </a:txBody>
+                  <a:tcPr anchor="ctr">
+                    <a:noFill/>
+                  </a:tcPr>
+                </a:tc>
+                <a:extLst>
+                  <a:ext uri="{0D108BD9-81ED-4DB2-BD59-A6C34878D82A}">
+                    <a16:rowId xmlns:a16="http://schemas.microsoft.com/office/drawing/2014/main" val="1631254270"/>
+                  </a:ext>
+                </a:extLst>
+              </a:tr>
+              <a:tr h="713646">
+                <a:tc>
+                  <a:txBody>
+                    <a:bodyPr/>
+                    <a:lstStyle/>
+                    <a:p>
+                      <a:pPr marL="0" marR="0" lvl="0" indent="0" algn="ctr" defTabSz="914400" rtl="0" eaLnBrk="1" fontAlgn="auto" latinLnBrk="1" hangingPunct="1">
+                        <a:lnSpc>
+                          <a:spcPct val="100000"/>
+                        </a:lnSpc>
+                        <a:spcBef>
+                          <a:spcPts val="0"/>
+                        </a:spcBef>
+                        <a:spcAft>
+                          <a:spcPts val="0"/>
+                        </a:spcAft>
+                        <a:buClrTx/>
+                        <a:buSzTx/>
+                        <a:buFontTx/>
+                        <a:buNone/>
+                        <a:tabLst/>
+                        <a:defRPr/>
+                      </a:pPr>
+                      <a:endParaRPr lang="ko-KR" altLang="en-US" sz="2000" dirty="0">
+                        <a:solidFill>
+                          <a:schemeClr val="bg1">
+                            <a:lumMod val="95000"/>
+                          </a:schemeClr>
+                        </a:solidFill>
+                      </a:endParaRPr>
+                    </a:p>
+                  </a:txBody>
+                  <a:tcPr anchor="ctr">
+                    <a:noFill/>
+                  </a:tcPr>
+                </a:tc>
+                <a:tc>
+                  <a:txBody>
+                    <a:bodyPr/>
+                    <a:lstStyle/>
+                    <a:p>
+                      <a:pPr marL="0" marR="0" lvl="0" indent="0" algn="ctr" defTabSz="914400" rtl="0" eaLnBrk="1" fontAlgn="auto" latinLnBrk="1" hangingPunct="1">
+                        <a:lnSpc>
+                          <a:spcPct val="100000"/>
+                        </a:lnSpc>
+                        <a:spcBef>
+                          <a:spcPts val="0"/>
+                        </a:spcBef>
+                        <a:spcAft>
+                          <a:spcPts val="0"/>
+                        </a:spcAft>
+                        <a:buClrTx/>
+                        <a:buSzTx/>
+                        <a:buFontTx/>
+                        <a:buNone/>
+                        <a:tabLst/>
+                        <a:defRPr/>
+                      </a:pPr>
+                      <a:endParaRPr lang="ko-KR" altLang="en-US" sz="2000" dirty="0">
+                        <a:solidFill>
+                          <a:schemeClr val="bg1">
+                            <a:lumMod val="95000"/>
+                          </a:schemeClr>
+                        </a:solidFill>
+                      </a:endParaRPr>
+                    </a:p>
+                  </a:txBody>
+                  <a:tcPr anchor="ctr">
+                    <a:noFill/>
+                  </a:tcPr>
+                </a:tc>
+                <a:extLst>
+                  <a:ext uri="{0D108BD9-81ED-4DB2-BD59-A6C34878D82A}">
+                    <a16:rowId xmlns:a16="http://schemas.microsoft.com/office/drawing/2014/main" val="3533667079"/>
+                  </a:ext>
+                </a:extLst>
+              </a:tr>
+            </a:tbl>
+          </a:graphicData>
+        </a:graphic>
+      </p:graphicFrame>
+      <p:sp>
+        <p:nvSpPr>
+          <p:cNvPr id="5" name="TextBox 4">
+            <a:extLst>
+              <a:ext uri="{FF2B5EF4-FFF2-40B4-BE49-F238E27FC236}">
+                <a16:creationId xmlns:a16="http://schemas.microsoft.com/office/drawing/2014/main" id="{815E5399-02D6-E853-53ED-1B9ECD2A4E89}"/>
+              </a:ext>
+            </a:extLst>
+          </p:cNvPr>
+          <p:cNvSpPr txBox="1"/>
+          <p:nvPr/>
+        </p:nvSpPr>
+        <p:spPr>
+          <a:xfrm>
+            <a:off x="1403955" y="5082010"/>
+            <a:ext cx="8777435" cy="923330"/>
+          </a:xfrm>
+          <a:prstGeom prst="rect">
+            <a:avLst/>
+          </a:prstGeom>
+          <a:noFill/>
+        </p:spPr>
+        <p:txBody>
+          <a:bodyPr wrap="square" rtlCol="0">
+            <a:spAutoFit/>
+          </a:bodyPr>
+          <a:lstStyle/>
+          <a:p>
+            <a:pPr marL="342900" indent="-342900">
+              <a:buFont typeface="Arial" panose="020B0604020202020204" pitchFamily="34" charset="0"/>
+              <a:buChar char="•"/>
+            </a:pPr>
+            <a:r>
+              <a:rPr lang="ko-KR" altLang="en-US" dirty="0" err="1">
+                <a:solidFill>
+                  <a:schemeClr val="bg1">
+                    <a:lumMod val="95000"/>
+                  </a:schemeClr>
+                </a:solidFill>
+              </a:rPr>
+              <a:t>뒷</a:t>
+            </a:r>
+            <a:r>
+              <a:rPr lang="ko-KR" altLang="en-US" dirty="0">
+                <a:solidFill>
+                  <a:schemeClr val="bg1">
+                    <a:lumMod val="95000"/>
+                  </a:schemeClr>
+                </a:solidFill>
+              </a:rPr>
+              <a:t> </a:t>
+            </a:r>
+            <a:r>
+              <a:rPr lang="en-US" altLang="ko-KR" dirty="0">
+                <a:solidFill>
+                  <a:schemeClr val="bg1">
+                    <a:lumMod val="95000"/>
+                  </a:schemeClr>
+                </a:solidFill>
+              </a:rPr>
+              <a:t>4</a:t>
+            </a:r>
+            <a:r>
+              <a:rPr lang="ko-KR" altLang="en-US" dirty="0">
+                <a:solidFill>
+                  <a:schemeClr val="bg1">
+                    <a:lumMod val="95000"/>
+                  </a:schemeClr>
+                </a:solidFill>
+              </a:rPr>
+              <a:t>자리만 보는 해시 자료구조에 </a:t>
+            </a:r>
+            <a:r>
+              <a:rPr lang="en-US" altLang="ko-KR" dirty="0">
+                <a:solidFill>
+                  <a:schemeClr val="bg1">
+                    <a:lumMod val="95000"/>
+                  </a:schemeClr>
+                </a:solidFill>
+              </a:rPr>
+              <a:t>0000 0000 0000 5135, </a:t>
+            </a:r>
+            <a:r>
+              <a:rPr lang="en-US" altLang="ko-KR" dirty="0" err="1">
+                <a:solidFill>
+                  <a:schemeClr val="bg1">
+                    <a:lumMod val="95000"/>
+                  </a:schemeClr>
+                </a:solidFill>
+              </a:rPr>
+              <a:t>kim</a:t>
+            </a:r>
+            <a:r>
+              <a:rPr lang="ko-KR" altLang="en-US" dirty="0">
+                <a:solidFill>
+                  <a:schemeClr val="bg1">
+                    <a:lumMod val="95000"/>
+                  </a:schemeClr>
+                </a:solidFill>
+              </a:rPr>
+              <a:t>이라는 키와 값의 쌍을 삽입하겠습니다</a:t>
+            </a:r>
+            <a:r>
+              <a:rPr lang="en-US" altLang="ko-KR" dirty="0">
+                <a:solidFill>
+                  <a:schemeClr val="bg1">
+                    <a:lumMod val="95000"/>
+                  </a:schemeClr>
+                </a:solidFill>
+              </a:rPr>
+              <a:t>. </a:t>
+            </a:r>
+            <a:r>
+              <a:rPr lang="ko-KR" altLang="en-US" dirty="0">
+                <a:solidFill>
+                  <a:schemeClr val="bg1">
+                    <a:lumMod val="95000"/>
+                  </a:schemeClr>
+                </a:solidFill>
+              </a:rPr>
+              <a:t>이렇게 삽입을 하게 되면</a:t>
+            </a:r>
+            <a:r>
+              <a:rPr lang="en-US" altLang="ko-KR" dirty="0">
+                <a:solidFill>
+                  <a:schemeClr val="bg1">
+                    <a:lumMod val="95000"/>
+                  </a:schemeClr>
+                </a:solidFill>
+              </a:rPr>
+              <a:t>, 5135</a:t>
+            </a:r>
+            <a:r>
+              <a:rPr lang="ko-KR" altLang="en-US" dirty="0">
+                <a:solidFill>
+                  <a:schemeClr val="bg1">
+                    <a:lumMod val="95000"/>
+                  </a:schemeClr>
+                </a:solidFill>
+              </a:rPr>
+              <a:t>번째 인덱스에 </a:t>
+            </a:r>
+            <a:r>
+              <a:rPr lang="en-US" altLang="ko-KR" dirty="0">
+                <a:solidFill>
+                  <a:schemeClr val="bg1">
+                    <a:lumMod val="95000"/>
+                  </a:schemeClr>
+                </a:solidFill>
+              </a:rPr>
+              <a:t>Kim</a:t>
+            </a:r>
+            <a:r>
+              <a:rPr lang="ko-KR" altLang="en-US" dirty="0">
+                <a:solidFill>
+                  <a:schemeClr val="bg1">
+                    <a:lumMod val="95000"/>
+                  </a:schemeClr>
+                </a:solidFill>
+              </a:rPr>
+              <a:t>을 나타내는 값이 들어가게 됩니다</a:t>
+            </a:r>
+            <a:r>
+              <a:rPr lang="en-US" altLang="ko-KR" dirty="0">
+                <a:solidFill>
+                  <a:schemeClr val="bg1">
+                    <a:lumMod val="95000"/>
+                  </a:schemeClr>
+                </a:solidFill>
+              </a:rPr>
+              <a:t>.</a:t>
+            </a:r>
           </a:p>
         </p:txBody>
       </p:sp>
@@ -9571,7 +16513,7 @@
   <a:extraClrSchemeLst/>
   <a:extLst>
     <a:ext uri="{05A4C25C-085E-4340-85A3-A5531E510DB2}">
-      <thm15:themeFamily xmlns:thm15="http://schemas.microsoft.com/office/thememl/2012/main" xmlns="" name="Office Theme" id="{62F939B6-93AF-4DB8-9C6B-D6C7DFDC589F}" vid="{4A3C46E8-61CC-4603-A589-7422A47A8E4A}"/>
+      <thm15:themeFamily xmlns:thm15="http://schemas.microsoft.com/office/thememl/2012/main" name="Office Theme" id="{62F939B6-93AF-4DB8-9C6B-D6C7DFDC589F}" vid="{4A3C46E8-61CC-4603-A589-7422A47A8E4A}"/>
     </a:ext>
   </a:extLst>
 </a:theme>
